--- a/Unity 3D and Azure.pptx
+++ b/Unity 3D and Azure.pptx
@@ -10,6 +10,7 @@
     <p:sldId id="257" r:id="rId4"/>
     <p:sldId id="258" r:id="rId5"/>
     <p:sldId id="260" r:id="rId6"/>
+    <p:sldId id="261" r:id="rId7"/>
   </p:sldIdLst>
   <p:sldSz cx="12192000" cy="6858000"/>
   <p:notesSz cx="6858000" cy="9144000"/>
@@ -108,6 +109,11 @@
       </a:defRPr>
     </a:lvl9pPr>
   </p:defaultTextStyle>
+  <p:extLst>
+    <p:ext uri="{EFAFB233-063F-42B5-8137-9DF3F51BA10A}">
+      <p15:sldGuideLst xmlns:p15="http://schemas.microsoft.com/office/powerpoint/2012/main"/>
+    </p:ext>
+  </p:extLst>
 </p:presentation>
 </file>
 
@@ -6423,6 +6429,612 @@
 </p:sld>
 </file>
 
+<file path=ppt/slides/slide6.xml><?xml version="1.0" encoding="utf-8"?>
+<p:sld xmlns:a="http://schemas.openxmlformats.org/drawingml/2006/main" xmlns:r="http://schemas.openxmlformats.org/officeDocument/2006/relationships" xmlns:p="http://schemas.openxmlformats.org/presentationml/2006/main">
+  <p:cSld>
+    <p:spTree>
+      <p:nvGrpSpPr>
+        <p:cNvPr id="1" name=""/>
+        <p:cNvGrpSpPr/>
+        <p:nvPr/>
+      </p:nvGrpSpPr>
+      <p:grpSpPr>
+        <a:xfrm>
+          <a:off x="0" y="0"/>
+          <a:ext cx="0" cy="0"/>
+          <a:chOff x="0" y="0"/>
+          <a:chExt cx="0" cy="0"/>
+        </a:xfrm>
+      </p:grpSpPr>
+      <p:sp>
+        <p:nvSpPr>
+          <p:cNvPr id="3" name="Content Placeholder 2"/>
+          <p:cNvSpPr>
+            <a:spLocks noGrp="1"/>
+          </p:cNvSpPr>
+          <p:nvPr>
+            <p:ph idx="1"/>
+          </p:nvPr>
+        </p:nvSpPr>
+        <p:spPr>
+          <a:xfrm>
+            <a:off x="677334" y="266701"/>
+            <a:ext cx="4593166" cy="5774662"/>
+          </a:xfrm>
+        </p:spPr>
+        <p:txBody>
+          <a:bodyPr>
+            <a:normAutofit/>
+          </a:bodyPr>
+          <a:lstStyle/>
+          <a:p>
+            <a:r>
+              <a:rPr lang="en-US" dirty="0" err="1" smtClean="0"/>
+              <a:t>Createing</a:t>
+            </a:r>
+            <a:r>
+              <a:rPr lang="en-US" dirty="0" smtClean="0"/>
+              <a:t> The </a:t>
+            </a:r>
+            <a:r>
+              <a:rPr lang="en-US" dirty="0" err="1" smtClean="0"/>
+              <a:t>Leaderboard.Data</a:t>
+            </a:r>
+            <a:r>
+              <a:rPr lang="en-US" dirty="0" smtClean="0"/>
+              <a:t> Project</a:t>
+            </a:r>
+          </a:p>
+          <a:p>
+            <a:pPr lvl="1"/>
+            <a:r>
+              <a:rPr lang="en-US" dirty="0"/>
+              <a:t>Create the entity model</a:t>
+            </a:r>
+          </a:p>
+          <a:p>
+            <a:pPr lvl="1"/>
+            <a:r>
+              <a:rPr lang="en-US" dirty="0" smtClean="0"/>
+              <a:t>Create the </a:t>
+            </a:r>
+            <a:r>
+              <a:rPr lang="en-US" dirty="0" err="1" smtClean="0"/>
+              <a:t>datacontext</a:t>
+            </a:r>
+            <a:endParaRPr lang="en-US" dirty="0" smtClean="0"/>
+          </a:p>
+          <a:p>
+            <a:pPr lvl="2"/>
+            <a:r>
+              <a:rPr lang="en-US" dirty="0" smtClean="0"/>
+              <a:t>create the conventions</a:t>
+            </a:r>
+          </a:p>
+          <a:p>
+            <a:pPr lvl="1"/>
+            <a:r>
+              <a:rPr lang="en-US" dirty="0" smtClean="0"/>
+              <a:t>create the test project</a:t>
+            </a:r>
+          </a:p>
+          <a:p>
+            <a:pPr lvl="2"/>
+            <a:r>
+              <a:rPr lang="en-US" dirty="0" smtClean="0"/>
+              <a:t>create the </a:t>
+            </a:r>
+            <a:r>
+              <a:rPr lang="en-US" dirty="0" err="1" smtClean="0"/>
+              <a:t>AssemblyInitializeTest</a:t>
+            </a:r>
+            <a:endParaRPr lang="en-US" dirty="0" smtClean="0"/>
+          </a:p>
+          <a:p>
+            <a:pPr lvl="2"/>
+            <a:r>
+              <a:rPr lang="en-US" dirty="0" smtClean="0"/>
+              <a:t>Create the </a:t>
+            </a:r>
+            <a:r>
+              <a:rPr lang="en-US" dirty="0" err="1" smtClean="0"/>
+              <a:t>DropCreateDatabaseAlways</a:t>
+            </a:r>
+            <a:endParaRPr lang="en-US" dirty="0" smtClean="0"/>
+          </a:p>
+          <a:p>
+            <a:pPr lvl="2"/>
+            <a:r>
+              <a:rPr lang="en-US" dirty="0" smtClean="0"/>
+              <a:t>Create the </a:t>
+            </a:r>
+            <a:r>
+              <a:rPr lang="en-US" dirty="0" err="1" smtClean="0"/>
+              <a:t>userscoretest</a:t>
+            </a:r>
+            <a:endParaRPr lang="en-US" dirty="0" smtClean="0"/>
+          </a:p>
+          <a:p>
+            <a:pPr lvl="1"/>
+            <a:r>
+              <a:rPr lang="en-US" dirty="0" smtClean="0"/>
+              <a:t>Create the web </a:t>
+            </a:r>
+            <a:r>
+              <a:rPr lang="en-US" dirty="0" err="1" smtClean="0"/>
+              <a:t>api</a:t>
+            </a:r>
+            <a:r>
+              <a:rPr lang="en-US" dirty="0" smtClean="0"/>
+              <a:t> project</a:t>
+            </a:r>
+          </a:p>
+          <a:p>
+            <a:pPr lvl="2"/>
+            <a:r>
+              <a:rPr lang="en-US" dirty="0" smtClean="0"/>
+              <a:t>Auto </a:t>
+            </a:r>
+            <a:r>
+              <a:rPr lang="en-US" dirty="0" err="1" smtClean="0"/>
+              <a:t>api</a:t>
+            </a:r>
+            <a:r>
+              <a:rPr lang="en-US" dirty="0" smtClean="0"/>
+              <a:t> docs</a:t>
+            </a:r>
+          </a:p>
+          <a:p>
+            <a:pPr lvl="2"/>
+            <a:r>
+              <a:rPr lang="en-US" dirty="0" smtClean="0"/>
+              <a:t>Defaults for Route, Filter, </a:t>
+            </a:r>
+            <a:r>
+              <a:rPr lang="en-US" dirty="0" err="1" smtClean="0"/>
+              <a:t>Startup.Auth</a:t>
+            </a:r>
+            <a:endParaRPr lang="en-US" dirty="0" smtClean="0"/>
+          </a:p>
+          <a:p>
+            <a:pPr lvl="2"/>
+            <a:r>
+              <a:rPr lang="en-US" dirty="0" err="1" smtClean="0"/>
+              <a:t>WebApiConfig</a:t>
+            </a:r>
+            <a:endParaRPr lang="en-US" dirty="0" smtClean="0"/>
+          </a:p>
+          <a:p>
+            <a:pPr lvl="3"/>
+            <a:r>
+              <a:rPr lang="en-US" dirty="0" err="1" smtClean="0"/>
+              <a:t>XHttpMethodOverride</a:t>
+            </a:r>
+            <a:endParaRPr lang="en-US" dirty="0" smtClean="0"/>
+          </a:p>
+          <a:p>
+            <a:pPr lvl="3"/>
+            <a:r>
+              <a:rPr lang="en-US" dirty="0" err="1" smtClean="0"/>
+              <a:t>Supresshostauth</a:t>
+            </a:r>
+            <a:endParaRPr lang="en-US" dirty="0" smtClean="0"/>
+          </a:p>
+          <a:p>
+            <a:pPr lvl="3"/>
+            <a:r>
+              <a:rPr lang="en-US" dirty="0" smtClean="0"/>
+              <a:t>Attribute routes</a:t>
+            </a:r>
+          </a:p>
+          <a:p>
+            <a:pPr lvl="3"/>
+            <a:r>
+              <a:rPr lang="en-US" dirty="0" smtClean="0"/>
+              <a:t>Enable CORS</a:t>
+            </a:r>
+          </a:p>
+          <a:p>
+            <a:pPr lvl="3"/>
+            <a:endParaRPr lang="en-US" dirty="0" smtClean="0"/>
+          </a:p>
+          <a:p>
+            <a:pPr lvl="2"/>
+            <a:endParaRPr lang="en-US" dirty="0" smtClean="0"/>
+          </a:p>
+          <a:p>
+            <a:pPr lvl="2"/>
+            <a:endParaRPr lang="en-US" dirty="0"/>
+          </a:p>
+        </p:txBody>
+      </p:sp>
+      <p:sp>
+        <p:nvSpPr>
+          <p:cNvPr id="4" name="Content Placeholder 2"/>
+          <p:cNvSpPr txBox="1">
+            <a:spLocks/>
+          </p:cNvSpPr>
+          <p:nvPr/>
+        </p:nvSpPr>
+        <p:spPr>
+          <a:xfrm>
+            <a:off x="5270500" y="266701"/>
+            <a:ext cx="4593166" cy="5774662"/>
+          </a:xfrm>
+          <a:prstGeom prst="rect">
+            <a:avLst/>
+          </a:prstGeom>
+        </p:spPr>
+        <p:txBody>
+          <a:bodyPr vert="horz" lIns="91440" tIns="45720" rIns="91440" bIns="45720" rtlCol="0">
+            <a:normAutofit/>
+          </a:bodyPr>
+          <a:lstStyle>
+            <a:lvl1pPr marL="342900" indent="-342900" algn="l" defTabSz="457200" rtl="0" eaLnBrk="1" latinLnBrk="0" hangingPunct="1">
+              <a:spcBef>
+                <a:spcPts val="1000"/>
+              </a:spcBef>
+              <a:spcAft>
+                <a:spcPts val="0"/>
+              </a:spcAft>
+              <a:buClr>
+                <a:schemeClr val="accent1"/>
+              </a:buClr>
+              <a:buSzPct val="80000"/>
+              <a:buFont typeface="Wingdings 3" charset="2"/>
+              <a:buChar char=""/>
+              <a:defRPr sz="1800" kern="1200">
+                <a:solidFill>
+                  <a:schemeClr val="tx1">
+                    <a:lumMod val="75000"/>
+                    <a:lumOff val="25000"/>
+                  </a:schemeClr>
+                </a:solidFill>
+                <a:latin typeface="+mn-lt"/>
+                <a:ea typeface="+mn-ea"/>
+                <a:cs typeface="+mn-cs"/>
+              </a:defRPr>
+            </a:lvl1pPr>
+            <a:lvl2pPr marL="742950" indent="-285750" algn="l" defTabSz="457200" rtl="0" eaLnBrk="1" latinLnBrk="0" hangingPunct="1">
+              <a:spcBef>
+                <a:spcPts val="1000"/>
+              </a:spcBef>
+              <a:spcAft>
+                <a:spcPts val="0"/>
+              </a:spcAft>
+              <a:buClr>
+                <a:schemeClr val="accent1"/>
+              </a:buClr>
+              <a:buSzPct val="80000"/>
+              <a:buFont typeface="Wingdings 3" charset="2"/>
+              <a:buChar char=""/>
+              <a:defRPr sz="1600" kern="1200">
+                <a:solidFill>
+                  <a:schemeClr val="tx1">
+                    <a:lumMod val="75000"/>
+                    <a:lumOff val="25000"/>
+                  </a:schemeClr>
+                </a:solidFill>
+                <a:latin typeface="+mn-lt"/>
+                <a:ea typeface="+mn-ea"/>
+                <a:cs typeface="+mn-cs"/>
+              </a:defRPr>
+            </a:lvl2pPr>
+            <a:lvl3pPr marL="1143000" indent="-228600" algn="l" defTabSz="457200" rtl="0" eaLnBrk="1" latinLnBrk="0" hangingPunct="1">
+              <a:spcBef>
+                <a:spcPts val="1000"/>
+              </a:spcBef>
+              <a:spcAft>
+                <a:spcPts val="0"/>
+              </a:spcAft>
+              <a:buClr>
+                <a:schemeClr val="accent1"/>
+              </a:buClr>
+              <a:buSzPct val="80000"/>
+              <a:buFont typeface="Wingdings 3" charset="2"/>
+              <a:buChar char=""/>
+              <a:defRPr sz="1400" kern="1200">
+                <a:solidFill>
+                  <a:schemeClr val="tx1">
+                    <a:lumMod val="75000"/>
+                    <a:lumOff val="25000"/>
+                  </a:schemeClr>
+                </a:solidFill>
+                <a:latin typeface="+mn-lt"/>
+                <a:ea typeface="+mn-ea"/>
+                <a:cs typeface="+mn-cs"/>
+              </a:defRPr>
+            </a:lvl3pPr>
+            <a:lvl4pPr marL="1600200" indent="-228600" algn="l" defTabSz="457200" rtl="0" eaLnBrk="1" latinLnBrk="0" hangingPunct="1">
+              <a:spcBef>
+                <a:spcPts val="1000"/>
+              </a:spcBef>
+              <a:spcAft>
+                <a:spcPts val="0"/>
+              </a:spcAft>
+              <a:buClr>
+                <a:schemeClr val="accent1"/>
+              </a:buClr>
+              <a:buSzPct val="80000"/>
+              <a:buFont typeface="Wingdings 3" charset="2"/>
+              <a:buChar char=""/>
+              <a:defRPr sz="1200" kern="1200">
+                <a:solidFill>
+                  <a:schemeClr val="tx1">
+                    <a:lumMod val="75000"/>
+                    <a:lumOff val="25000"/>
+                  </a:schemeClr>
+                </a:solidFill>
+                <a:latin typeface="+mn-lt"/>
+                <a:ea typeface="+mn-ea"/>
+                <a:cs typeface="+mn-cs"/>
+              </a:defRPr>
+            </a:lvl4pPr>
+            <a:lvl5pPr marL="2057400" indent="-228600" algn="l" defTabSz="457200" rtl="0" eaLnBrk="1" latinLnBrk="0" hangingPunct="1">
+              <a:spcBef>
+                <a:spcPts val="1000"/>
+              </a:spcBef>
+              <a:spcAft>
+                <a:spcPts val="0"/>
+              </a:spcAft>
+              <a:buClr>
+                <a:schemeClr val="accent1"/>
+              </a:buClr>
+              <a:buSzPct val="80000"/>
+              <a:buFont typeface="Wingdings 3" charset="2"/>
+              <a:buChar char=""/>
+              <a:defRPr sz="1200" kern="1200">
+                <a:solidFill>
+                  <a:schemeClr val="tx1">
+                    <a:lumMod val="75000"/>
+                    <a:lumOff val="25000"/>
+                  </a:schemeClr>
+                </a:solidFill>
+                <a:latin typeface="+mn-lt"/>
+                <a:ea typeface="+mn-ea"/>
+                <a:cs typeface="+mn-cs"/>
+              </a:defRPr>
+            </a:lvl5pPr>
+            <a:lvl6pPr marL="2514600" indent="-228600" algn="l" defTabSz="457200" rtl="0" eaLnBrk="1" latinLnBrk="0" hangingPunct="1">
+              <a:spcBef>
+                <a:spcPts val="1000"/>
+              </a:spcBef>
+              <a:spcAft>
+                <a:spcPts val="0"/>
+              </a:spcAft>
+              <a:buClr>
+                <a:schemeClr val="accent1"/>
+              </a:buClr>
+              <a:buSzPct val="80000"/>
+              <a:buFont typeface="Wingdings 3" charset="2"/>
+              <a:buChar char=""/>
+              <a:defRPr sz="1200" kern="1200">
+                <a:solidFill>
+                  <a:schemeClr val="tx1">
+                    <a:lumMod val="75000"/>
+                    <a:lumOff val="25000"/>
+                  </a:schemeClr>
+                </a:solidFill>
+                <a:latin typeface="+mn-lt"/>
+                <a:ea typeface="+mn-ea"/>
+                <a:cs typeface="+mn-cs"/>
+              </a:defRPr>
+            </a:lvl6pPr>
+            <a:lvl7pPr marL="2971800" indent="-228600" algn="l" defTabSz="457200" rtl="0" eaLnBrk="1" latinLnBrk="0" hangingPunct="1">
+              <a:spcBef>
+                <a:spcPts val="1000"/>
+              </a:spcBef>
+              <a:spcAft>
+                <a:spcPts val="0"/>
+              </a:spcAft>
+              <a:buClr>
+                <a:schemeClr val="accent1"/>
+              </a:buClr>
+              <a:buSzPct val="80000"/>
+              <a:buFont typeface="Wingdings 3" charset="2"/>
+              <a:buChar char=""/>
+              <a:defRPr sz="1200" kern="1200">
+                <a:solidFill>
+                  <a:schemeClr val="tx1">
+                    <a:lumMod val="75000"/>
+                    <a:lumOff val="25000"/>
+                  </a:schemeClr>
+                </a:solidFill>
+                <a:latin typeface="+mn-lt"/>
+                <a:ea typeface="+mn-ea"/>
+                <a:cs typeface="+mn-cs"/>
+              </a:defRPr>
+            </a:lvl7pPr>
+            <a:lvl8pPr marL="3429000" indent="-228600" algn="l" defTabSz="457200" rtl="0" eaLnBrk="1" latinLnBrk="0" hangingPunct="1">
+              <a:spcBef>
+                <a:spcPts val="1000"/>
+              </a:spcBef>
+              <a:spcAft>
+                <a:spcPts val="0"/>
+              </a:spcAft>
+              <a:buClr>
+                <a:schemeClr val="accent1"/>
+              </a:buClr>
+              <a:buSzPct val="80000"/>
+              <a:buFont typeface="Wingdings 3" charset="2"/>
+              <a:buChar char=""/>
+              <a:defRPr sz="1200" kern="1200">
+                <a:solidFill>
+                  <a:schemeClr val="tx1">
+                    <a:lumMod val="75000"/>
+                    <a:lumOff val="25000"/>
+                  </a:schemeClr>
+                </a:solidFill>
+                <a:latin typeface="+mn-lt"/>
+                <a:ea typeface="+mn-ea"/>
+                <a:cs typeface="+mn-cs"/>
+              </a:defRPr>
+            </a:lvl8pPr>
+            <a:lvl9pPr marL="3886200" indent="-228600" algn="l" defTabSz="457200" rtl="0" eaLnBrk="1" latinLnBrk="0" hangingPunct="1">
+              <a:spcBef>
+                <a:spcPts val="1000"/>
+              </a:spcBef>
+              <a:spcAft>
+                <a:spcPts val="0"/>
+              </a:spcAft>
+              <a:buClr>
+                <a:schemeClr val="accent1"/>
+              </a:buClr>
+              <a:buSzPct val="80000"/>
+              <a:buFont typeface="Wingdings 3" charset="2"/>
+              <a:buChar char=""/>
+              <a:defRPr sz="1200" kern="1200">
+                <a:solidFill>
+                  <a:schemeClr val="tx1">
+                    <a:lumMod val="75000"/>
+                    <a:lumOff val="25000"/>
+                  </a:schemeClr>
+                </a:solidFill>
+                <a:latin typeface="+mn-lt"/>
+                <a:ea typeface="+mn-ea"/>
+                <a:cs typeface="+mn-cs"/>
+              </a:defRPr>
+            </a:lvl9pPr>
+          </a:lstStyle>
+          <a:p>
+            <a:pPr lvl="1"/>
+            <a:r>
+              <a:rPr lang="en-US" dirty="0" smtClean="0"/>
+              <a:t>Leaderboard controller</a:t>
+            </a:r>
+          </a:p>
+          <a:p>
+            <a:pPr lvl="2"/>
+            <a:r>
+              <a:rPr lang="en-US" dirty="0" smtClean="0"/>
+              <a:t>Get scores</a:t>
+            </a:r>
+          </a:p>
+          <a:p>
+            <a:pPr lvl="2"/>
+            <a:r>
+              <a:rPr lang="en-US" dirty="0" smtClean="0"/>
+              <a:t>Write scores</a:t>
+            </a:r>
+          </a:p>
+          <a:p>
+            <a:pPr lvl="2"/>
+            <a:r>
+              <a:rPr lang="en-US" dirty="0" smtClean="0"/>
+              <a:t>To </a:t>
+            </a:r>
+            <a:r>
+              <a:rPr lang="en-US" dirty="0" err="1" smtClean="0"/>
+              <a:t>Auth</a:t>
+            </a:r>
+            <a:r>
+              <a:rPr lang="en-US" dirty="0" smtClean="0"/>
+              <a:t> or Not To </a:t>
+            </a:r>
+            <a:r>
+              <a:rPr lang="en-US" dirty="0" err="1" smtClean="0"/>
+              <a:t>Auth</a:t>
+            </a:r>
+            <a:endParaRPr lang="en-US" dirty="0" smtClean="0"/>
+          </a:p>
+          <a:p>
+            <a:pPr lvl="1"/>
+            <a:r>
+              <a:rPr lang="en-US" dirty="0" err="1" smtClean="0"/>
+              <a:t>Auth</a:t>
+            </a:r>
+            <a:r>
+              <a:rPr lang="en-US" dirty="0" smtClean="0"/>
+              <a:t> Controller</a:t>
+            </a:r>
+          </a:p>
+          <a:p>
+            <a:pPr lvl="2"/>
+            <a:r>
+              <a:rPr lang="en-US" dirty="0" smtClean="0"/>
+              <a:t>Black box</a:t>
+            </a:r>
+          </a:p>
+          <a:p>
+            <a:pPr lvl="1"/>
+            <a:endParaRPr lang="en-US" dirty="0"/>
+          </a:p>
+          <a:p>
+            <a:pPr lvl="1"/>
+            <a:r>
+              <a:rPr lang="en-US" dirty="0" smtClean="0"/>
+              <a:t>Deploy To </a:t>
+            </a:r>
+            <a:r>
+              <a:rPr lang="en-US" dirty="0" err="1" smtClean="0"/>
+              <a:t>GitHub</a:t>
+            </a:r>
+            <a:endParaRPr lang="en-US" dirty="0" smtClean="0"/>
+          </a:p>
+          <a:p>
+            <a:pPr lvl="1"/>
+            <a:r>
+              <a:rPr lang="en-US" dirty="0" smtClean="0"/>
+              <a:t>Setup Azure</a:t>
+            </a:r>
+          </a:p>
+          <a:p>
+            <a:pPr lvl="2"/>
+            <a:r>
+              <a:rPr lang="en-US" dirty="0" smtClean="0"/>
+              <a:t>Create website</a:t>
+            </a:r>
+          </a:p>
+          <a:p>
+            <a:pPr lvl="2"/>
+            <a:r>
+              <a:rPr lang="en-US" dirty="0" smtClean="0"/>
+              <a:t>Free database</a:t>
+            </a:r>
+          </a:p>
+          <a:p>
+            <a:pPr lvl="2"/>
+            <a:r>
+              <a:rPr lang="en-US" dirty="0" smtClean="0"/>
+              <a:t>Auto deploy from </a:t>
+            </a:r>
+            <a:r>
+              <a:rPr lang="en-US" dirty="0" err="1" smtClean="0"/>
+              <a:t>github</a:t>
+            </a:r>
+            <a:endParaRPr lang="en-US" dirty="0"/>
+          </a:p>
+          <a:p>
+            <a:pPr lvl="1"/>
+            <a:r>
+              <a:rPr lang="en-US" smtClean="0"/>
+              <a:t>Kurl.IT</a:t>
+            </a:r>
+            <a:endParaRPr lang="en-US" dirty="0" smtClean="0"/>
+          </a:p>
+          <a:p>
+            <a:pPr lvl="2"/>
+            <a:endParaRPr lang="en-US" dirty="0" smtClean="0"/>
+          </a:p>
+          <a:p>
+            <a:pPr lvl="2"/>
+            <a:endParaRPr lang="en-US" dirty="0"/>
+          </a:p>
+        </p:txBody>
+      </p:sp>
+    </p:spTree>
+    <p:extLst>
+      <p:ext uri="{BB962C8B-B14F-4D97-AF65-F5344CB8AC3E}">
+        <p14:creationId xmlns:p14="http://schemas.microsoft.com/office/powerpoint/2010/main" val="3033213682"/>
+      </p:ext>
+    </p:extLst>
+  </p:cSld>
+  <p:clrMapOvr>
+    <a:masterClrMapping/>
+  </p:clrMapOvr>
+</p:sld>
+</file>
+
 <file path=ppt/theme/theme1.xml><?xml version="1.0" encoding="utf-8"?>
 <a:theme xmlns:a="http://schemas.openxmlformats.org/drawingml/2006/main" name="Facet">
   <a:themeElements>

--- a/Unity 3D and Azure.pptx
+++ b/Unity 3D and Azure.pptx
@@ -11,6 +11,11 @@
     <p:sldId id="258" r:id="rId5"/>
     <p:sldId id="260" r:id="rId6"/>
     <p:sldId id="261" r:id="rId7"/>
+    <p:sldId id="262" r:id="rId8"/>
+    <p:sldId id="263" r:id="rId9"/>
+    <p:sldId id="264" r:id="rId10"/>
+    <p:sldId id="265" r:id="rId11"/>
+    <p:sldId id="266" r:id="rId12"/>
   </p:sldIdLst>
   <p:sldSz cx="12192000" cy="6858000"/>
   <p:notesSz cx="6858000" cy="9144000"/>
@@ -863,7 +868,7 @@
             <a:fld id="{B61BEF0D-F0BB-DE4B-95CE-6DB70DBA9567}" type="datetimeFigureOut">
               <a:rPr lang="en-US" dirty="0"/>
               <a:pPr/>
-              <a:t>4/2/2014</a:t>
+              <a:t>4/3/2014</a:t>
             </a:fld>
             <a:endParaRPr lang="en-US" dirty="0"/>
           </a:p>
@@ -1111,7 +1116,7 @@
             <a:fld id="{B61BEF0D-F0BB-DE4B-95CE-6DB70DBA9567}" type="datetimeFigureOut">
               <a:rPr lang="en-US" dirty="0"/>
               <a:pPr/>
-              <a:t>4/2/2014</a:t>
+              <a:t>4/3/2014</a:t>
             </a:fld>
             <a:endParaRPr lang="en-US" dirty="0"/>
           </a:p>
@@ -1422,7 +1427,7 @@
             <a:fld id="{B61BEF0D-F0BB-DE4B-95CE-6DB70DBA9567}" type="datetimeFigureOut">
               <a:rPr lang="en-US" dirty="0"/>
               <a:pPr/>
-              <a:t>4/2/2014</a:t>
+              <a:t>4/3/2014</a:t>
             </a:fld>
             <a:endParaRPr lang="en-US" dirty="0"/>
           </a:p>
@@ -1752,7 +1757,7 @@
             <a:fld id="{B61BEF0D-F0BB-DE4B-95CE-6DB70DBA9567}" type="datetimeFigureOut">
               <a:rPr lang="en-US" dirty="0"/>
               <a:pPr/>
-              <a:t>4/2/2014</a:t>
+              <a:t>4/3/2014</a:t>
             </a:fld>
             <a:endParaRPr lang="en-US" dirty="0"/>
           </a:p>
@@ -2063,7 +2068,7 @@
             <a:fld id="{B61BEF0D-F0BB-DE4B-95CE-6DB70DBA9567}" type="datetimeFigureOut">
               <a:rPr lang="en-US" dirty="0"/>
               <a:pPr/>
-              <a:t>4/2/2014</a:t>
+              <a:t>4/3/2014</a:t>
             </a:fld>
             <a:endParaRPr lang="en-US" dirty="0"/>
           </a:p>
@@ -2453,7 +2458,7 @@
             <a:fld id="{B61BEF0D-F0BB-DE4B-95CE-6DB70DBA9567}" type="datetimeFigureOut">
               <a:rPr lang="en-US" dirty="0"/>
               <a:pPr/>
-              <a:t>4/2/2014</a:t>
+              <a:t>4/3/2014</a:t>
             </a:fld>
             <a:endParaRPr lang="en-US" dirty="0"/>
           </a:p>
@@ -2619,7 +2624,7 @@
           <a:p>
             <a:fld id="{55C6B4A9-1611-4792-9094-5F34BCA07E0B}" type="datetimeFigureOut">
               <a:rPr lang="en-US" dirty="0"/>
-              <a:t>4/2/2014</a:t>
+              <a:t>4/3/2014</a:t>
             </a:fld>
             <a:endParaRPr lang="en-US" dirty="0"/>
           </a:p>
@@ -2795,7 +2800,7 @@
             <a:fld id="{B61BEF0D-F0BB-DE4B-95CE-6DB70DBA9567}" type="datetimeFigureOut">
               <a:rPr lang="en-US" dirty="0"/>
               <a:pPr/>
-              <a:t>4/2/2014</a:t>
+              <a:t>4/3/2014</a:t>
             </a:fld>
             <a:endParaRPr lang="en-US" dirty="0"/>
           </a:p>
@@ -2961,7 +2966,7 @@
           <a:p>
             <a:fld id="{42A54C80-263E-416B-A8E0-580EDEADCBDC}" type="datetimeFigureOut">
               <a:rPr lang="en-US" dirty="0"/>
-              <a:t>4/2/2014</a:t>
+              <a:t>4/3/2014</a:t>
             </a:fld>
             <a:endParaRPr lang="en-US" dirty="0"/>
           </a:p>
@@ -3204,7 +3209,7 @@
             <a:fld id="{B61BEF0D-F0BB-DE4B-95CE-6DB70DBA9567}" type="datetimeFigureOut">
               <a:rPr lang="en-US" dirty="0"/>
               <a:pPr/>
-              <a:t>4/2/2014</a:t>
+              <a:t>4/3/2014</a:t>
             </a:fld>
             <a:endParaRPr lang="en-US" dirty="0"/>
           </a:p>
@@ -3432,7 +3437,7 @@
           <a:p>
             <a:fld id="{42A54C80-263E-416B-A8E0-580EDEADCBDC}" type="datetimeFigureOut">
               <a:rPr lang="en-US" dirty="0"/>
-              <a:t>4/2/2014</a:t>
+              <a:t>4/3/2014</a:t>
             </a:fld>
             <a:endParaRPr lang="en-US" dirty="0"/>
           </a:p>
@@ -3802,7 +3807,7 @@
             <a:fld id="{B61BEF0D-F0BB-DE4B-95CE-6DB70DBA9567}" type="datetimeFigureOut">
               <a:rPr lang="en-US" dirty="0"/>
               <a:pPr/>
-              <a:t>4/2/2014</a:t>
+              <a:t>4/3/2014</a:t>
             </a:fld>
             <a:endParaRPr lang="en-US" dirty="0"/>
           </a:p>
@@ -3922,7 +3927,7 @@
             <a:fld id="{B61BEF0D-F0BB-DE4B-95CE-6DB70DBA9567}" type="datetimeFigureOut">
               <a:rPr lang="en-US" dirty="0"/>
               <a:pPr/>
-              <a:t>4/2/2014</a:t>
+              <a:t>4/3/2014</a:t>
             </a:fld>
             <a:endParaRPr lang="en-US" dirty="0"/>
           </a:p>
@@ -4014,7 +4019,7 @@
             <a:fld id="{B61BEF0D-F0BB-DE4B-95CE-6DB70DBA9567}" type="datetimeFigureOut">
               <a:rPr lang="en-US" dirty="0"/>
               <a:pPr/>
-              <a:t>4/2/2014</a:t>
+              <a:t>4/3/2014</a:t>
             </a:fld>
             <a:endParaRPr lang="en-US" dirty="0"/>
           </a:p>
@@ -4265,7 +4270,7 @@
           <a:p>
             <a:fld id="{42A54C80-263E-416B-A8E0-580EDEADCBDC}" type="datetimeFigureOut">
               <a:rPr lang="en-US" dirty="0"/>
-              <a:t>4/2/2014</a:t>
+              <a:t>4/3/2014</a:t>
             </a:fld>
             <a:endParaRPr lang="en-US" dirty="0"/>
           </a:p>
@@ -4567,7 +4572,7 @@
             <a:fld id="{B61BEF0D-F0BB-DE4B-95CE-6DB70DBA9567}" type="datetimeFigureOut">
               <a:rPr lang="en-US" dirty="0"/>
               <a:pPr/>
-              <a:t>4/2/2014</a:t>
+              <a:t>4/3/2014</a:t>
             </a:fld>
             <a:endParaRPr lang="en-US" dirty="0"/>
           </a:p>
@@ -5265,7 +5270,7 @@
             <a:fld id="{B61BEF0D-F0BB-DE4B-95CE-6DB70DBA9567}" type="datetimeFigureOut">
               <a:rPr lang="en-US" dirty="0"/>
               <a:pPr/>
-              <a:t>4/2/2014</a:t>
+              <a:t>4/3/2014</a:t>
             </a:fld>
             <a:endParaRPr lang="en-US" dirty="0"/>
           </a:p>
@@ -5861,6 +5866,241 @@
 </p:sld>
 </file>
 
+<file path=ppt/slides/slide10.xml><?xml version="1.0" encoding="utf-8"?>
+<p:sld xmlns:a="http://schemas.openxmlformats.org/drawingml/2006/main" xmlns:r="http://schemas.openxmlformats.org/officeDocument/2006/relationships" xmlns:p="http://schemas.openxmlformats.org/presentationml/2006/main">
+  <p:cSld>
+    <p:spTree>
+      <p:nvGrpSpPr>
+        <p:cNvPr id="1" name=""/>
+        <p:cNvGrpSpPr/>
+        <p:nvPr/>
+      </p:nvGrpSpPr>
+      <p:grpSpPr>
+        <a:xfrm>
+          <a:off x="0" y="0"/>
+          <a:ext cx="0" cy="0"/>
+          <a:chOff x="0" y="0"/>
+          <a:chExt cx="0" cy="0"/>
+        </a:xfrm>
+      </p:grpSpPr>
+      <p:sp>
+        <p:nvSpPr>
+          <p:cNvPr id="2" name="Title 1"/>
+          <p:cNvSpPr>
+            <a:spLocks noGrp="1"/>
+          </p:cNvSpPr>
+          <p:nvPr>
+            <p:ph type="title"/>
+          </p:nvPr>
+        </p:nvSpPr>
+        <p:spPr/>
+        <p:txBody>
+          <a:bodyPr/>
+          <a:lstStyle/>
+          <a:p>
+            <a:r>
+              <a:rPr lang="en-US" dirty="0"/>
+              <a:t>The WWW class</a:t>
+            </a:r>
+            <a:br>
+              <a:rPr lang="en-US" dirty="0"/>
+            </a:br>
+            <a:endParaRPr lang="en-US" dirty="0"/>
+          </a:p>
+        </p:txBody>
+      </p:sp>
+      <p:sp>
+        <p:nvSpPr>
+          <p:cNvPr id="3" name="Content Placeholder 2"/>
+          <p:cNvSpPr>
+            <a:spLocks noGrp="1"/>
+          </p:cNvSpPr>
+          <p:nvPr>
+            <p:ph idx="1"/>
+          </p:nvPr>
+        </p:nvSpPr>
+        <p:spPr/>
+        <p:txBody>
+          <a:bodyPr/>
+          <a:lstStyle/>
+          <a:p>
+            <a:r>
+              <a:rPr lang="en-US" dirty="0" smtClean="0"/>
+              <a:t>What does it do?</a:t>
+            </a:r>
+            <a:endParaRPr lang="en-US" dirty="0"/>
+          </a:p>
+          <a:p>
+            <a:r>
+              <a:rPr lang="en-US" dirty="0" smtClean="0"/>
+              <a:t>Ok</a:t>
+            </a:r>
+            <a:r>
+              <a:rPr lang="en-US" dirty="0"/>
+              <a:t>, so how do </a:t>
+            </a:r>
+            <a:r>
+              <a:rPr lang="en-US" dirty="0" smtClean="0"/>
+              <a:t>I </a:t>
+            </a:r>
+            <a:r>
+              <a:rPr lang="en-US" dirty="0"/>
+              <a:t>do it</a:t>
+            </a:r>
+            <a:r>
+              <a:rPr lang="en-US" dirty="0" smtClean="0"/>
+              <a:t>?</a:t>
+            </a:r>
+          </a:p>
+          <a:p>
+            <a:r>
+              <a:rPr lang="en-US" dirty="0" smtClean="0"/>
+              <a:t>Using coroutines for non blocking service calls.</a:t>
+            </a:r>
+            <a:endParaRPr lang="en-US" dirty="0"/>
+          </a:p>
+          <a:p>
+            <a:r>
+              <a:rPr lang="en-US" dirty="0" smtClean="0"/>
+              <a:t>Limitations/Workarounds</a:t>
+            </a:r>
+            <a:endParaRPr lang="en-US" dirty="0"/>
+          </a:p>
+        </p:txBody>
+      </p:sp>
+    </p:spTree>
+    <p:extLst>
+      <p:ext uri="{BB962C8B-B14F-4D97-AF65-F5344CB8AC3E}">
+        <p14:creationId xmlns:p14="http://schemas.microsoft.com/office/powerpoint/2010/main" val="432954718"/>
+      </p:ext>
+    </p:extLst>
+  </p:cSld>
+  <p:clrMapOvr>
+    <a:masterClrMapping/>
+  </p:clrMapOvr>
+</p:sld>
+</file>
+
+<file path=ppt/slides/slide11.xml><?xml version="1.0" encoding="utf-8"?>
+<p:sld xmlns:a="http://schemas.openxmlformats.org/drawingml/2006/main" xmlns:r="http://schemas.openxmlformats.org/officeDocument/2006/relationships" xmlns:p="http://schemas.openxmlformats.org/presentationml/2006/main">
+  <p:cSld>
+    <p:spTree>
+      <p:nvGrpSpPr>
+        <p:cNvPr id="1" name=""/>
+        <p:cNvGrpSpPr/>
+        <p:nvPr/>
+      </p:nvGrpSpPr>
+      <p:grpSpPr>
+        <a:xfrm>
+          <a:off x="0" y="0"/>
+          <a:ext cx="0" cy="0"/>
+          <a:chOff x="0" y="0"/>
+          <a:chExt cx="0" cy="0"/>
+        </a:xfrm>
+      </p:grpSpPr>
+      <p:sp>
+        <p:nvSpPr>
+          <p:cNvPr id="2" name="Title 1"/>
+          <p:cNvSpPr>
+            <a:spLocks noGrp="1"/>
+          </p:cNvSpPr>
+          <p:nvPr>
+            <p:ph type="title"/>
+          </p:nvPr>
+        </p:nvSpPr>
+        <p:spPr/>
+        <p:txBody>
+          <a:bodyPr/>
+          <a:lstStyle/>
+          <a:p>
+            <a:r>
+              <a:rPr lang="en-US" dirty="0" smtClean="0"/>
+              <a:t>Expanding on the simple solution</a:t>
+            </a:r>
+            <a:endParaRPr lang="en-US" dirty="0"/>
+          </a:p>
+        </p:txBody>
+      </p:sp>
+      <p:sp>
+        <p:nvSpPr>
+          <p:cNvPr id="3" name="Content Placeholder 2"/>
+          <p:cNvSpPr>
+            <a:spLocks noGrp="1"/>
+          </p:cNvSpPr>
+          <p:nvPr>
+            <p:ph idx="1"/>
+          </p:nvPr>
+        </p:nvSpPr>
+        <p:spPr/>
+        <p:txBody>
+          <a:bodyPr/>
+          <a:lstStyle/>
+          <a:p>
+            <a:pPr marL="0" indent="0">
+              <a:buNone/>
+            </a:pPr>
+            <a:r>
+              <a:rPr lang="en-US" dirty="0" smtClean="0"/>
+              <a:t>Here is some of the things we did in our implementation to create a more robust architecture.</a:t>
+            </a:r>
+          </a:p>
+          <a:p>
+            <a:r>
+              <a:rPr lang="en-US" dirty="0" smtClean="0"/>
+              <a:t>Wrapper </a:t>
+            </a:r>
+            <a:r>
+              <a:rPr lang="en-US" dirty="0"/>
+              <a:t>class to make Service calls, ServiceTask</a:t>
+            </a:r>
+          </a:p>
+          <a:p>
+            <a:r>
+              <a:rPr lang="en-US" dirty="0" smtClean="0"/>
+              <a:t>Canceling Service calls</a:t>
+            </a:r>
+            <a:endParaRPr lang="en-US" dirty="0"/>
+          </a:p>
+          <a:p>
+            <a:r>
+              <a:rPr lang="en-US" dirty="0" smtClean="0"/>
+              <a:t>HTTP </a:t>
+            </a:r>
+            <a:r>
+              <a:rPr lang="en-US" dirty="0"/>
+              <a:t>error </a:t>
+            </a:r>
+            <a:r>
+              <a:rPr lang="en-US" dirty="0" smtClean="0"/>
+              <a:t>code parsing</a:t>
+            </a:r>
+            <a:endParaRPr lang="en-US" dirty="0"/>
+          </a:p>
+          <a:p>
+            <a:r>
+              <a:rPr lang="en-US" dirty="0" smtClean="0"/>
+              <a:t>JSON </a:t>
+            </a:r>
+            <a:r>
+              <a:rPr lang="en-US" dirty="0"/>
+              <a:t>Library abstraction (per platform)</a:t>
+            </a:r>
+          </a:p>
+        </p:txBody>
+      </p:sp>
+    </p:spTree>
+    <p:extLst>
+      <p:ext uri="{BB962C8B-B14F-4D97-AF65-F5344CB8AC3E}">
+        <p14:creationId xmlns:p14="http://schemas.microsoft.com/office/powerpoint/2010/main" val="757135364"/>
+      </p:ext>
+    </p:extLst>
+  </p:cSld>
+  <p:clrMapOvr>
+    <a:masterClrMapping/>
+  </p:clrMapOvr>
+</p:sld>
+</file>
+
 <file path=ppt/slides/slide2.xml><?xml version="1.0" encoding="utf-8"?>
 <p:sld xmlns:a="http://schemas.openxmlformats.org/drawingml/2006/main" xmlns:r="http://schemas.openxmlformats.org/officeDocument/2006/relationships" xmlns:p="http://schemas.openxmlformats.org/presentationml/2006/main">
   <p:cSld>
@@ -7026,6 +7266,301 @@
     <p:extLst>
       <p:ext uri="{BB962C8B-B14F-4D97-AF65-F5344CB8AC3E}">
         <p14:creationId xmlns:p14="http://schemas.microsoft.com/office/powerpoint/2010/main" val="3033213682"/>
+      </p:ext>
+    </p:extLst>
+  </p:cSld>
+  <p:clrMapOvr>
+    <a:masterClrMapping/>
+  </p:clrMapOvr>
+</p:sld>
+</file>
+
+<file path=ppt/slides/slide7.xml><?xml version="1.0" encoding="utf-8"?>
+<p:sld xmlns:a="http://schemas.openxmlformats.org/drawingml/2006/main" xmlns:r="http://schemas.openxmlformats.org/officeDocument/2006/relationships" xmlns:p="http://schemas.openxmlformats.org/presentationml/2006/main">
+  <p:cSld>
+    <p:spTree>
+      <p:nvGrpSpPr>
+        <p:cNvPr id="1" name=""/>
+        <p:cNvGrpSpPr/>
+        <p:nvPr/>
+      </p:nvGrpSpPr>
+      <p:grpSpPr>
+        <a:xfrm>
+          <a:off x="0" y="0"/>
+          <a:ext cx="0" cy="0"/>
+          <a:chOff x="0" y="0"/>
+          <a:chExt cx="0" cy="0"/>
+        </a:xfrm>
+      </p:grpSpPr>
+      <p:sp>
+        <p:nvSpPr>
+          <p:cNvPr id="2" name="Title 1"/>
+          <p:cNvSpPr>
+            <a:spLocks noGrp="1"/>
+          </p:cNvSpPr>
+          <p:nvPr>
+            <p:ph type="title"/>
+          </p:nvPr>
+        </p:nvSpPr>
+        <p:spPr/>
+        <p:txBody>
+          <a:bodyPr/>
+          <a:lstStyle/>
+          <a:p>
+            <a:r>
+              <a:rPr lang="en-US" dirty="0" smtClean="0"/>
+              <a:t>Unity3D Implementation</a:t>
+            </a:r>
+            <a:endParaRPr lang="en-US" dirty="0"/>
+          </a:p>
+        </p:txBody>
+      </p:sp>
+      <p:sp>
+        <p:nvSpPr>
+          <p:cNvPr id="3" name="Content Placeholder 2"/>
+          <p:cNvSpPr>
+            <a:spLocks noGrp="1"/>
+          </p:cNvSpPr>
+          <p:nvPr>
+            <p:ph idx="1"/>
+          </p:nvPr>
+        </p:nvSpPr>
+        <p:spPr/>
+        <p:txBody>
+          <a:bodyPr/>
+          <a:lstStyle/>
+          <a:p>
+            <a:r>
+              <a:rPr lang="en-US" dirty="0"/>
+              <a:t>Game Loop vs Event based coding	</a:t>
+            </a:r>
+          </a:p>
+          <a:p>
+            <a:r>
+              <a:rPr lang="en-US" dirty="0"/>
+              <a:t>Component based architecture</a:t>
+            </a:r>
+          </a:p>
+          <a:p>
+            <a:r>
+              <a:rPr lang="en-US" dirty="0"/>
+              <a:t>Coroutines</a:t>
+            </a:r>
+          </a:p>
+          <a:p>
+            <a:r>
+              <a:rPr lang="en-US" dirty="0"/>
+              <a:t>The WWW class</a:t>
+            </a:r>
+          </a:p>
+          <a:p>
+            <a:r>
+              <a:rPr lang="en-US" dirty="0"/>
+              <a:t>Solution in action</a:t>
+            </a:r>
+          </a:p>
+          <a:p>
+            <a:r>
+              <a:rPr lang="en-US" dirty="0"/>
+              <a:t>Expanding on the solution.</a:t>
+            </a:r>
+            <a:endParaRPr lang="en-US" dirty="0" smtClean="0"/>
+          </a:p>
+        </p:txBody>
+      </p:sp>
+    </p:spTree>
+    <p:extLst>
+      <p:ext uri="{BB962C8B-B14F-4D97-AF65-F5344CB8AC3E}">
+        <p14:creationId xmlns:p14="http://schemas.microsoft.com/office/powerpoint/2010/main" val="2266718909"/>
+      </p:ext>
+    </p:extLst>
+  </p:cSld>
+  <p:clrMapOvr>
+    <a:masterClrMapping/>
+  </p:clrMapOvr>
+</p:sld>
+</file>
+
+<file path=ppt/slides/slide8.xml><?xml version="1.0" encoding="utf-8"?>
+<p:sld xmlns:a="http://schemas.openxmlformats.org/drawingml/2006/main" xmlns:r="http://schemas.openxmlformats.org/officeDocument/2006/relationships" xmlns:p="http://schemas.openxmlformats.org/presentationml/2006/main">
+  <p:cSld>
+    <p:spTree>
+      <p:nvGrpSpPr>
+        <p:cNvPr id="1" name=""/>
+        <p:cNvGrpSpPr/>
+        <p:nvPr/>
+      </p:nvGrpSpPr>
+      <p:grpSpPr>
+        <a:xfrm>
+          <a:off x="0" y="0"/>
+          <a:ext cx="0" cy="0"/>
+          <a:chOff x="0" y="0"/>
+          <a:chExt cx="0" cy="0"/>
+        </a:xfrm>
+      </p:grpSpPr>
+      <p:sp>
+        <p:nvSpPr>
+          <p:cNvPr id="2" name="Title 1"/>
+          <p:cNvSpPr>
+            <a:spLocks noGrp="1"/>
+          </p:cNvSpPr>
+          <p:nvPr>
+            <p:ph type="title"/>
+          </p:nvPr>
+        </p:nvSpPr>
+        <p:spPr/>
+        <p:txBody>
+          <a:bodyPr/>
+          <a:lstStyle/>
+          <a:p>
+            <a:r>
+              <a:rPr lang="en-US" dirty="0" smtClean="0"/>
+              <a:t>Component based architecture</a:t>
+            </a:r>
+            <a:endParaRPr lang="en-US" dirty="0"/>
+          </a:p>
+        </p:txBody>
+      </p:sp>
+      <p:pic>
+        <p:nvPicPr>
+          <p:cNvPr id="4" name="Content Placeholder 3"/>
+          <p:cNvPicPr>
+            <a:picLocks noGrp="1" noChangeAspect="1"/>
+          </p:cNvPicPr>
+          <p:nvPr>
+            <p:ph idx="1"/>
+          </p:nvPr>
+        </p:nvPicPr>
+        <p:blipFill>
+          <a:blip r:embed="rId2">
+            <a:extLst>
+              <a:ext uri="{28A0092B-C50C-407E-A947-70E740481C1C}">
+                <a14:useLocalDpi xmlns:a14="http://schemas.microsoft.com/office/drawing/2010/main" val="0"/>
+              </a:ext>
+            </a:extLst>
+          </a:blip>
+          <a:stretch>
+            <a:fillRect/>
+          </a:stretch>
+        </p:blipFill>
+        <p:spPr>
+          <a:xfrm>
+            <a:off x="3387166" y="1460500"/>
+            <a:ext cx="3831240" cy="5188718"/>
+          </a:xfrm>
+        </p:spPr>
+      </p:pic>
+    </p:spTree>
+    <p:extLst>
+      <p:ext uri="{BB962C8B-B14F-4D97-AF65-F5344CB8AC3E}">
+        <p14:creationId xmlns:p14="http://schemas.microsoft.com/office/powerpoint/2010/main" val="1674883590"/>
+      </p:ext>
+    </p:extLst>
+  </p:cSld>
+  <p:clrMapOvr>
+    <a:masterClrMapping/>
+  </p:clrMapOvr>
+</p:sld>
+</file>
+
+<file path=ppt/slides/slide9.xml><?xml version="1.0" encoding="utf-8"?>
+<p:sld xmlns:a="http://schemas.openxmlformats.org/drawingml/2006/main" xmlns:r="http://schemas.openxmlformats.org/officeDocument/2006/relationships" xmlns:p="http://schemas.openxmlformats.org/presentationml/2006/main">
+  <p:cSld>
+    <p:spTree>
+      <p:nvGrpSpPr>
+        <p:cNvPr id="1" name=""/>
+        <p:cNvGrpSpPr/>
+        <p:nvPr/>
+      </p:nvGrpSpPr>
+      <p:grpSpPr>
+        <a:xfrm>
+          <a:off x="0" y="0"/>
+          <a:ext cx="0" cy="0"/>
+          <a:chOff x="0" y="0"/>
+          <a:chExt cx="0" cy="0"/>
+        </a:xfrm>
+      </p:grpSpPr>
+      <p:sp>
+        <p:nvSpPr>
+          <p:cNvPr id="2" name="Title 1"/>
+          <p:cNvSpPr>
+            <a:spLocks noGrp="1"/>
+          </p:cNvSpPr>
+          <p:nvPr>
+            <p:ph type="title"/>
+          </p:nvPr>
+        </p:nvSpPr>
+        <p:spPr/>
+        <p:txBody>
+          <a:bodyPr/>
+          <a:lstStyle/>
+          <a:p>
+            <a:r>
+              <a:rPr lang="en-US" dirty="0"/>
+              <a:t>Coroutines</a:t>
+            </a:r>
+          </a:p>
+        </p:txBody>
+      </p:sp>
+      <p:sp>
+        <p:nvSpPr>
+          <p:cNvPr id="3" name="Content Placeholder 2"/>
+          <p:cNvSpPr>
+            <a:spLocks noGrp="1"/>
+          </p:cNvSpPr>
+          <p:nvPr>
+            <p:ph idx="1"/>
+          </p:nvPr>
+        </p:nvSpPr>
+        <p:spPr/>
+        <p:txBody>
+          <a:bodyPr/>
+          <a:lstStyle/>
+          <a:p>
+            <a:r>
+              <a:rPr lang="en-US" dirty="0" smtClean="0"/>
+              <a:t>What </a:t>
+            </a:r>
+            <a:r>
+              <a:rPr lang="en-US" dirty="0"/>
+              <a:t>the heck are </a:t>
+            </a:r>
+            <a:r>
+              <a:rPr lang="en-US" dirty="0" smtClean="0"/>
+              <a:t>they</a:t>
+            </a:r>
+            <a:endParaRPr lang="en-US" dirty="0"/>
+          </a:p>
+          <a:p>
+            <a:r>
+              <a:rPr lang="en-US" dirty="0" smtClean="0"/>
+              <a:t>long </a:t>
+            </a:r>
+            <a:r>
+              <a:rPr lang="en-US" dirty="0"/>
+              <a:t>running non processor intensive </a:t>
+            </a:r>
+            <a:r>
+              <a:rPr lang="en-US" dirty="0" smtClean="0"/>
+              <a:t>operations</a:t>
+            </a:r>
+          </a:p>
+          <a:p>
+            <a:r>
+              <a:rPr lang="en-US" dirty="0"/>
+              <a:t>Why not threads? (poor mans threading?)</a:t>
+            </a:r>
+            <a:endParaRPr lang="en-US" b="1" dirty="0"/>
+          </a:p>
+          <a:p>
+            <a:endParaRPr lang="en-US" dirty="0"/>
+          </a:p>
+        </p:txBody>
+      </p:sp>
+    </p:spTree>
+    <p:extLst>
+      <p:ext uri="{BB962C8B-B14F-4D97-AF65-F5344CB8AC3E}">
+        <p14:creationId xmlns:p14="http://schemas.microsoft.com/office/powerpoint/2010/main" val="2601456551"/>
       </p:ext>
     </p:extLst>
   </p:cSld>

--- a/Unity 3D and Azure.pptx
+++ b/Unity 3D and Azure.pptx
@@ -16,6 +16,7 @@
     <p:sldId id="264" r:id="rId10"/>
     <p:sldId id="265" r:id="rId11"/>
     <p:sldId id="266" r:id="rId12"/>
+    <p:sldId id="267" r:id="rId13"/>
   </p:sldIdLst>
   <p:sldSz cx="12192000" cy="6858000"/>
   <p:notesSz cx="6858000" cy="9144000"/>
@@ -6101,6 +6102,116 @@
 </p:sld>
 </file>
 
+<file path=ppt/slides/slide12.xml><?xml version="1.0" encoding="utf-8"?>
+<p:sld xmlns:a="http://schemas.openxmlformats.org/drawingml/2006/main" xmlns:r="http://schemas.openxmlformats.org/officeDocument/2006/relationships" xmlns:p="http://schemas.openxmlformats.org/presentationml/2006/main">
+  <p:cSld>
+    <p:spTree>
+      <p:nvGrpSpPr>
+        <p:cNvPr id="1" name=""/>
+        <p:cNvGrpSpPr/>
+        <p:nvPr/>
+      </p:nvGrpSpPr>
+      <p:grpSpPr>
+        <a:xfrm>
+          <a:off x="0" y="0"/>
+          <a:ext cx="0" cy="0"/>
+          <a:chOff x="0" y="0"/>
+          <a:chExt cx="0" cy="0"/>
+        </a:xfrm>
+      </p:grpSpPr>
+      <p:sp>
+        <p:nvSpPr>
+          <p:cNvPr id="2" name="Title 1"/>
+          <p:cNvSpPr>
+            <a:spLocks noGrp="1"/>
+          </p:cNvSpPr>
+          <p:nvPr>
+            <p:ph type="title"/>
+          </p:nvPr>
+        </p:nvSpPr>
+        <p:spPr/>
+        <p:txBody>
+          <a:bodyPr/>
+          <a:lstStyle/>
+          <a:p>
+            <a:r>
+              <a:rPr lang="en-US" dirty="0" smtClean="0"/>
+              <a:t>Thanks &amp; Questions</a:t>
+            </a:r>
+            <a:endParaRPr lang="en-US" dirty="0"/>
+          </a:p>
+        </p:txBody>
+      </p:sp>
+      <p:sp>
+        <p:nvSpPr>
+          <p:cNvPr id="3" name="Content Placeholder 2"/>
+          <p:cNvSpPr>
+            <a:spLocks noGrp="1"/>
+          </p:cNvSpPr>
+          <p:nvPr>
+            <p:ph idx="1"/>
+          </p:nvPr>
+        </p:nvSpPr>
+        <p:spPr>
+          <a:xfrm>
+            <a:off x="677334" y="1498601"/>
+            <a:ext cx="8596668" cy="4542762"/>
+          </a:xfrm>
+        </p:spPr>
+        <p:txBody>
+          <a:bodyPr/>
+          <a:lstStyle/>
+          <a:p>
+            <a:r>
+              <a:rPr lang="en-US" dirty="0" smtClean="0"/>
+              <a:t>next </a:t>
+            </a:r>
+            <a:r>
+              <a:rPr lang="en-US" dirty="0" err="1" smtClean="0"/>
+              <a:t>meetup</a:t>
+            </a:r>
+            <a:endParaRPr lang="en-US" dirty="0" smtClean="0"/>
+          </a:p>
+          <a:p>
+            <a:r>
+              <a:rPr lang="en-US" dirty="0" smtClean="0"/>
+              <a:t>github.com/</a:t>
+            </a:r>
+            <a:r>
+              <a:rPr lang="en-US" dirty="0" err="1" smtClean="0"/>
+              <a:t>mlevel</a:t>
+            </a:r>
+            <a:endParaRPr lang="en-US" dirty="0" smtClean="0"/>
+          </a:p>
+          <a:p>
+            <a:r>
+              <a:rPr lang="en-US" dirty="0" smtClean="0"/>
+              <a:t>twitter @</a:t>
+            </a:r>
+            <a:r>
+              <a:rPr lang="en-US" dirty="0" err="1" smtClean="0"/>
+              <a:t>andrewboudreau</a:t>
+            </a:r>
+            <a:endParaRPr lang="en-US" dirty="0" smtClean="0"/>
+          </a:p>
+          <a:p>
+            <a:endParaRPr lang="en-US" dirty="0"/>
+          </a:p>
+        </p:txBody>
+      </p:sp>
+    </p:spTree>
+    <p:extLst>
+      <p:ext uri="{BB962C8B-B14F-4D97-AF65-F5344CB8AC3E}">
+        <p14:creationId xmlns:p14="http://schemas.microsoft.com/office/powerpoint/2010/main" val="2741465748"/>
+      </p:ext>
+    </p:extLst>
+  </p:cSld>
+  <p:clrMapOvr>
+    <a:masterClrMapping/>
+  </p:clrMapOvr>
+</p:sld>
+</file>
+
 <file path=ppt/slides/slide2.xml><?xml version="1.0" encoding="utf-8"?>
 <p:sld xmlns:a="http://schemas.openxmlformats.org/drawingml/2006/main" xmlns:r="http://schemas.openxmlformats.org/officeDocument/2006/relationships" xmlns:p="http://schemas.openxmlformats.org/presentationml/2006/main">
   <p:cSld>
@@ -6670,7 +6781,7 @@
 </file>
 
 <file path=ppt/slides/slide6.xml><?xml version="1.0" encoding="utf-8"?>
-<p:sld xmlns:a="http://schemas.openxmlformats.org/drawingml/2006/main" xmlns:r="http://schemas.openxmlformats.org/officeDocument/2006/relationships" xmlns:p="http://schemas.openxmlformats.org/presentationml/2006/main">
+<p:sld xmlns:a="http://schemas.openxmlformats.org/drawingml/2006/main" xmlns:r="http://schemas.openxmlformats.org/officeDocument/2006/relationships" xmlns:p="http://schemas.openxmlformats.org/presentationml/2006/main" show="0">
   <p:cSld>
     <p:spTree>
       <p:nvGrpSpPr>
@@ -6709,12 +6820,12 @@
           <a:lstStyle/>
           <a:p>
             <a:r>
-              <a:rPr lang="en-US" dirty="0" err="1" smtClean="0"/>
-              <a:t>Createing</a:t>
-            </a:r>
-            <a:r>
               <a:rPr lang="en-US" dirty="0" smtClean="0"/>
-              <a:t> The </a:t>
+              <a:t>Creating </a:t>
+            </a:r>
+            <a:r>
+              <a:rPr lang="en-US" dirty="0" smtClean="0"/>
+              <a:t>The </a:t>
             </a:r>
             <a:r>
               <a:rPr lang="en-US" dirty="0" err="1" smtClean="0"/>
@@ -7247,10 +7358,9 @@
           <a:p>
             <a:pPr lvl="1"/>
             <a:r>
-              <a:rPr lang="en-US" smtClean="0"/>
+              <a:rPr lang="en-US" dirty="0" smtClean="0"/>
               <a:t>Kurl.IT</a:t>
             </a:r>
-            <a:endParaRPr lang="en-US" dirty="0" smtClean="0"/>
           </a:p>
           <a:p>
             <a:pPr lvl="2"/>
@@ -7272,6 +7382,14 @@
   <p:clrMapOvr>
     <a:masterClrMapping/>
   </p:clrMapOvr>
+  <mc:AlternateContent xmlns:mc="http://schemas.openxmlformats.org/markup-compatibility/2006">
+    <mc:Choice xmlns:p14="http://schemas.microsoft.com/office/powerpoint/2010/main" Requires="p14">
+      <p:transition spd="slow" p14:dur="2000"/>
+    </mc:Choice>
+    <mc:Fallback>
+      <p:transition spd="slow"/>
+    </mc:Fallback>
+  </mc:AlternateContent>
 </p:sld>
 </file>
 

--- a/Unity 3D and Azure.pptx
+++ b/Unity 3D and Azure.pptx
@@ -5979,6 +5979,13 @@
   <p:clrMapOvr>
     <a:masterClrMapping/>
   </p:clrMapOvr>
+  <p:timing>
+    <p:tnLst>
+      <p:par>
+        <p:cTn id="1" dur="indefinite" restart="never" nodeType="tmRoot"/>
+      </p:par>
+    </p:tnLst>
+  </p:timing>
 </p:sld>
 </file>
 
@@ -6099,6 +6106,13 @@
   <p:clrMapOvr>
     <a:masterClrMapping/>
   </p:clrMapOvr>
+  <p:timing>
+    <p:tnLst>
+      <p:par>
+        <p:cTn id="1" dur="indefinite" restart="never" nodeType="tmRoot"/>
+      </p:par>
+    </p:tnLst>
+  </p:timing>
 </p:sld>
 </file>
 
@@ -6209,6 +6223,13 @@
   <p:clrMapOvr>
     <a:masterClrMapping/>
   </p:clrMapOvr>
+  <p:timing>
+    <p:tnLst>
+      <p:par>
+        <p:cTn id="1" dur="indefinite" restart="never" nodeType="tmRoot"/>
+      </p:par>
+    </p:tnLst>
+  </p:timing>
 </p:sld>
 </file>
 
@@ -6821,11 +6842,7 @@
           <a:p>
             <a:r>
               <a:rPr lang="en-US" dirty="0" smtClean="0"/>
-              <a:t>Creating </a:t>
-            </a:r>
-            <a:r>
-              <a:rPr lang="en-US" dirty="0" smtClean="0"/>
-              <a:t>The </a:t>
+              <a:t>Creating The </a:t>
             </a:r>
             <a:r>
               <a:rPr lang="en-US" dirty="0" err="1" smtClean="0"/>
@@ -7382,14 +7399,21 @@
   <p:clrMapOvr>
     <a:masterClrMapping/>
   </p:clrMapOvr>
-  <mc:AlternateContent xmlns:mc="http://schemas.openxmlformats.org/markup-compatibility/2006">
-    <mc:Choice xmlns:p14="http://schemas.microsoft.com/office/powerpoint/2010/main" Requires="p14">
+  <mc:AlternateContent xmlns:mc="http://schemas.openxmlformats.org/markup-compatibility/2006" xmlns:p14="http://schemas.microsoft.com/office/powerpoint/2010/main">
+    <mc:Choice Requires="p14">
       <p:transition spd="slow" p14:dur="2000"/>
     </mc:Choice>
-    <mc:Fallback>
+    <mc:Fallback xmlns="">
       <p:transition spd="slow"/>
     </mc:Fallback>
   </mc:AlternateContent>
+  <p:timing>
+    <p:tnLst>
+      <p:par>
+        <p:cTn id="1" dur="indefinite" restart="never" nodeType="tmRoot"/>
+      </p:par>
+    </p:tnLst>
+  </p:timing>
 </p:sld>
 </file>
 
@@ -7496,6 +7520,13 @@
   <p:clrMapOvr>
     <a:masterClrMapping/>
   </p:clrMapOvr>
+  <p:timing>
+    <p:tnLst>
+      <p:par>
+        <p:cTn id="1" dur="indefinite" restart="never" nodeType="tmRoot"/>
+      </p:par>
+    </p:tnLst>
+  </p:timing>
 </p:sld>
 </file>
 
@@ -7568,6 +7599,38 @@
           </a:xfrm>
         </p:spPr>
       </p:pic>
+      <p:sp>
+        <p:nvSpPr>
+          <p:cNvPr id="3" name="TextBox 2"/>
+          <p:cNvSpPr txBox="1"/>
+          <p:nvPr/>
+        </p:nvSpPr>
+        <p:spPr>
+          <a:xfrm>
+            <a:off x="7833970" y="900668"/>
+            <a:ext cx="987771" cy="369332"/>
+          </a:xfrm>
+          <a:prstGeom prst="rect">
+            <a:avLst/>
+          </a:prstGeom>
+          <a:noFill/>
+        </p:spPr>
+        <p:txBody>
+          <a:bodyPr wrap="none" rtlCol="0">
+            <a:spAutoFit/>
+          </a:bodyPr>
+          <a:lstStyle/>
+          <a:p>
+            <a:r>
+              <a:rPr lang="en-US" dirty="0" err="1" smtClean="0">
+                <a:hlinkClick r:id="rId3"/>
+              </a:rPr>
+              <a:t>weblink</a:t>
+            </a:r>
+            <a:endParaRPr lang="en-US" dirty="0" smtClean="0"/>
+          </a:p>
+        </p:txBody>
+      </p:sp>
     </p:spTree>
     <p:extLst>
       <p:ext uri="{BB962C8B-B14F-4D97-AF65-F5344CB8AC3E}">
@@ -7578,6 +7641,13 @@
   <p:clrMapOvr>
     <a:masterClrMapping/>
   </p:clrMapOvr>
+  <p:timing>
+    <p:tnLst>
+      <p:par>
+        <p:cTn id="1" dur="indefinite" restart="never" nodeType="tmRoot"/>
+      </p:par>
+    </p:tnLst>
+  </p:timing>
 </p:sld>
 </file>
 
@@ -7685,6 +7755,13 @@
   <p:clrMapOvr>
     <a:masterClrMapping/>
   </p:clrMapOvr>
+  <p:timing>
+    <p:tnLst>
+      <p:par>
+        <p:cTn id="1" dur="indefinite" restart="never" nodeType="tmRoot"/>
+      </p:par>
+    </p:tnLst>
+  </p:timing>
 </p:sld>
 </file>
 

--- a/Unity 3D and Azure.pptx
+++ b/Unity 3D and Azure.pptx
@@ -869,7 +869,7 @@
             <a:fld id="{B61BEF0D-F0BB-DE4B-95CE-6DB70DBA9567}" type="datetimeFigureOut">
               <a:rPr lang="en-US" dirty="0"/>
               <a:pPr/>
-              <a:t>4/3/2014</a:t>
+              <a:t>4/25/2014</a:t>
             </a:fld>
             <a:endParaRPr lang="en-US" dirty="0"/>
           </a:p>
@@ -1117,7 +1117,7 @@
             <a:fld id="{B61BEF0D-F0BB-DE4B-95CE-6DB70DBA9567}" type="datetimeFigureOut">
               <a:rPr lang="en-US" dirty="0"/>
               <a:pPr/>
-              <a:t>4/3/2014</a:t>
+              <a:t>4/25/2014</a:t>
             </a:fld>
             <a:endParaRPr lang="en-US" dirty="0"/>
           </a:p>
@@ -1428,7 +1428,7 @@
             <a:fld id="{B61BEF0D-F0BB-DE4B-95CE-6DB70DBA9567}" type="datetimeFigureOut">
               <a:rPr lang="en-US" dirty="0"/>
               <a:pPr/>
-              <a:t>4/3/2014</a:t>
+              <a:t>4/25/2014</a:t>
             </a:fld>
             <a:endParaRPr lang="en-US" dirty="0"/>
           </a:p>
@@ -1758,7 +1758,7 @@
             <a:fld id="{B61BEF0D-F0BB-DE4B-95CE-6DB70DBA9567}" type="datetimeFigureOut">
               <a:rPr lang="en-US" dirty="0"/>
               <a:pPr/>
-              <a:t>4/3/2014</a:t>
+              <a:t>4/25/2014</a:t>
             </a:fld>
             <a:endParaRPr lang="en-US" dirty="0"/>
           </a:p>
@@ -2069,7 +2069,7 @@
             <a:fld id="{B61BEF0D-F0BB-DE4B-95CE-6DB70DBA9567}" type="datetimeFigureOut">
               <a:rPr lang="en-US" dirty="0"/>
               <a:pPr/>
-              <a:t>4/3/2014</a:t>
+              <a:t>4/25/2014</a:t>
             </a:fld>
             <a:endParaRPr lang="en-US" dirty="0"/>
           </a:p>
@@ -2459,7 +2459,7 @@
             <a:fld id="{B61BEF0D-F0BB-DE4B-95CE-6DB70DBA9567}" type="datetimeFigureOut">
               <a:rPr lang="en-US" dirty="0"/>
               <a:pPr/>
-              <a:t>4/3/2014</a:t>
+              <a:t>4/25/2014</a:t>
             </a:fld>
             <a:endParaRPr lang="en-US" dirty="0"/>
           </a:p>
@@ -2625,7 +2625,7 @@
           <a:p>
             <a:fld id="{55C6B4A9-1611-4792-9094-5F34BCA07E0B}" type="datetimeFigureOut">
               <a:rPr lang="en-US" dirty="0"/>
-              <a:t>4/3/2014</a:t>
+              <a:t>4/25/2014</a:t>
             </a:fld>
             <a:endParaRPr lang="en-US" dirty="0"/>
           </a:p>
@@ -2801,7 +2801,7 @@
             <a:fld id="{B61BEF0D-F0BB-DE4B-95CE-6DB70DBA9567}" type="datetimeFigureOut">
               <a:rPr lang="en-US" dirty="0"/>
               <a:pPr/>
-              <a:t>4/3/2014</a:t>
+              <a:t>4/25/2014</a:t>
             </a:fld>
             <a:endParaRPr lang="en-US" dirty="0"/>
           </a:p>
@@ -2967,7 +2967,7 @@
           <a:p>
             <a:fld id="{42A54C80-263E-416B-A8E0-580EDEADCBDC}" type="datetimeFigureOut">
               <a:rPr lang="en-US" dirty="0"/>
-              <a:t>4/3/2014</a:t>
+              <a:t>4/25/2014</a:t>
             </a:fld>
             <a:endParaRPr lang="en-US" dirty="0"/>
           </a:p>
@@ -3210,7 +3210,7 @@
             <a:fld id="{B61BEF0D-F0BB-DE4B-95CE-6DB70DBA9567}" type="datetimeFigureOut">
               <a:rPr lang="en-US" dirty="0"/>
               <a:pPr/>
-              <a:t>4/3/2014</a:t>
+              <a:t>4/25/2014</a:t>
             </a:fld>
             <a:endParaRPr lang="en-US" dirty="0"/>
           </a:p>
@@ -3438,7 +3438,7 @@
           <a:p>
             <a:fld id="{42A54C80-263E-416B-A8E0-580EDEADCBDC}" type="datetimeFigureOut">
               <a:rPr lang="en-US" dirty="0"/>
-              <a:t>4/3/2014</a:t>
+              <a:t>4/25/2014</a:t>
             </a:fld>
             <a:endParaRPr lang="en-US" dirty="0"/>
           </a:p>
@@ -3808,7 +3808,7 @@
             <a:fld id="{B61BEF0D-F0BB-DE4B-95CE-6DB70DBA9567}" type="datetimeFigureOut">
               <a:rPr lang="en-US" dirty="0"/>
               <a:pPr/>
-              <a:t>4/3/2014</a:t>
+              <a:t>4/25/2014</a:t>
             </a:fld>
             <a:endParaRPr lang="en-US" dirty="0"/>
           </a:p>
@@ -3928,7 +3928,7 @@
             <a:fld id="{B61BEF0D-F0BB-DE4B-95CE-6DB70DBA9567}" type="datetimeFigureOut">
               <a:rPr lang="en-US" dirty="0"/>
               <a:pPr/>
-              <a:t>4/3/2014</a:t>
+              <a:t>4/25/2014</a:t>
             </a:fld>
             <a:endParaRPr lang="en-US" dirty="0"/>
           </a:p>
@@ -4020,7 +4020,7 @@
             <a:fld id="{B61BEF0D-F0BB-DE4B-95CE-6DB70DBA9567}" type="datetimeFigureOut">
               <a:rPr lang="en-US" dirty="0"/>
               <a:pPr/>
-              <a:t>4/3/2014</a:t>
+              <a:t>4/25/2014</a:t>
             </a:fld>
             <a:endParaRPr lang="en-US" dirty="0"/>
           </a:p>
@@ -4271,7 +4271,7 @@
           <a:p>
             <a:fld id="{42A54C80-263E-416B-A8E0-580EDEADCBDC}" type="datetimeFigureOut">
               <a:rPr lang="en-US" dirty="0"/>
-              <a:t>4/3/2014</a:t>
+              <a:t>4/25/2014</a:t>
             </a:fld>
             <a:endParaRPr lang="en-US" dirty="0"/>
           </a:p>
@@ -4573,7 +4573,7 @@
             <a:fld id="{B61BEF0D-F0BB-DE4B-95CE-6DB70DBA9567}" type="datetimeFigureOut">
               <a:rPr lang="en-US" dirty="0"/>
               <a:pPr/>
-              <a:t>4/3/2014</a:t>
+              <a:t>4/25/2014</a:t>
             </a:fld>
             <a:endParaRPr lang="en-US" dirty="0"/>
           </a:p>
@@ -5271,7 +5271,7 @@
             <a:fld id="{B61BEF0D-F0BB-DE4B-95CE-6DB70DBA9567}" type="datetimeFigureOut">
               <a:rPr lang="en-US" dirty="0"/>
               <a:pPr/>
-              <a:t>4/3/2014</a:t>
+              <a:t>4/25/2014</a:t>
             </a:fld>
             <a:endParaRPr lang="en-US" dirty="0"/>
           </a:p>
@@ -6295,7 +6295,9 @@
           </a:xfrm>
         </p:spPr>
         <p:txBody>
-          <a:bodyPr/>
+          <a:bodyPr>
+            <a:normAutofit lnSpcReduction="10000"/>
+          </a:bodyPr>
           <a:lstStyle/>
           <a:p>
             <a:pPr marL="0" indent="0">
@@ -6365,15 +6367,45 @@
             </a:r>
           </a:p>
           <a:p>
+            <a:pPr marL="342900" lvl="1" indent="-342900"/>
+            <a:r>
+              <a:rPr lang="en-US" dirty="0">
+                <a:hlinkClick r:id="rId2"/>
+              </a:rPr>
+              <a:t>https://</a:t>
+            </a:r>
+            <a:r>
+              <a:rPr lang="en-US" dirty="0" smtClean="0">
+                <a:hlinkClick r:id="rId2"/>
+              </a:rPr>
+              <a:t>github.com/mLevel/</a:t>
+            </a:r>
+            <a:endParaRPr lang="en-US" dirty="0" smtClean="0"/>
+          </a:p>
+          <a:p>
+            <a:pPr marL="342900" lvl="1" indent="-342900"/>
+            <a:r>
+              <a:rPr lang="en-US" sz="1800" dirty="0" smtClean="0"/>
+              <a:t>C</a:t>
+            </a:r>
+            <a:r>
+              <a:rPr lang="en-US" sz="1800" dirty="0" smtClean="0"/>
+              <a:t># .NET developers in casual learning space, </a:t>
+            </a:r>
+            <a:r>
+              <a:rPr lang="en-US" sz="1800" dirty="0" smtClean="0"/>
+              <a:t>mLevel.com</a:t>
+            </a:r>
+            <a:endParaRPr lang="en-US" sz="1800" dirty="0" smtClean="0"/>
+          </a:p>
+          <a:p>
             <a:r>
               <a:rPr lang="en-US" dirty="0" smtClean="0"/>
-              <a:t>C# .NET developers in casual learning space, mlevel.com</a:t>
-            </a:r>
-          </a:p>
-          <a:p>
+              <a:t>Targeting Enterprise Customers </a:t>
+            </a:r>
             <a:r>
               <a:rPr lang="en-US" dirty="0" smtClean="0"/>
-              <a:t>Targeting Enterprise Customers (woe is me)</a:t>
+              <a:t>(woe is me)</a:t>
             </a:r>
           </a:p>
           <a:p>
@@ -6385,7 +6417,11 @@
           <a:p>
             <a:r>
               <a:rPr lang="en-US" dirty="0" smtClean="0"/>
-              <a:t>We can’t use Game Center or Google’s Play</a:t>
+              <a:t>We </a:t>
+            </a:r>
+            <a:r>
+              <a:rPr lang="en-US" dirty="0" smtClean="0"/>
+              <a:t>can’t use Game Center or Google’s Play</a:t>
             </a:r>
           </a:p>
           <a:p>
@@ -6478,19 +6514,32 @@
           </a:xfrm>
         </p:spPr>
         <p:txBody>
-          <a:bodyPr/>
+          <a:bodyPr>
+            <a:normAutofit fontScale="92500" lnSpcReduction="20000"/>
+          </a:bodyPr>
           <a:lstStyle/>
           <a:p>
             <a:r>
               <a:rPr lang="en-US" dirty="0" smtClean="0"/>
-              <a:t>A completely free solution</a:t>
-            </a:r>
-          </a:p>
-          <a:p>
+              <a:t>A completely free </a:t>
+            </a:r>
             <a:r>
               <a:rPr lang="en-US" dirty="0" smtClean="0"/>
-              <a:t>Targeting C# developers</a:t>
-            </a:r>
+              <a:t>solution</a:t>
+            </a:r>
+          </a:p>
+          <a:p>
+            <a:r>
+              <a:rPr lang="en-US" dirty="0"/>
+              <a:t>A functional example disguised as a leaderboard</a:t>
+            </a:r>
+          </a:p>
+          <a:p>
+            <a:r>
+              <a:rPr lang="en-US" dirty="0" smtClean="0"/>
+              <a:t>Targeting C# development</a:t>
+            </a:r>
+            <a:endParaRPr lang="en-US" dirty="0" smtClean="0"/>
           </a:p>
           <a:p>
             <a:r>
@@ -6531,7 +6580,22 @@
             <a:pPr lvl="1"/>
             <a:r>
               <a:rPr lang="en-US" dirty="0" smtClean="0"/>
-              <a:t>Security using Microsoft Identity for Authorization</a:t>
+              <a:t>Security using Microsoft Identity for </a:t>
+            </a:r>
+            <a:r>
+              <a:rPr lang="en-US" dirty="0" smtClean="0"/>
+              <a:t>Authorization</a:t>
+            </a:r>
+          </a:p>
+          <a:p>
+            <a:pPr lvl="1"/>
+            <a:r>
+              <a:rPr lang="en-US" dirty="0" smtClean="0"/>
+              <a:t>Automatically deployed using </a:t>
+            </a:r>
+            <a:r>
+              <a:rPr lang="en-US" dirty="0" err="1" smtClean="0"/>
+              <a:t>GitHub</a:t>
             </a:r>
             <a:endParaRPr lang="en-US" dirty="0"/>
           </a:p>
@@ -6548,8 +6612,32 @@
             <a:pPr lvl="1"/>
             <a:r>
               <a:rPr lang="en-US" dirty="0" smtClean="0"/>
-              <a:t>Unity 3D</a:t>
-            </a:r>
+              <a:t>Unity </a:t>
+            </a:r>
+            <a:r>
+              <a:rPr lang="en-US" dirty="0" smtClean="0"/>
+              <a:t>3D</a:t>
+            </a:r>
+          </a:p>
+          <a:p>
+            <a:pPr lvl="1"/>
+            <a:r>
+              <a:rPr lang="en-US" dirty="0" smtClean="0"/>
+              <a:t>Serialization </a:t>
+            </a:r>
+            <a:r>
+              <a:rPr lang="en-US" dirty="0" err="1" smtClean="0"/>
+              <a:t>LitJSON</a:t>
+            </a:r>
+            <a:endParaRPr lang="en-US" dirty="0" smtClean="0"/>
+          </a:p>
+          <a:p>
+            <a:pPr lvl="1"/>
+            <a:r>
+              <a:rPr lang="en-US" dirty="0" smtClean="0"/>
+              <a:t>Custom Services Library</a:t>
+            </a:r>
+            <a:endParaRPr lang="en-US" dirty="0" smtClean="0"/>
           </a:p>
         </p:txBody>
       </p:sp>
@@ -6614,81 +6702,550 @@
           <a:p>
             <a:r>
               <a:rPr lang="en-US" dirty="0" smtClean="0"/>
-              <a:t>The Plan &amp; Takeaways</a:t>
-            </a:r>
-            <a:endParaRPr lang="en-US" dirty="0"/>
-          </a:p>
-        </p:txBody>
-      </p:sp>
-      <p:sp>
-        <p:nvSpPr>
-          <p:cNvPr id="3" name="Content Placeholder 2"/>
-          <p:cNvSpPr>
-            <a:spLocks noGrp="1"/>
-          </p:cNvSpPr>
-          <p:nvPr>
-            <p:ph idx="1"/>
-          </p:nvPr>
+              <a:t>What’s going on?</a:t>
+            </a:r>
+            <a:endParaRPr lang="en-US" dirty="0"/>
+          </a:p>
+        </p:txBody>
+      </p:sp>
+      <p:cxnSp>
+        <p:nvCxnSpPr>
+          <p:cNvPr id="5" name="Straight Arrow Connector 4"/>
+          <p:cNvCxnSpPr/>
+          <p:nvPr/>
+        </p:nvCxnSpPr>
+        <p:spPr>
+          <a:xfrm flipV="1">
+            <a:off x="2045668" y="2476502"/>
+            <a:ext cx="5509425" cy="44381"/>
+          </a:xfrm>
+          <a:prstGeom prst="straightConnector1">
+            <a:avLst/>
+          </a:prstGeom>
+          <a:ln w="38100">
+            <a:solidFill>
+              <a:schemeClr val="tx1"/>
+            </a:solidFill>
+            <a:tailEnd type="triangle"/>
+          </a:ln>
+        </p:spPr>
+        <p:style>
+          <a:lnRef idx="1">
+            <a:schemeClr val="accent1"/>
+          </a:lnRef>
+          <a:fillRef idx="0">
+            <a:schemeClr val="accent1"/>
+          </a:fillRef>
+          <a:effectRef idx="0">
+            <a:schemeClr val="accent1"/>
+          </a:effectRef>
+          <a:fontRef idx="minor">
+            <a:schemeClr val="tx1"/>
+          </a:fontRef>
+        </p:style>
+      </p:cxnSp>
+      <p:cxnSp>
+        <p:nvCxnSpPr>
+          <p:cNvPr id="8" name="Straight Arrow Connector 7"/>
+          <p:cNvCxnSpPr/>
+          <p:nvPr/>
+        </p:nvCxnSpPr>
+        <p:spPr>
+          <a:xfrm flipH="1">
+            <a:off x="2513193" y="2905803"/>
+            <a:ext cx="5212364" cy="1248"/>
+          </a:xfrm>
+          <a:prstGeom prst="straightConnector1">
+            <a:avLst/>
+          </a:prstGeom>
+          <a:ln w="38100">
+            <a:solidFill>
+              <a:schemeClr val="accent2"/>
+            </a:solidFill>
+            <a:tailEnd type="triangle"/>
+          </a:ln>
+        </p:spPr>
+        <p:style>
+          <a:lnRef idx="1">
+            <a:schemeClr val="accent1"/>
+          </a:lnRef>
+          <a:fillRef idx="0">
+            <a:schemeClr val="accent1"/>
+          </a:fillRef>
+          <a:effectRef idx="0">
+            <a:schemeClr val="accent1"/>
+          </a:effectRef>
+          <a:fontRef idx="minor">
+            <a:schemeClr val="tx1"/>
+          </a:fontRef>
+        </p:style>
+      </p:cxnSp>
+      <p:sp>
+        <p:nvSpPr>
+          <p:cNvPr id="9" name="TextBox 8"/>
+          <p:cNvSpPr txBox="1"/>
+          <p:nvPr/>
         </p:nvSpPr>
         <p:spPr>
           <a:xfrm>
-            <a:off x="677334" y="1536701"/>
-            <a:ext cx="8596668" cy="4504662"/>
+            <a:off x="5772682" y="2537178"/>
+            <a:ext cx="1782411" cy="400110"/>
           </a:xfrm>
+          <a:prstGeom prst="rect">
+            <a:avLst/>
+          </a:prstGeom>
+          <a:noFill/>
         </p:spPr>
         <p:txBody>
-          <a:bodyPr/>
-          <a:lstStyle/>
-          <a:p>
-            <a:r>
-              <a:rPr lang="en-US" dirty="0" smtClean="0"/>
-              <a:t>A functional example disguised as a leaderboard</a:t>
-            </a:r>
-          </a:p>
-          <a:p>
-            <a:pPr lvl="1"/>
-            <a:r>
-              <a:rPr lang="en-US" dirty="0">
-                <a:hlinkClick r:id="rId2"/>
+          <a:bodyPr wrap="none" rtlCol="0">
+            <a:spAutoFit/>
+          </a:bodyPr>
+          <a:lstStyle/>
+          <a:p>
+            <a:r>
+              <a:rPr lang="en-US" sz="2000" dirty="0" smtClean="0">
+                <a:solidFill>
+                  <a:schemeClr val="accent2"/>
+                </a:solidFill>
               </a:rPr>
-              <a:t>https://</a:t>
-            </a:r>
-            <a:r>
-              <a:rPr lang="en-US" dirty="0" smtClean="0">
-                <a:hlinkClick r:id="rId2"/>
+              <a:t>Returns Token</a:t>
+            </a:r>
+            <a:endParaRPr lang="en-US" sz="2000" dirty="0">
+              <a:solidFill>
+                <a:schemeClr val="accent2"/>
+              </a:solidFill>
+            </a:endParaRPr>
+          </a:p>
+        </p:txBody>
+      </p:sp>
+      <p:sp>
+        <p:nvSpPr>
+          <p:cNvPr id="11" name="TextBox 10"/>
+          <p:cNvSpPr txBox="1"/>
+          <p:nvPr/>
+        </p:nvSpPr>
+        <p:spPr>
+          <a:xfrm>
+            <a:off x="2121034" y="2060097"/>
+            <a:ext cx="4338304" cy="400110"/>
+          </a:xfrm>
+          <a:prstGeom prst="rect">
+            <a:avLst/>
+          </a:prstGeom>
+          <a:noFill/>
+        </p:spPr>
+        <p:txBody>
+          <a:bodyPr wrap="none" rtlCol="0">
+            <a:spAutoFit/>
+          </a:bodyPr>
+          <a:lstStyle/>
+          <a:p>
+            <a:pPr marL="0" lvl="1"/>
+            <a:r>
+              <a:rPr lang="en-US" sz="2000" dirty="0" smtClean="0"/>
+              <a:t>Requests Authentication (</a:t>
+            </a:r>
+            <a:r>
+              <a:rPr lang="en-US" sz="2000" dirty="0"/>
+              <a:t>User/Pass</a:t>
+            </a:r>
+            <a:r>
+              <a:rPr lang="en-US" sz="2000" dirty="0" smtClean="0"/>
+              <a:t>)</a:t>
+            </a:r>
+            <a:endParaRPr lang="en-US" sz="2000" dirty="0"/>
+          </a:p>
+        </p:txBody>
+      </p:sp>
+      <p:pic>
+        <p:nvPicPr>
+          <p:cNvPr id="26" name="Picture 25"/>
+          <p:cNvPicPr>
+            <a:picLocks noChangeAspect="1"/>
+          </p:cNvPicPr>
+          <p:nvPr/>
+        </p:nvPicPr>
+        <p:blipFill>
+          <a:blip r:embed="rId2">
+            <a:extLst>
+              <a:ext uri="{28A0092B-C50C-407E-A947-70E740481C1C}">
+                <a14:useLocalDpi xmlns:a14="http://schemas.microsoft.com/office/drawing/2010/main" val="0"/>
+              </a:ext>
+            </a:extLst>
+          </a:blip>
+          <a:stretch>
+            <a:fillRect/>
+          </a:stretch>
+        </p:blipFill>
+        <p:spPr>
+          <a:xfrm>
+            <a:off x="7555093" y="3033966"/>
+            <a:ext cx="2236397" cy="1259837"/>
+          </a:xfrm>
+          <a:prstGeom prst="rect">
+            <a:avLst/>
+          </a:prstGeom>
+        </p:spPr>
+      </p:pic>
+      <p:pic>
+        <p:nvPicPr>
+          <p:cNvPr id="27" name="Picture 26"/>
+          <p:cNvPicPr>
+            <a:picLocks noChangeAspect="1"/>
+          </p:cNvPicPr>
+          <p:nvPr/>
+        </p:nvPicPr>
+        <p:blipFill>
+          <a:blip r:embed="rId3">
+            <a:extLst>
+              <a:ext uri="{28A0092B-C50C-407E-A947-70E740481C1C}">
+                <a14:useLocalDpi xmlns:a14="http://schemas.microsoft.com/office/drawing/2010/main" val="0"/>
+              </a:ext>
+            </a:extLst>
+          </a:blip>
+          <a:stretch>
+            <a:fillRect/>
+          </a:stretch>
+        </p:blipFill>
+        <p:spPr>
+          <a:xfrm>
+            <a:off x="18301" y="2742310"/>
+            <a:ext cx="2120460" cy="1590346"/>
+          </a:xfrm>
+          <a:prstGeom prst="rect">
+            <a:avLst/>
+          </a:prstGeom>
+        </p:spPr>
+      </p:pic>
+      <p:sp>
+        <p:nvSpPr>
+          <p:cNvPr id="32" name="Arc 31"/>
+          <p:cNvSpPr/>
+          <p:nvPr/>
+        </p:nvSpPr>
+        <p:spPr>
+          <a:xfrm>
+            <a:off x="2074860" y="3178241"/>
+            <a:ext cx="914400" cy="914400"/>
+          </a:xfrm>
+          <a:prstGeom prst="arc">
+            <a:avLst/>
+          </a:prstGeom>
+          <a:ln w="38100">
+            <a:solidFill>
+              <a:schemeClr val="tx2"/>
+            </a:solidFill>
+          </a:ln>
+        </p:spPr>
+        <p:style>
+          <a:lnRef idx="1">
+            <a:schemeClr val="accent1"/>
+          </a:lnRef>
+          <a:fillRef idx="0">
+            <a:schemeClr val="accent1"/>
+          </a:fillRef>
+          <a:effectRef idx="0">
+            <a:schemeClr val="accent1"/>
+          </a:effectRef>
+          <a:fontRef idx="minor">
+            <a:schemeClr val="tx1"/>
+          </a:fontRef>
+        </p:style>
+        <p:txBody>
+          <a:bodyPr rtlCol="0" anchor="ctr"/>
+          <a:lstStyle/>
+          <a:p>
+            <a:pPr algn="ctr"/>
+            <a:endParaRPr lang="en-US"/>
+          </a:p>
+        </p:txBody>
+      </p:sp>
+      <p:sp>
+        <p:nvSpPr>
+          <p:cNvPr id="33" name="Arc 32"/>
+          <p:cNvSpPr/>
+          <p:nvPr/>
+        </p:nvSpPr>
+        <p:spPr>
+          <a:xfrm rot="5695960">
+            <a:off x="2074860" y="3095555"/>
+            <a:ext cx="914400" cy="914400"/>
+          </a:xfrm>
+          <a:prstGeom prst="arc">
+            <a:avLst/>
+          </a:prstGeom>
+          <a:ln w="38100">
+            <a:solidFill>
+              <a:schemeClr val="tx2"/>
+            </a:solidFill>
+          </a:ln>
+        </p:spPr>
+        <p:style>
+          <a:lnRef idx="1">
+            <a:schemeClr val="accent1"/>
+          </a:lnRef>
+          <a:fillRef idx="0">
+            <a:schemeClr val="accent1"/>
+          </a:fillRef>
+          <a:effectRef idx="0">
+            <a:schemeClr val="accent1"/>
+          </a:effectRef>
+          <a:fontRef idx="minor">
+            <a:schemeClr val="tx1"/>
+          </a:fontRef>
+        </p:style>
+        <p:txBody>
+          <a:bodyPr rtlCol="0" anchor="ctr"/>
+          <a:lstStyle/>
+          <a:p>
+            <a:pPr algn="ctr"/>
+            <a:endParaRPr lang="en-US"/>
+          </a:p>
+        </p:txBody>
+      </p:sp>
+      <p:cxnSp>
+        <p:nvCxnSpPr>
+          <p:cNvPr id="39" name="Straight Connector 38"/>
+          <p:cNvCxnSpPr>
+            <a:stCxn id="32" idx="0"/>
+          </p:cNvCxnSpPr>
+          <p:nvPr/>
+        </p:nvCxnSpPr>
+        <p:spPr>
+          <a:xfrm flipH="1">
+            <a:off x="2074860" y="3178241"/>
+            <a:ext cx="457200" cy="0"/>
+          </a:xfrm>
+          <a:prstGeom prst="line">
+            <a:avLst/>
+          </a:prstGeom>
+          <a:ln w="38100">
+            <a:solidFill>
+              <a:schemeClr val="tx2"/>
+            </a:solidFill>
+          </a:ln>
+        </p:spPr>
+        <p:style>
+          <a:lnRef idx="1">
+            <a:schemeClr val="accent1"/>
+          </a:lnRef>
+          <a:fillRef idx="0">
+            <a:schemeClr val="accent1"/>
+          </a:fillRef>
+          <a:effectRef idx="0">
+            <a:schemeClr val="accent1"/>
+          </a:effectRef>
+          <a:fontRef idx="minor">
+            <a:schemeClr val="tx1"/>
+          </a:fontRef>
+        </p:style>
+      </p:cxnSp>
+      <p:cxnSp>
+        <p:nvCxnSpPr>
+          <p:cNvPr id="44" name="Straight Arrow Connector 43"/>
+          <p:cNvCxnSpPr>
+            <a:stCxn id="33" idx="2"/>
+          </p:cNvCxnSpPr>
+          <p:nvPr/>
+        </p:nvCxnSpPr>
+        <p:spPr>
+          <a:xfrm flipH="1" flipV="1">
+            <a:off x="2074860" y="3862058"/>
+            <a:ext cx="417888" cy="146204"/>
+          </a:xfrm>
+          <a:prstGeom prst="straightConnector1">
+            <a:avLst/>
+          </a:prstGeom>
+          <a:ln w="38100">
+            <a:solidFill>
+              <a:schemeClr val="tx2"/>
+            </a:solidFill>
+            <a:tailEnd type="triangle"/>
+          </a:ln>
+        </p:spPr>
+        <p:style>
+          <a:lnRef idx="1">
+            <a:schemeClr val="accent1"/>
+          </a:lnRef>
+          <a:fillRef idx="0">
+            <a:schemeClr val="accent1"/>
+          </a:fillRef>
+          <a:effectRef idx="0">
+            <a:schemeClr val="accent1"/>
+          </a:effectRef>
+          <a:fontRef idx="minor">
+            <a:schemeClr val="tx1"/>
+          </a:fontRef>
+        </p:style>
+      </p:cxnSp>
+      <p:sp>
+        <p:nvSpPr>
+          <p:cNvPr id="45" name="TextBox 44"/>
+          <p:cNvSpPr txBox="1"/>
+          <p:nvPr/>
+        </p:nvSpPr>
+        <p:spPr>
+          <a:xfrm>
+            <a:off x="3085575" y="3361011"/>
+            <a:ext cx="1401346" cy="400110"/>
+          </a:xfrm>
+          <a:prstGeom prst="rect">
+            <a:avLst/>
+          </a:prstGeom>
+          <a:noFill/>
+        </p:spPr>
+        <p:txBody>
+          <a:bodyPr wrap="none" rtlCol="0">
+            <a:spAutoFit/>
+          </a:bodyPr>
+          <a:lstStyle/>
+          <a:p>
+            <a:r>
+              <a:rPr lang="en-US" sz="2000" dirty="0" smtClean="0"/>
+              <a:t>Play Game</a:t>
+            </a:r>
+            <a:endParaRPr lang="en-US" sz="2000" dirty="0"/>
+          </a:p>
+        </p:txBody>
+      </p:sp>
+      <p:cxnSp>
+        <p:nvCxnSpPr>
+          <p:cNvPr id="48" name="Straight Arrow Connector 47"/>
+          <p:cNvCxnSpPr/>
+          <p:nvPr/>
+        </p:nvCxnSpPr>
+        <p:spPr>
+          <a:xfrm flipV="1">
+            <a:off x="2120460" y="4631487"/>
+            <a:ext cx="5509425" cy="44381"/>
+          </a:xfrm>
+          <a:prstGeom prst="straightConnector1">
+            <a:avLst/>
+          </a:prstGeom>
+          <a:ln w="38100">
+            <a:solidFill>
+              <a:schemeClr val="tx1"/>
+            </a:solidFill>
+            <a:tailEnd type="triangle"/>
+          </a:ln>
+        </p:spPr>
+        <p:style>
+          <a:lnRef idx="1">
+            <a:schemeClr val="accent1"/>
+          </a:lnRef>
+          <a:fillRef idx="0">
+            <a:schemeClr val="accent1"/>
+          </a:fillRef>
+          <a:effectRef idx="0">
+            <a:schemeClr val="accent1"/>
+          </a:effectRef>
+          <a:fontRef idx="minor">
+            <a:schemeClr val="tx1"/>
+          </a:fontRef>
+        </p:style>
+      </p:cxnSp>
+      <p:sp>
+        <p:nvSpPr>
+          <p:cNvPr id="49" name="TextBox 48"/>
+          <p:cNvSpPr txBox="1"/>
+          <p:nvPr/>
+        </p:nvSpPr>
+        <p:spPr>
+          <a:xfrm>
+            <a:off x="2195826" y="4215082"/>
+            <a:ext cx="3442289" cy="400110"/>
+          </a:xfrm>
+          <a:prstGeom prst="rect">
+            <a:avLst/>
+          </a:prstGeom>
+          <a:noFill/>
+        </p:spPr>
+        <p:txBody>
+          <a:bodyPr wrap="none" rtlCol="0">
+            <a:spAutoFit/>
+          </a:bodyPr>
+          <a:lstStyle/>
+          <a:p>
+            <a:pPr marL="0" lvl="1"/>
+            <a:r>
+              <a:rPr lang="en-US" sz="2000" dirty="0" smtClean="0"/>
+              <a:t>Sends High Score with Token</a:t>
+            </a:r>
+            <a:endParaRPr lang="en-US" sz="2000" dirty="0"/>
+          </a:p>
+        </p:txBody>
+      </p:sp>
+      <p:cxnSp>
+        <p:nvCxnSpPr>
+          <p:cNvPr id="50" name="Straight Arrow Connector 49"/>
+          <p:cNvCxnSpPr/>
+          <p:nvPr/>
+        </p:nvCxnSpPr>
+        <p:spPr>
+          <a:xfrm flipH="1">
+            <a:off x="2369486" y="5193031"/>
+            <a:ext cx="5212364" cy="1248"/>
+          </a:xfrm>
+          <a:prstGeom prst="straightConnector1">
+            <a:avLst/>
+          </a:prstGeom>
+          <a:ln w="38100">
+            <a:solidFill>
+              <a:schemeClr val="accent2"/>
+            </a:solidFill>
+            <a:tailEnd type="triangle"/>
+          </a:ln>
+        </p:spPr>
+        <p:style>
+          <a:lnRef idx="1">
+            <a:schemeClr val="accent1"/>
+          </a:lnRef>
+          <a:fillRef idx="0">
+            <a:schemeClr val="accent1"/>
+          </a:fillRef>
+          <a:effectRef idx="0">
+            <a:schemeClr val="accent1"/>
+          </a:effectRef>
+          <a:fontRef idx="minor">
+            <a:schemeClr val="tx1"/>
+          </a:fontRef>
+        </p:style>
+      </p:cxnSp>
+      <p:sp>
+        <p:nvSpPr>
+          <p:cNvPr id="51" name="TextBox 50"/>
+          <p:cNvSpPr txBox="1"/>
+          <p:nvPr/>
+        </p:nvSpPr>
+        <p:spPr>
+          <a:xfrm>
+            <a:off x="5723565" y="4832649"/>
+            <a:ext cx="1880643" cy="400110"/>
+          </a:xfrm>
+          <a:prstGeom prst="rect">
+            <a:avLst/>
+          </a:prstGeom>
+          <a:noFill/>
+        </p:spPr>
+        <p:txBody>
+          <a:bodyPr wrap="none" rtlCol="0">
+            <a:spAutoFit/>
+          </a:bodyPr>
+          <a:lstStyle/>
+          <a:p>
+            <a:r>
+              <a:rPr lang="en-US" sz="2000" dirty="0" smtClean="0">
+                <a:solidFill>
+                  <a:schemeClr val="accent2"/>
+                </a:solidFill>
               </a:rPr>
-              <a:t>github.com/mLevel/Leaderboard</a:t>
-            </a:r>
-            <a:endParaRPr lang="en-US" dirty="0" smtClean="0"/>
-          </a:p>
-          <a:p>
-            <a:pPr lvl="1"/>
-            <a:r>
-              <a:rPr lang="en-US" dirty="0" smtClean="0"/>
-              <a:t>Build, Package, Publish</a:t>
-            </a:r>
-          </a:p>
-          <a:p>
-            <a:pPr lvl="1"/>
-            <a:r>
-              <a:rPr lang="en-US" dirty="0" smtClean="0"/>
-              <a:t>A quick development walkthrough</a:t>
-            </a:r>
-          </a:p>
-          <a:p>
-            <a:pPr lvl="1"/>
-            <a:r>
-              <a:rPr lang="en-US" dirty="0" smtClean="0"/>
-              <a:t>Gotchas of these tools</a:t>
-            </a:r>
-          </a:p>
-          <a:p>
-            <a:pPr lvl="1"/>
-            <a:r>
-              <a:rPr lang="en-US" dirty="0" smtClean="0"/>
-              <a:t>Questions ?</a:t>
-            </a:r>
-            <a:endParaRPr lang="en-US" dirty="0"/>
+              <a:t>All High Scores</a:t>
+            </a:r>
+            <a:endParaRPr lang="en-US" sz="2000" dirty="0">
+              <a:solidFill>
+                <a:schemeClr val="accent2"/>
+              </a:solidFill>
+            </a:endParaRPr>
           </a:p>
         </p:txBody>
       </p:sp>

--- a/Unity 3D and Azure.pptx
+++ b/Unity 3D and Azure.pptx
@@ -9,14 +9,15 @@
     <p:sldId id="259" r:id="rId3"/>
     <p:sldId id="257" r:id="rId4"/>
     <p:sldId id="258" r:id="rId5"/>
-    <p:sldId id="260" r:id="rId6"/>
-    <p:sldId id="261" r:id="rId7"/>
-    <p:sldId id="262" r:id="rId8"/>
-    <p:sldId id="263" r:id="rId9"/>
-    <p:sldId id="264" r:id="rId10"/>
-    <p:sldId id="265" r:id="rId11"/>
-    <p:sldId id="266" r:id="rId12"/>
-    <p:sldId id="267" r:id="rId13"/>
+    <p:sldId id="262" r:id="rId6"/>
+    <p:sldId id="263" r:id="rId7"/>
+    <p:sldId id="269" r:id="rId8"/>
+    <p:sldId id="260" r:id="rId9"/>
+    <p:sldId id="268" r:id="rId10"/>
+    <p:sldId id="267" r:id="rId11"/>
+    <p:sldId id="261" r:id="rId12"/>
+    <p:sldId id="264" r:id="rId13"/>
+    <p:sldId id="266" r:id="rId14"/>
   </p:sldIdLst>
   <p:sldSz cx="12192000" cy="6858000"/>
   <p:notesSz cx="6858000" cy="9144000"/>
@@ -869,7 +870,7 @@
             <a:fld id="{B61BEF0D-F0BB-DE4B-95CE-6DB70DBA9567}" type="datetimeFigureOut">
               <a:rPr lang="en-US" dirty="0"/>
               <a:pPr/>
-              <a:t>4/25/2014</a:t>
+              <a:t>4/26/2014</a:t>
             </a:fld>
             <a:endParaRPr lang="en-US" dirty="0"/>
           </a:p>
@@ -1117,7 +1118,7 @@
             <a:fld id="{B61BEF0D-F0BB-DE4B-95CE-6DB70DBA9567}" type="datetimeFigureOut">
               <a:rPr lang="en-US" dirty="0"/>
               <a:pPr/>
-              <a:t>4/25/2014</a:t>
+              <a:t>4/26/2014</a:t>
             </a:fld>
             <a:endParaRPr lang="en-US" dirty="0"/>
           </a:p>
@@ -1428,7 +1429,7 @@
             <a:fld id="{B61BEF0D-F0BB-DE4B-95CE-6DB70DBA9567}" type="datetimeFigureOut">
               <a:rPr lang="en-US" dirty="0"/>
               <a:pPr/>
-              <a:t>4/25/2014</a:t>
+              <a:t>4/26/2014</a:t>
             </a:fld>
             <a:endParaRPr lang="en-US" dirty="0"/>
           </a:p>
@@ -1758,7 +1759,7 @@
             <a:fld id="{B61BEF0D-F0BB-DE4B-95CE-6DB70DBA9567}" type="datetimeFigureOut">
               <a:rPr lang="en-US" dirty="0"/>
               <a:pPr/>
-              <a:t>4/25/2014</a:t>
+              <a:t>4/26/2014</a:t>
             </a:fld>
             <a:endParaRPr lang="en-US" dirty="0"/>
           </a:p>
@@ -2069,7 +2070,7 @@
             <a:fld id="{B61BEF0D-F0BB-DE4B-95CE-6DB70DBA9567}" type="datetimeFigureOut">
               <a:rPr lang="en-US" dirty="0"/>
               <a:pPr/>
-              <a:t>4/25/2014</a:t>
+              <a:t>4/26/2014</a:t>
             </a:fld>
             <a:endParaRPr lang="en-US" dirty="0"/>
           </a:p>
@@ -2459,7 +2460,7 @@
             <a:fld id="{B61BEF0D-F0BB-DE4B-95CE-6DB70DBA9567}" type="datetimeFigureOut">
               <a:rPr lang="en-US" dirty="0"/>
               <a:pPr/>
-              <a:t>4/25/2014</a:t>
+              <a:t>4/26/2014</a:t>
             </a:fld>
             <a:endParaRPr lang="en-US" dirty="0"/>
           </a:p>
@@ -2625,7 +2626,7 @@
           <a:p>
             <a:fld id="{55C6B4A9-1611-4792-9094-5F34BCA07E0B}" type="datetimeFigureOut">
               <a:rPr lang="en-US" dirty="0"/>
-              <a:t>4/25/2014</a:t>
+              <a:t>4/26/2014</a:t>
             </a:fld>
             <a:endParaRPr lang="en-US" dirty="0"/>
           </a:p>
@@ -2801,7 +2802,7 @@
             <a:fld id="{B61BEF0D-F0BB-DE4B-95CE-6DB70DBA9567}" type="datetimeFigureOut">
               <a:rPr lang="en-US" dirty="0"/>
               <a:pPr/>
-              <a:t>4/25/2014</a:t>
+              <a:t>4/26/2014</a:t>
             </a:fld>
             <a:endParaRPr lang="en-US" dirty="0"/>
           </a:p>
@@ -2967,7 +2968,7 @@
           <a:p>
             <a:fld id="{42A54C80-263E-416B-A8E0-580EDEADCBDC}" type="datetimeFigureOut">
               <a:rPr lang="en-US" dirty="0"/>
-              <a:t>4/25/2014</a:t>
+              <a:t>4/26/2014</a:t>
             </a:fld>
             <a:endParaRPr lang="en-US" dirty="0"/>
           </a:p>
@@ -3210,7 +3211,7 @@
             <a:fld id="{B61BEF0D-F0BB-DE4B-95CE-6DB70DBA9567}" type="datetimeFigureOut">
               <a:rPr lang="en-US" dirty="0"/>
               <a:pPr/>
-              <a:t>4/25/2014</a:t>
+              <a:t>4/26/2014</a:t>
             </a:fld>
             <a:endParaRPr lang="en-US" dirty="0"/>
           </a:p>
@@ -3438,7 +3439,7 @@
           <a:p>
             <a:fld id="{42A54C80-263E-416B-A8E0-580EDEADCBDC}" type="datetimeFigureOut">
               <a:rPr lang="en-US" dirty="0"/>
-              <a:t>4/25/2014</a:t>
+              <a:t>4/26/2014</a:t>
             </a:fld>
             <a:endParaRPr lang="en-US" dirty="0"/>
           </a:p>
@@ -3808,7 +3809,7 @@
             <a:fld id="{B61BEF0D-F0BB-DE4B-95CE-6DB70DBA9567}" type="datetimeFigureOut">
               <a:rPr lang="en-US" dirty="0"/>
               <a:pPr/>
-              <a:t>4/25/2014</a:t>
+              <a:t>4/26/2014</a:t>
             </a:fld>
             <a:endParaRPr lang="en-US" dirty="0"/>
           </a:p>
@@ -3928,7 +3929,7 @@
             <a:fld id="{B61BEF0D-F0BB-DE4B-95CE-6DB70DBA9567}" type="datetimeFigureOut">
               <a:rPr lang="en-US" dirty="0"/>
               <a:pPr/>
-              <a:t>4/25/2014</a:t>
+              <a:t>4/26/2014</a:t>
             </a:fld>
             <a:endParaRPr lang="en-US" dirty="0"/>
           </a:p>
@@ -4020,7 +4021,7 @@
             <a:fld id="{B61BEF0D-F0BB-DE4B-95CE-6DB70DBA9567}" type="datetimeFigureOut">
               <a:rPr lang="en-US" dirty="0"/>
               <a:pPr/>
-              <a:t>4/25/2014</a:t>
+              <a:t>4/26/2014</a:t>
             </a:fld>
             <a:endParaRPr lang="en-US" dirty="0"/>
           </a:p>
@@ -4271,7 +4272,7 @@
           <a:p>
             <a:fld id="{42A54C80-263E-416B-A8E0-580EDEADCBDC}" type="datetimeFigureOut">
               <a:rPr lang="en-US" dirty="0"/>
-              <a:t>4/25/2014</a:t>
+              <a:t>4/26/2014</a:t>
             </a:fld>
             <a:endParaRPr lang="en-US" dirty="0"/>
           </a:p>
@@ -4573,7 +4574,7 @@
             <a:fld id="{B61BEF0D-F0BB-DE4B-95CE-6DB70DBA9567}" type="datetimeFigureOut">
               <a:rPr lang="en-US" dirty="0"/>
               <a:pPr/>
-              <a:t>4/25/2014</a:t>
+              <a:t>4/26/2014</a:t>
             </a:fld>
             <a:endParaRPr lang="en-US" dirty="0"/>
           </a:p>
@@ -5271,7 +5272,7 @@
             <a:fld id="{B61BEF0D-F0BB-DE4B-95CE-6DB70DBA9567}" type="datetimeFigureOut">
               <a:rPr lang="en-US" dirty="0"/>
               <a:pPr/>
-              <a:t>4/25/2014</a:t>
+              <a:t>4/26/2014</a:t>
             </a:fld>
             <a:endParaRPr lang="en-US" dirty="0"/>
           </a:p>
@@ -5900,12 +5901,9 @@
           <a:lstStyle/>
           <a:p>
             <a:r>
-              <a:rPr lang="en-US" dirty="0"/>
-              <a:t>The WWW class</a:t>
-            </a:r>
-            <a:br>
-              <a:rPr lang="en-US" dirty="0"/>
-            </a:br>
+              <a:rPr lang="en-US" dirty="0" smtClean="0"/>
+              <a:t>Thanks</a:t>
+            </a:r>
             <a:endParaRPr lang="en-US" dirty="0"/>
           </a:p>
         </p:txBody>
@@ -5920,50 +5918,26 @@
             <p:ph idx="1"/>
           </p:nvPr>
         </p:nvSpPr>
-        <p:spPr/>
+        <p:spPr>
+          <a:xfrm>
+            <a:off x="677334" y="1498601"/>
+            <a:ext cx="8596668" cy="4542762"/>
+          </a:xfrm>
+        </p:spPr>
         <p:txBody>
           <a:bodyPr/>
           <a:lstStyle/>
           <a:p>
+            <a:pPr marL="0" indent="0">
+              <a:buNone/>
+            </a:pPr>
             <a:r>
               <a:rPr lang="en-US" dirty="0" smtClean="0"/>
-              <a:t>What does it do?</a:t>
-            </a:r>
-            <a:endParaRPr lang="en-US" dirty="0"/>
-          </a:p>
-          <a:p>
-            <a:r>
-              <a:rPr lang="en-US" dirty="0" smtClean="0"/>
-              <a:t>Ok</a:t>
-            </a:r>
-            <a:r>
-              <a:rPr lang="en-US" dirty="0"/>
-              <a:t>, so how do </a:t>
-            </a:r>
-            <a:r>
-              <a:rPr lang="en-US" dirty="0" smtClean="0"/>
-              <a:t>I </a:t>
-            </a:r>
-            <a:r>
-              <a:rPr lang="en-US" dirty="0"/>
-              <a:t>do it</a:t>
-            </a:r>
-            <a:r>
-              <a:rPr lang="en-US" dirty="0" smtClean="0"/>
-              <a:t>?</a:t>
-            </a:r>
-          </a:p>
-          <a:p>
-            <a:r>
-              <a:rPr lang="en-US" dirty="0" smtClean="0"/>
-              <a:t>Using coroutines for non blocking service calls.</a:t>
-            </a:r>
-            <a:endParaRPr lang="en-US" dirty="0"/>
-          </a:p>
-          <a:p>
-            <a:r>
-              <a:rPr lang="en-US" dirty="0" smtClean="0"/>
-              <a:t>Limitations/Workarounds</a:t>
+              <a:t>github.com/</a:t>
+            </a:r>
+            <a:r>
+              <a:rPr lang="en-US" dirty="0" err="1" smtClean="0"/>
+              <a:t>mlevel</a:t>
             </a:r>
             <a:endParaRPr lang="en-US" dirty="0"/>
           </a:p>
@@ -5972,7 +5946,7 @@
     </p:spTree>
     <p:extLst>
       <p:ext uri="{BB962C8B-B14F-4D97-AF65-F5344CB8AC3E}">
-        <p14:creationId xmlns:p14="http://schemas.microsoft.com/office/powerpoint/2010/main" val="432954718"/>
+        <p14:creationId xmlns:p14="http://schemas.microsoft.com/office/powerpoint/2010/main" val="2741465748"/>
       </p:ext>
     </p:extLst>
   </p:cSld>
@@ -5990,7 +5964,7 @@
 </file>
 
 <file path=ppt/slides/slide11.xml><?xml version="1.0" encoding="utf-8"?>
-<p:sld xmlns:a="http://schemas.openxmlformats.org/drawingml/2006/main" xmlns:r="http://schemas.openxmlformats.org/officeDocument/2006/relationships" xmlns:p="http://schemas.openxmlformats.org/presentationml/2006/main">
+<p:sld xmlns:a="http://schemas.openxmlformats.org/drawingml/2006/main" xmlns:r="http://schemas.openxmlformats.org/officeDocument/2006/relationships" xmlns:p="http://schemas.openxmlformats.org/presentationml/2006/main" show="0">
   <p:cSld>
     <p:spTree>
       <p:nvGrpSpPr>
@@ -6008,104 +5982,593 @@
       </p:grpSpPr>
       <p:sp>
         <p:nvSpPr>
-          <p:cNvPr id="2" name="Title 1"/>
-          <p:cNvSpPr>
-            <a:spLocks noGrp="1"/>
-          </p:cNvSpPr>
-          <p:nvPr>
-            <p:ph type="title"/>
-          </p:nvPr>
-        </p:nvSpPr>
-        <p:spPr/>
-        <p:txBody>
-          <a:bodyPr/>
+          <p:cNvPr id="3" name="Content Placeholder 2"/>
+          <p:cNvSpPr>
+            <a:spLocks noGrp="1"/>
+          </p:cNvSpPr>
+          <p:nvPr>
+            <p:ph idx="1"/>
+          </p:nvPr>
+        </p:nvSpPr>
+        <p:spPr>
+          <a:xfrm>
+            <a:off x="677334" y="266701"/>
+            <a:ext cx="4593166" cy="5774662"/>
+          </a:xfrm>
+        </p:spPr>
+        <p:txBody>
+          <a:bodyPr>
+            <a:normAutofit/>
+          </a:bodyPr>
           <a:lstStyle/>
           <a:p>
             <a:r>
               <a:rPr lang="en-US" dirty="0" smtClean="0"/>
-              <a:t>Expanding on the simple solution</a:t>
-            </a:r>
-            <a:endParaRPr lang="en-US" dirty="0"/>
-          </a:p>
-        </p:txBody>
-      </p:sp>
-      <p:sp>
-        <p:nvSpPr>
-          <p:cNvPr id="3" name="Content Placeholder 2"/>
-          <p:cNvSpPr>
-            <a:spLocks noGrp="1"/>
-          </p:cNvSpPr>
-          <p:nvPr>
-            <p:ph idx="1"/>
-          </p:nvPr>
-        </p:nvSpPr>
-        <p:spPr/>
-        <p:txBody>
-          <a:bodyPr/>
-          <a:lstStyle/>
-          <a:p>
-            <a:pPr marL="0" indent="0">
-              <a:buNone/>
-            </a:pPr>
+              <a:t>Creating The </a:t>
+            </a:r>
+            <a:r>
+              <a:rPr lang="en-US" dirty="0" err="1" smtClean="0"/>
+              <a:t>Leaderboard.Data</a:t>
+            </a:r>
             <a:r>
               <a:rPr lang="en-US" dirty="0" smtClean="0"/>
-              <a:t>Here is some of the things we did in our implementation to create a more robust architecture.</a:t>
-            </a:r>
-          </a:p>
-          <a:p>
+              <a:t> Project</a:t>
+            </a:r>
+          </a:p>
+          <a:p>
+            <a:pPr lvl="1"/>
+            <a:r>
+              <a:rPr lang="en-US" dirty="0"/>
+              <a:t>Create the entity model</a:t>
+            </a:r>
+          </a:p>
+          <a:p>
+            <a:pPr lvl="1"/>
             <a:r>
               <a:rPr lang="en-US" dirty="0" smtClean="0"/>
-              <a:t>Wrapper </a:t>
-            </a:r>
-            <a:r>
-              <a:rPr lang="en-US" dirty="0"/>
-              <a:t>class to make Service calls, ServiceTask</a:t>
-            </a:r>
-          </a:p>
-          <a:p>
+              <a:t>Create the </a:t>
+            </a:r>
+            <a:r>
+              <a:rPr lang="en-US" dirty="0" err="1" smtClean="0"/>
+              <a:t>datacontext</a:t>
+            </a:r>
+            <a:endParaRPr lang="en-US" dirty="0" smtClean="0"/>
+          </a:p>
+          <a:p>
+            <a:pPr lvl="2"/>
             <a:r>
               <a:rPr lang="en-US" dirty="0" smtClean="0"/>
-              <a:t>Canceling Service calls</a:t>
-            </a:r>
-            <a:endParaRPr lang="en-US" dirty="0"/>
-          </a:p>
-          <a:p>
+              <a:t>create the conventions</a:t>
+            </a:r>
+          </a:p>
+          <a:p>
+            <a:pPr lvl="1"/>
             <a:r>
               <a:rPr lang="en-US" dirty="0" smtClean="0"/>
-              <a:t>HTTP </a:t>
-            </a:r>
-            <a:r>
-              <a:rPr lang="en-US" dirty="0"/>
-              <a:t>error </a:t>
-            </a:r>
+              <a:t>create the test project</a:t>
+            </a:r>
+          </a:p>
+          <a:p>
+            <a:pPr lvl="2"/>
             <a:r>
               <a:rPr lang="en-US" dirty="0" smtClean="0"/>
-              <a:t>code parsing</a:t>
-            </a:r>
-            <a:endParaRPr lang="en-US" dirty="0"/>
-          </a:p>
-          <a:p>
+              <a:t>create the </a:t>
+            </a:r>
+            <a:r>
+              <a:rPr lang="en-US" dirty="0" err="1" smtClean="0"/>
+              <a:t>AssemblyInitializeTest</a:t>
+            </a:r>
+            <a:endParaRPr lang="en-US" dirty="0" smtClean="0"/>
+          </a:p>
+          <a:p>
+            <a:pPr lvl="2"/>
             <a:r>
               <a:rPr lang="en-US" dirty="0" smtClean="0"/>
-              <a:t>JSON </a:t>
-            </a:r>
-            <a:r>
-              <a:rPr lang="en-US" dirty="0"/>
-              <a:t>Library abstraction (per platform)</a:t>
-            </a:r>
+              <a:t>Create the </a:t>
+            </a:r>
+            <a:r>
+              <a:rPr lang="en-US" dirty="0" err="1" smtClean="0"/>
+              <a:t>DropCreateDatabaseAlways</a:t>
+            </a:r>
+            <a:endParaRPr lang="en-US" dirty="0" smtClean="0"/>
+          </a:p>
+          <a:p>
+            <a:pPr lvl="2"/>
+            <a:r>
+              <a:rPr lang="en-US" dirty="0" smtClean="0"/>
+              <a:t>Create the </a:t>
+            </a:r>
+            <a:r>
+              <a:rPr lang="en-US" dirty="0" err="1" smtClean="0"/>
+              <a:t>userscoretest</a:t>
+            </a:r>
+            <a:endParaRPr lang="en-US" dirty="0" smtClean="0"/>
+          </a:p>
+          <a:p>
+            <a:pPr lvl="1"/>
+            <a:r>
+              <a:rPr lang="en-US" dirty="0" smtClean="0"/>
+              <a:t>Create the web </a:t>
+            </a:r>
+            <a:r>
+              <a:rPr lang="en-US" dirty="0" err="1" smtClean="0"/>
+              <a:t>api</a:t>
+            </a:r>
+            <a:r>
+              <a:rPr lang="en-US" dirty="0" smtClean="0"/>
+              <a:t> project</a:t>
+            </a:r>
+          </a:p>
+          <a:p>
+            <a:pPr lvl="2"/>
+            <a:r>
+              <a:rPr lang="en-US" dirty="0" smtClean="0"/>
+              <a:t>Auto </a:t>
+            </a:r>
+            <a:r>
+              <a:rPr lang="en-US" dirty="0" err="1" smtClean="0"/>
+              <a:t>api</a:t>
+            </a:r>
+            <a:r>
+              <a:rPr lang="en-US" dirty="0" smtClean="0"/>
+              <a:t> docs</a:t>
+            </a:r>
+          </a:p>
+          <a:p>
+            <a:pPr lvl="2"/>
+            <a:r>
+              <a:rPr lang="en-US" dirty="0" smtClean="0"/>
+              <a:t>Defaults for Route, Filter, </a:t>
+            </a:r>
+            <a:r>
+              <a:rPr lang="en-US" dirty="0" err="1" smtClean="0"/>
+              <a:t>Startup.Auth</a:t>
+            </a:r>
+            <a:endParaRPr lang="en-US" dirty="0" smtClean="0"/>
+          </a:p>
+          <a:p>
+            <a:pPr lvl="2"/>
+            <a:r>
+              <a:rPr lang="en-US" dirty="0" err="1" smtClean="0"/>
+              <a:t>WebApiConfig</a:t>
+            </a:r>
+            <a:endParaRPr lang="en-US" dirty="0" smtClean="0"/>
+          </a:p>
+          <a:p>
+            <a:pPr lvl="3"/>
+            <a:r>
+              <a:rPr lang="en-US" dirty="0" err="1" smtClean="0"/>
+              <a:t>XHttpMethodOverride</a:t>
+            </a:r>
+            <a:endParaRPr lang="en-US" dirty="0" smtClean="0"/>
+          </a:p>
+          <a:p>
+            <a:pPr lvl="3"/>
+            <a:r>
+              <a:rPr lang="en-US" dirty="0" err="1" smtClean="0"/>
+              <a:t>Supresshostauth</a:t>
+            </a:r>
+            <a:endParaRPr lang="en-US" dirty="0" smtClean="0"/>
+          </a:p>
+          <a:p>
+            <a:pPr lvl="3"/>
+            <a:r>
+              <a:rPr lang="en-US" dirty="0" smtClean="0"/>
+              <a:t>Attribute routes</a:t>
+            </a:r>
+          </a:p>
+          <a:p>
+            <a:pPr lvl="3"/>
+            <a:r>
+              <a:rPr lang="en-US" dirty="0" smtClean="0"/>
+              <a:t>Enable CORS</a:t>
+            </a:r>
+          </a:p>
+          <a:p>
+            <a:pPr lvl="3"/>
+            <a:endParaRPr lang="en-US" dirty="0" smtClean="0"/>
+          </a:p>
+          <a:p>
+            <a:pPr lvl="2"/>
+            <a:endParaRPr lang="en-US" dirty="0" smtClean="0"/>
+          </a:p>
+          <a:p>
+            <a:pPr lvl="2"/>
+            <a:endParaRPr lang="en-US" dirty="0"/>
+          </a:p>
+        </p:txBody>
+      </p:sp>
+      <p:sp>
+        <p:nvSpPr>
+          <p:cNvPr id="4" name="Content Placeholder 2"/>
+          <p:cNvSpPr txBox="1">
+            <a:spLocks/>
+          </p:cNvSpPr>
+          <p:nvPr/>
+        </p:nvSpPr>
+        <p:spPr>
+          <a:xfrm>
+            <a:off x="5270500" y="266701"/>
+            <a:ext cx="4593166" cy="5774662"/>
+          </a:xfrm>
+          <a:prstGeom prst="rect">
+            <a:avLst/>
+          </a:prstGeom>
+        </p:spPr>
+        <p:txBody>
+          <a:bodyPr vert="horz" lIns="91440" tIns="45720" rIns="91440" bIns="45720" rtlCol="0">
+            <a:normAutofit/>
+          </a:bodyPr>
+          <a:lstStyle>
+            <a:lvl1pPr marL="342900" indent="-342900" algn="l" defTabSz="457200" rtl="0" eaLnBrk="1" latinLnBrk="0" hangingPunct="1">
+              <a:spcBef>
+                <a:spcPts val="1000"/>
+              </a:spcBef>
+              <a:spcAft>
+                <a:spcPts val="0"/>
+              </a:spcAft>
+              <a:buClr>
+                <a:schemeClr val="accent1"/>
+              </a:buClr>
+              <a:buSzPct val="80000"/>
+              <a:buFont typeface="Wingdings 3" charset="2"/>
+              <a:buChar char=""/>
+              <a:defRPr sz="1800" kern="1200">
+                <a:solidFill>
+                  <a:schemeClr val="tx1">
+                    <a:lumMod val="75000"/>
+                    <a:lumOff val="25000"/>
+                  </a:schemeClr>
+                </a:solidFill>
+                <a:latin typeface="+mn-lt"/>
+                <a:ea typeface="+mn-ea"/>
+                <a:cs typeface="+mn-cs"/>
+              </a:defRPr>
+            </a:lvl1pPr>
+            <a:lvl2pPr marL="742950" indent="-285750" algn="l" defTabSz="457200" rtl="0" eaLnBrk="1" latinLnBrk="0" hangingPunct="1">
+              <a:spcBef>
+                <a:spcPts val="1000"/>
+              </a:spcBef>
+              <a:spcAft>
+                <a:spcPts val="0"/>
+              </a:spcAft>
+              <a:buClr>
+                <a:schemeClr val="accent1"/>
+              </a:buClr>
+              <a:buSzPct val="80000"/>
+              <a:buFont typeface="Wingdings 3" charset="2"/>
+              <a:buChar char=""/>
+              <a:defRPr sz="1600" kern="1200">
+                <a:solidFill>
+                  <a:schemeClr val="tx1">
+                    <a:lumMod val="75000"/>
+                    <a:lumOff val="25000"/>
+                  </a:schemeClr>
+                </a:solidFill>
+                <a:latin typeface="+mn-lt"/>
+                <a:ea typeface="+mn-ea"/>
+                <a:cs typeface="+mn-cs"/>
+              </a:defRPr>
+            </a:lvl2pPr>
+            <a:lvl3pPr marL="1143000" indent="-228600" algn="l" defTabSz="457200" rtl="0" eaLnBrk="1" latinLnBrk="0" hangingPunct="1">
+              <a:spcBef>
+                <a:spcPts val="1000"/>
+              </a:spcBef>
+              <a:spcAft>
+                <a:spcPts val="0"/>
+              </a:spcAft>
+              <a:buClr>
+                <a:schemeClr val="accent1"/>
+              </a:buClr>
+              <a:buSzPct val="80000"/>
+              <a:buFont typeface="Wingdings 3" charset="2"/>
+              <a:buChar char=""/>
+              <a:defRPr sz="1400" kern="1200">
+                <a:solidFill>
+                  <a:schemeClr val="tx1">
+                    <a:lumMod val="75000"/>
+                    <a:lumOff val="25000"/>
+                  </a:schemeClr>
+                </a:solidFill>
+                <a:latin typeface="+mn-lt"/>
+                <a:ea typeface="+mn-ea"/>
+                <a:cs typeface="+mn-cs"/>
+              </a:defRPr>
+            </a:lvl3pPr>
+            <a:lvl4pPr marL="1600200" indent="-228600" algn="l" defTabSz="457200" rtl="0" eaLnBrk="1" latinLnBrk="0" hangingPunct="1">
+              <a:spcBef>
+                <a:spcPts val="1000"/>
+              </a:spcBef>
+              <a:spcAft>
+                <a:spcPts val="0"/>
+              </a:spcAft>
+              <a:buClr>
+                <a:schemeClr val="accent1"/>
+              </a:buClr>
+              <a:buSzPct val="80000"/>
+              <a:buFont typeface="Wingdings 3" charset="2"/>
+              <a:buChar char=""/>
+              <a:defRPr sz="1200" kern="1200">
+                <a:solidFill>
+                  <a:schemeClr val="tx1">
+                    <a:lumMod val="75000"/>
+                    <a:lumOff val="25000"/>
+                  </a:schemeClr>
+                </a:solidFill>
+                <a:latin typeface="+mn-lt"/>
+                <a:ea typeface="+mn-ea"/>
+                <a:cs typeface="+mn-cs"/>
+              </a:defRPr>
+            </a:lvl4pPr>
+            <a:lvl5pPr marL="2057400" indent="-228600" algn="l" defTabSz="457200" rtl="0" eaLnBrk="1" latinLnBrk="0" hangingPunct="1">
+              <a:spcBef>
+                <a:spcPts val="1000"/>
+              </a:spcBef>
+              <a:spcAft>
+                <a:spcPts val="0"/>
+              </a:spcAft>
+              <a:buClr>
+                <a:schemeClr val="accent1"/>
+              </a:buClr>
+              <a:buSzPct val="80000"/>
+              <a:buFont typeface="Wingdings 3" charset="2"/>
+              <a:buChar char=""/>
+              <a:defRPr sz="1200" kern="1200">
+                <a:solidFill>
+                  <a:schemeClr val="tx1">
+                    <a:lumMod val="75000"/>
+                    <a:lumOff val="25000"/>
+                  </a:schemeClr>
+                </a:solidFill>
+                <a:latin typeface="+mn-lt"/>
+                <a:ea typeface="+mn-ea"/>
+                <a:cs typeface="+mn-cs"/>
+              </a:defRPr>
+            </a:lvl5pPr>
+            <a:lvl6pPr marL="2514600" indent="-228600" algn="l" defTabSz="457200" rtl="0" eaLnBrk="1" latinLnBrk="0" hangingPunct="1">
+              <a:spcBef>
+                <a:spcPts val="1000"/>
+              </a:spcBef>
+              <a:spcAft>
+                <a:spcPts val="0"/>
+              </a:spcAft>
+              <a:buClr>
+                <a:schemeClr val="accent1"/>
+              </a:buClr>
+              <a:buSzPct val="80000"/>
+              <a:buFont typeface="Wingdings 3" charset="2"/>
+              <a:buChar char=""/>
+              <a:defRPr sz="1200" kern="1200">
+                <a:solidFill>
+                  <a:schemeClr val="tx1">
+                    <a:lumMod val="75000"/>
+                    <a:lumOff val="25000"/>
+                  </a:schemeClr>
+                </a:solidFill>
+                <a:latin typeface="+mn-lt"/>
+                <a:ea typeface="+mn-ea"/>
+                <a:cs typeface="+mn-cs"/>
+              </a:defRPr>
+            </a:lvl6pPr>
+            <a:lvl7pPr marL="2971800" indent="-228600" algn="l" defTabSz="457200" rtl="0" eaLnBrk="1" latinLnBrk="0" hangingPunct="1">
+              <a:spcBef>
+                <a:spcPts val="1000"/>
+              </a:spcBef>
+              <a:spcAft>
+                <a:spcPts val="0"/>
+              </a:spcAft>
+              <a:buClr>
+                <a:schemeClr val="accent1"/>
+              </a:buClr>
+              <a:buSzPct val="80000"/>
+              <a:buFont typeface="Wingdings 3" charset="2"/>
+              <a:buChar char=""/>
+              <a:defRPr sz="1200" kern="1200">
+                <a:solidFill>
+                  <a:schemeClr val="tx1">
+                    <a:lumMod val="75000"/>
+                    <a:lumOff val="25000"/>
+                  </a:schemeClr>
+                </a:solidFill>
+                <a:latin typeface="+mn-lt"/>
+                <a:ea typeface="+mn-ea"/>
+                <a:cs typeface="+mn-cs"/>
+              </a:defRPr>
+            </a:lvl7pPr>
+            <a:lvl8pPr marL="3429000" indent="-228600" algn="l" defTabSz="457200" rtl="0" eaLnBrk="1" latinLnBrk="0" hangingPunct="1">
+              <a:spcBef>
+                <a:spcPts val="1000"/>
+              </a:spcBef>
+              <a:spcAft>
+                <a:spcPts val="0"/>
+              </a:spcAft>
+              <a:buClr>
+                <a:schemeClr val="accent1"/>
+              </a:buClr>
+              <a:buSzPct val="80000"/>
+              <a:buFont typeface="Wingdings 3" charset="2"/>
+              <a:buChar char=""/>
+              <a:defRPr sz="1200" kern="1200">
+                <a:solidFill>
+                  <a:schemeClr val="tx1">
+                    <a:lumMod val="75000"/>
+                    <a:lumOff val="25000"/>
+                  </a:schemeClr>
+                </a:solidFill>
+                <a:latin typeface="+mn-lt"/>
+                <a:ea typeface="+mn-ea"/>
+                <a:cs typeface="+mn-cs"/>
+              </a:defRPr>
+            </a:lvl8pPr>
+            <a:lvl9pPr marL="3886200" indent="-228600" algn="l" defTabSz="457200" rtl="0" eaLnBrk="1" latinLnBrk="0" hangingPunct="1">
+              <a:spcBef>
+                <a:spcPts val="1000"/>
+              </a:spcBef>
+              <a:spcAft>
+                <a:spcPts val="0"/>
+              </a:spcAft>
+              <a:buClr>
+                <a:schemeClr val="accent1"/>
+              </a:buClr>
+              <a:buSzPct val="80000"/>
+              <a:buFont typeface="Wingdings 3" charset="2"/>
+              <a:buChar char=""/>
+              <a:defRPr sz="1200" kern="1200">
+                <a:solidFill>
+                  <a:schemeClr val="tx1">
+                    <a:lumMod val="75000"/>
+                    <a:lumOff val="25000"/>
+                  </a:schemeClr>
+                </a:solidFill>
+                <a:latin typeface="+mn-lt"/>
+                <a:ea typeface="+mn-ea"/>
+                <a:cs typeface="+mn-cs"/>
+              </a:defRPr>
+            </a:lvl9pPr>
+          </a:lstStyle>
+          <a:p>
+            <a:pPr lvl="1"/>
+            <a:r>
+              <a:rPr lang="en-US" dirty="0" smtClean="0"/>
+              <a:t>Leaderboard controller</a:t>
+            </a:r>
+          </a:p>
+          <a:p>
+            <a:pPr lvl="2"/>
+            <a:r>
+              <a:rPr lang="en-US" dirty="0" smtClean="0"/>
+              <a:t>Get scores</a:t>
+            </a:r>
+          </a:p>
+          <a:p>
+            <a:pPr lvl="2"/>
+            <a:r>
+              <a:rPr lang="en-US" dirty="0" smtClean="0"/>
+              <a:t>Write scores</a:t>
+            </a:r>
+          </a:p>
+          <a:p>
+            <a:pPr lvl="2"/>
+            <a:r>
+              <a:rPr lang="en-US" dirty="0" smtClean="0"/>
+              <a:t>To </a:t>
+            </a:r>
+            <a:r>
+              <a:rPr lang="en-US" dirty="0" err="1" smtClean="0"/>
+              <a:t>Auth</a:t>
+            </a:r>
+            <a:r>
+              <a:rPr lang="en-US" dirty="0" smtClean="0"/>
+              <a:t> or Not To </a:t>
+            </a:r>
+            <a:r>
+              <a:rPr lang="en-US" dirty="0" err="1" smtClean="0"/>
+              <a:t>Auth</a:t>
+            </a:r>
+            <a:endParaRPr lang="en-US" dirty="0" smtClean="0"/>
+          </a:p>
+          <a:p>
+            <a:pPr lvl="1"/>
+            <a:r>
+              <a:rPr lang="en-US" dirty="0" err="1" smtClean="0"/>
+              <a:t>Auth</a:t>
+            </a:r>
+            <a:r>
+              <a:rPr lang="en-US" dirty="0" smtClean="0"/>
+              <a:t> Controller</a:t>
+            </a:r>
+          </a:p>
+          <a:p>
+            <a:pPr lvl="2"/>
+            <a:r>
+              <a:rPr lang="en-US" dirty="0" smtClean="0"/>
+              <a:t>Black box</a:t>
+            </a:r>
+          </a:p>
+          <a:p>
+            <a:pPr lvl="1"/>
+            <a:endParaRPr lang="en-US" dirty="0"/>
+          </a:p>
+          <a:p>
+            <a:pPr lvl="1"/>
+            <a:r>
+              <a:rPr lang="en-US" dirty="0" smtClean="0"/>
+              <a:t>Deploy To </a:t>
+            </a:r>
+            <a:r>
+              <a:rPr lang="en-US" dirty="0" err="1" smtClean="0"/>
+              <a:t>GitHub</a:t>
+            </a:r>
+            <a:endParaRPr lang="en-US" dirty="0" smtClean="0"/>
+          </a:p>
+          <a:p>
+            <a:pPr lvl="1"/>
+            <a:r>
+              <a:rPr lang="en-US" dirty="0" smtClean="0"/>
+              <a:t>Setup Azure</a:t>
+            </a:r>
+          </a:p>
+          <a:p>
+            <a:pPr lvl="2"/>
+            <a:r>
+              <a:rPr lang="en-US" dirty="0" smtClean="0"/>
+              <a:t>Create website</a:t>
+            </a:r>
+          </a:p>
+          <a:p>
+            <a:pPr lvl="2"/>
+            <a:r>
+              <a:rPr lang="en-US" dirty="0" smtClean="0"/>
+              <a:t>Free database</a:t>
+            </a:r>
+          </a:p>
+          <a:p>
+            <a:pPr lvl="2"/>
+            <a:r>
+              <a:rPr lang="en-US" dirty="0" smtClean="0"/>
+              <a:t>Auto deploy from </a:t>
+            </a:r>
+            <a:r>
+              <a:rPr lang="en-US" dirty="0" err="1" smtClean="0"/>
+              <a:t>github</a:t>
+            </a:r>
+            <a:endParaRPr lang="en-US" dirty="0"/>
+          </a:p>
+          <a:p>
+            <a:pPr lvl="1"/>
+            <a:r>
+              <a:rPr lang="en-US" dirty="0" smtClean="0"/>
+              <a:t>Kurl.IT</a:t>
+            </a:r>
+          </a:p>
+          <a:p>
+            <a:pPr lvl="2"/>
+            <a:endParaRPr lang="en-US" dirty="0" smtClean="0"/>
+          </a:p>
+          <a:p>
+            <a:pPr lvl="2"/>
+            <a:endParaRPr lang="en-US" dirty="0"/>
           </a:p>
         </p:txBody>
       </p:sp>
     </p:spTree>
     <p:extLst>
       <p:ext uri="{BB962C8B-B14F-4D97-AF65-F5344CB8AC3E}">
-        <p14:creationId xmlns:p14="http://schemas.microsoft.com/office/powerpoint/2010/main" val="757135364"/>
+        <p14:creationId xmlns:p14="http://schemas.microsoft.com/office/powerpoint/2010/main" val="3033213682"/>
       </p:ext>
     </p:extLst>
   </p:cSld>
   <p:clrMapOvr>
     <a:masterClrMapping/>
   </p:clrMapOvr>
+  <mc:AlternateContent xmlns:mc="http://schemas.openxmlformats.org/markup-compatibility/2006" xmlns:p14="http://schemas.microsoft.com/office/powerpoint/2010/main">
+    <mc:Choice Requires="p14">
+      <p:transition spd="slow" p14:dur="2000"/>
+    </mc:Choice>
+    <mc:Fallback xmlns="">
+      <p:transition spd="slow"/>
+    </mc:Fallback>
+  </mc:AlternateContent>
   <p:timing>
     <p:tnLst>
       <p:par>
@@ -6149,10 +6612,9 @@
           <a:lstStyle/>
           <a:p>
             <a:r>
-              <a:rPr lang="en-US" dirty="0" smtClean="0"/>
-              <a:t>Thanks &amp; Questions</a:t>
-            </a:r>
-            <a:endParaRPr lang="en-US" dirty="0"/>
+              <a:rPr lang="en-US" dirty="0"/>
+              <a:t>Coroutines</a:t>
+            </a:r>
           </a:p>
         </p:txBody>
       </p:sp>
@@ -6168,8 +6630,8 @@
         </p:nvSpPr>
         <p:spPr>
           <a:xfrm>
-            <a:off x="677334" y="1498601"/>
-            <a:ext cx="8596668" cy="4542762"/>
+            <a:off x="563034" y="1270000"/>
+            <a:ext cx="8596668" cy="3880773"/>
           </a:xfrm>
         </p:spPr>
         <p:txBody>
@@ -6178,37 +6640,178 @@
           <a:p>
             <a:r>
               <a:rPr lang="en-US" dirty="0" smtClean="0"/>
-              <a:t>next </a:t>
-            </a:r>
-            <a:r>
-              <a:rPr lang="en-US" dirty="0" err="1" smtClean="0"/>
-              <a:t>meetup</a:t>
-            </a:r>
-            <a:endParaRPr lang="en-US" dirty="0" smtClean="0"/>
-          </a:p>
-          <a:p>
+              <a:t>What </a:t>
+            </a:r>
+            <a:r>
+              <a:rPr lang="en-US" dirty="0"/>
+              <a:t>the heck are </a:t>
+            </a:r>
             <a:r>
               <a:rPr lang="en-US" dirty="0" smtClean="0"/>
-              <a:t>github.com/</a:t>
-            </a:r>
-            <a:r>
-              <a:rPr lang="en-US" dirty="0" err="1" smtClean="0"/>
-              <a:t>mlevel</a:t>
-            </a:r>
-            <a:endParaRPr lang="en-US" dirty="0" smtClean="0"/>
+              <a:t>they</a:t>
+            </a:r>
+            <a:endParaRPr lang="en-US" dirty="0"/>
           </a:p>
           <a:p>
             <a:r>
               <a:rPr lang="en-US" dirty="0" smtClean="0"/>
-              <a:t>twitter @</a:t>
-            </a:r>
-            <a:r>
-              <a:rPr lang="en-US" dirty="0" err="1" smtClean="0"/>
-              <a:t>andrewboudreau</a:t>
-            </a:r>
-            <a:endParaRPr lang="en-US" dirty="0" smtClean="0"/>
-          </a:p>
-          <a:p>
+              <a:t>long </a:t>
+            </a:r>
+            <a:r>
+              <a:rPr lang="en-US" dirty="0"/>
+              <a:t>running non processor intensive </a:t>
+            </a:r>
+            <a:r>
+              <a:rPr lang="en-US" dirty="0" smtClean="0"/>
+              <a:t>operations</a:t>
+            </a:r>
+          </a:p>
+          <a:p>
+            <a:r>
+              <a:rPr lang="en-US" dirty="0"/>
+              <a:t>Why not threads? (poor mans threading</a:t>
+            </a:r>
+            <a:r>
+              <a:rPr lang="en-US" dirty="0" smtClean="0"/>
+              <a:t>?)</a:t>
+            </a:r>
+          </a:p>
+          <a:p>
+            <a:endParaRPr lang="en-US" b="1" dirty="0" smtClean="0"/>
+          </a:p>
+          <a:p>
+            <a:endParaRPr lang="en-US" b="1" dirty="0"/>
+          </a:p>
+          <a:p>
+            <a:r>
+              <a:rPr lang="en-US" dirty="0"/>
+              <a:t>What does it do?</a:t>
+            </a:r>
+          </a:p>
+          <a:p>
+            <a:r>
+              <a:rPr lang="en-US" dirty="0"/>
+              <a:t>Ok, so how do I do it?</a:t>
+            </a:r>
+          </a:p>
+          <a:p>
+            <a:r>
+              <a:rPr lang="en-US" dirty="0"/>
+              <a:t>Using coroutines for non blocking service calls.</a:t>
+            </a:r>
+          </a:p>
+          <a:p>
+            <a:r>
+              <a:rPr lang="en-US" dirty="0"/>
+              <a:t>Limitations/Workarounds</a:t>
+            </a:r>
+          </a:p>
+          <a:p>
+            <a:endParaRPr lang="en-US" b="1" dirty="0"/>
+          </a:p>
+          <a:p>
+            <a:endParaRPr lang="en-US" dirty="0"/>
+          </a:p>
+        </p:txBody>
+      </p:sp>
+      <p:sp>
+        <p:nvSpPr>
+          <p:cNvPr id="4" name="Title 1"/>
+          <p:cNvSpPr txBox="1">
+            <a:spLocks/>
+          </p:cNvSpPr>
+          <p:nvPr/>
+        </p:nvSpPr>
+        <p:spPr>
+          <a:xfrm>
+            <a:off x="677334" y="2703975"/>
+            <a:ext cx="8596668" cy="1320800"/>
+          </a:xfrm>
+          <a:prstGeom prst="rect">
+            <a:avLst/>
+          </a:prstGeom>
+        </p:spPr>
+        <p:txBody>
+          <a:bodyPr vert="horz" lIns="91440" tIns="45720" rIns="91440" bIns="45720" rtlCol="0" anchor="t">
+            <a:normAutofit/>
+          </a:bodyPr>
+          <a:lstStyle>
+            <a:lvl1pPr algn="l" defTabSz="457200" rtl="0" eaLnBrk="1" latinLnBrk="0" hangingPunct="1">
+              <a:spcBef>
+                <a:spcPct val="0"/>
+              </a:spcBef>
+              <a:buNone/>
+              <a:defRPr sz="3600" kern="1200">
+                <a:solidFill>
+                  <a:schemeClr val="accent1"/>
+                </a:solidFill>
+                <a:latin typeface="+mj-lt"/>
+                <a:ea typeface="+mj-ea"/>
+                <a:cs typeface="+mj-cs"/>
+              </a:defRPr>
+            </a:lvl1pPr>
+            <a:lvl2pPr eaLnBrk="1" hangingPunct="1">
+              <a:defRPr>
+                <a:solidFill>
+                  <a:schemeClr val="tx2"/>
+                </a:solidFill>
+              </a:defRPr>
+            </a:lvl2pPr>
+            <a:lvl3pPr eaLnBrk="1" hangingPunct="1">
+              <a:defRPr>
+                <a:solidFill>
+                  <a:schemeClr val="tx2"/>
+                </a:solidFill>
+              </a:defRPr>
+            </a:lvl3pPr>
+            <a:lvl4pPr eaLnBrk="1" hangingPunct="1">
+              <a:defRPr>
+                <a:solidFill>
+                  <a:schemeClr val="tx2"/>
+                </a:solidFill>
+              </a:defRPr>
+            </a:lvl4pPr>
+            <a:lvl5pPr eaLnBrk="1" hangingPunct="1">
+              <a:defRPr>
+                <a:solidFill>
+                  <a:schemeClr val="tx2"/>
+                </a:solidFill>
+              </a:defRPr>
+            </a:lvl5pPr>
+            <a:lvl6pPr eaLnBrk="1" hangingPunct="1">
+              <a:defRPr>
+                <a:solidFill>
+                  <a:schemeClr val="tx2"/>
+                </a:solidFill>
+              </a:defRPr>
+            </a:lvl6pPr>
+            <a:lvl7pPr eaLnBrk="1" hangingPunct="1">
+              <a:defRPr>
+                <a:solidFill>
+                  <a:schemeClr val="tx2"/>
+                </a:solidFill>
+              </a:defRPr>
+            </a:lvl7pPr>
+            <a:lvl8pPr eaLnBrk="1" hangingPunct="1">
+              <a:defRPr>
+                <a:solidFill>
+                  <a:schemeClr val="tx2"/>
+                </a:solidFill>
+              </a:defRPr>
+            </a:lvl8pPr>
+            <a:lvl9pPr eaLnBrk="1" hangingPunct="1">
+              <a:defRPr>
+                <a:solidFill>
+                  <a:schemeClr val="tx2"/>
+                </a:solidFill>
+              </a:defRPr>
+            </a:lvl9pPr>
+          </a:lstStyle>
+          <a:p>
+            <a:r>
+              <a:rPr lang="en-US" dirty="0" smtClean="0"/>
+              <a:t>WWW</a:t>
+            </a:r>
             <a:endParaRPr lang="en-US" dirty="0"/>
           </a:p>
         </p:txBody>
@@ -6216,7 +6819,134 @@
     </p:spTree>
     <p:extLst>
       <p:ext uri="{BB962C8B-B14F-4D97-AF65-F5344CB8AC3E}">
-        <p14:creationId xmlns:p14="http://schemas.microsoft.com/office/powerpoint/2010/main" val="2741465748"/>
+        <p14:creationId xmlns:p14="http://schemas.microsoft.com/office/powerpoint/2010/main" val="2601456551"/>
+      </p:ext>
+    </p:extLst>
+  </p:cSld>
+  <p:clrMapOvr>
+    <a:masterClrMapping/>
+  </p:clrMapOvr>
+  <p:timing>
+    <p:tnLst>
+      <p:par>
+        <p:cTn id="1" dur="indefinite" restart="never" nodeType="tmRoot"/>
+      </p:par>
+    </p:tnLst>
+  </p:timing>
+</p:sld>
+</file>
+
+<file path=ppt/slides/slide13.xml><?xml version="1.0" encoding="utf-8"?>
+<p:sld xmlns:a="http://schemas.openxmlformats.org/drawingml/2006/main" xmlns:r="http://schemas.openxmlformats.org/officeDocument/2006/relationships" xmlns:p="http://schemas.openxmlformats.org/presentationml/2006/main">
+  <p:cSld>
+    <p:spTree>
+      <p:nvGrpSpPr>
+        <p:cNvPr id="1" name=""/>
+        <p:cNvGrpSpPr/>
+        <p:nvPr/>
+      </p:nvGrpSpPr>
+      <p:grpSpPr>
+        <a:xfrm>
+          <a:off x="0" y="0"/>
+          <a:ext cx="0" cy="0"/>
+          <a:chOff x="0" y="0"/>
+          <a:chExt cx="0" cy="0"/>
+        </a:xfrm>
+      </p:grpSpPr>
+      <p:sp>
+        <p:nvSpPr>
+          <p:cNvPr id="2" name="Title 1"/>
+          <p:cNvSpPr>
+            <a:spLocks noGrp="1"/>
+          </p:cNvSpPr>
+          <p:nvPr>
+            <p:ph type="title"/>
+          </p:nvPr>
+        </p:nvSpPr>
+        <p:spPr/>
+        <p:txBody>
+          <a:bodyPr/>
+          <a:lstStyle/>
+          <a:p>
+            <a:r>
+              <a:rPr lang="en-US" dirty="0" smtClean="0"/>
+              <a:t>Expanding on the simple solution</a:t>
+            </a:r>
+            <a:endParaRPr lang="en-US" dirty="0"/>
+          </a:p>
+        </p:txBody>
+      </p:sp>
+      <p:sp>
+        <p:nvSpPr>
+          <p:cNvPr id="3" name="Content Placeholder 2"/>
+          <p:cNvSpPr>
+            <a:spLocks noGrp="1"/>
+          </p:cNvSpPr>
+          <p:nvPr>
+            <p:ph idx="1"/>
+          </p:nvPr>
+        </p:nvSpPr>
+        <p:spPr/>
+        <p:txBody>
+          <a:bodyPr/>
+          <a:lstStyle/>
+          <a:p>
+            <a:pPr marL="0" indent="0">
+              <a:buNone/>
+            </a:pPr>
+            <a:r>
+              <a:rPr lang="en-US" dirty="0" smtClean="0"/>
+              <a:t>Here is some of the things we did in our implementation to create a more robust architecture.</a:t>
+            </a:r>
+          </a:p>
+          <a:p>
+            <a:r>
+              <a:rPr lang="en-US" dirty="0" smtClean="0"/>
+              <a:t>Wrapper </a:t>
+            </a:r>
+            <a:r>
+              <a:rPr lang="en-US" dirty="0"/>
+              <a:t>class to make Service calls, ServiceTask</a:t>
+            </a:r>
+          </a:p>
+          <a:p>
+            <a:r>
+              <a:rPr lang="en-US" dirty="0" smtClean="0"/>
+              <a:t>Canceling Service calls</a:t>
+            </a:r>
+            <a:endParaRPr lang="en-US" dirty="0"/>
+          </a:p>
+          <a:p>
+            <a:r>
+              <a:rPr lang="en-US" dirty="0" smtClean="0"/>
+              <a:t>HTTP </a:t>
+            </a:r>
+            <a:r>
+              <a:rPr lang="en-US" dirty="0"/>
+              <a:t>error </a:t>
+            </a:r>
+            <a:r>
+              <a:rPr lang="en-US" dirty="0" smtClean="0"/>
+              <a:t>code parsing</a:t>
+            </a:r>
+            <a:endParaRPr lang="en-US" dirty="0"/>
+          </a:p>
+          <a:p>
+            <a:r>
+              <a:rPr lang="en-US" dirty="0" smtClean="0"/>
+              <a:t>JSON </a:t>
+            </a:r>
+            <a:r>
+              <a:rPr lang="en-US" dirty="0"/>
+              <a:t>Library abstraction (per platform)</a:t>
+            </a:r>
+          </a:p>
+        </p:txBody>
+      </p:sp>
+    </p:spTree>
+    <p:extLst>
+      <p:ext uri="{BB962C8B-B14F-4D97-AF65-F5344CB8AC3E}">
+        <p14:creationId xmlns:p14="http://schemas.microsoft.com/office/powerpoint/2010/main" val="757135364"/>
       </p:ext>
     </p:extLst>
   </p:cSld>
@@ -6386,26 +7116,13 @@
             <a:pPr marL="342900" lvl="1" indent="-342900"/>
             <a:r>
               <a:rPr lang="en-US" sz="1800" dirty="0" smtClean="0"/>
-              <a:t>C</a:t>
-            </a:r>
-            <a:r>
-              <a:rPr lang="en-US" sz="1800" dirty="0" smtClean="0"/>
-              <a:t># .NET developers in casual learning space, </a:t>
-            </a:r>
-            <a:r>
-              <a:rPr lang="en-US" sz="1800" dirty="0" smtClean="0"/>
-              <a:t>mLevel.com</a:t>
-            </a:r>
-            <a:endParaRPr lang="en-US" sz="1800" dirty="0" smtClean="0"/>
+              <a:t>C# .NET developers in casual learning space, mLevel.com</a:t>
+            </a:r>
           </a:p>
           <a:p>
             <a:r>
               <a:rPr lang="en-US" dirty="0" smtClean="0"/>
-              <a:t>Targeting Enterprise Customers </a:t>
-            </a:r>
-            <a:r>
-              <a:rPr lang="en-US" dirty="0" smtClean="0"/>
-              <a:t>(woe is me)</a:t>
+              <a:t>Targeting Enterprise Customers (woe is me)</a:t>
             </a:r>
           </a:p>
           <a:p>
@@ -6417,11 +7134,7 @@
           <a:p>
             <a:r>
               <a:rPr lang="en-US" dirty="0" smtClean="0"/>
-              <a:t>We </a:t>
-            </a:r>
-            <a:r>
-              <a:rPr lang="en-US" dirty="0" smtClean="0"/>
-              <a:t>can’t use Game Center or Google’s Play</a:t>
+              <a:t>We can’t use Game Center or Google’s Play</a:t>
             </a:r>
           </a:p>
           <a:p>
@@ -6515,17 +7228,13 @@
         </p:spPr>
         <p:txBody>
           <a:bodyPr>
-            <a:normAutofit fontScale="92500" lnSpcReduction="20000"/>
+            <a:normAutofit fontScale="92500" lnSpcReduction="10000"/>
           </a:bodyPr>
           <a:lstStyle/>
           <a:p>
             <a:r>
               <a:rPr lang="en-US" dirty="0" smtClean="0"/>
-              <a:t>A completely free </a:t>
-            </a:r>
-            <a:r>
-              <a:rPr lang="en-US" dirty="0" smtClean="0"/>
-              <a:t>solution</a:t>
+              <a:t>A completely free solution</a:t>
             </a:r>
           </a:p>
           <a:p>
@@ -6537,14 +7246,63 @@
           <a:p>
             <a:r>
               <a:rPr lang="en-US" dirty="0" smtClean="0"/>
-              <a:t>Targeting C# development</a:t>
+              <a:t>Targeting C# </a:t>
+            </a:r>
+            <a:r>
+              <a:rPr lang="en-US" dirty="0" smtClean="0"/>
+              <a:t>development</a:t>
             </a:r>
             <a:endParaRPr lang="en-US" dirty="0" smtClean="0"/>
           </a:p>
           <a:p>
             <a:r>
               <a:rPr lang="en-US" dirty="0" smtClean="0"/>
-              <a:t>Server solution </a:t>
+              <a:t>Client </a:t>
+            </a:r>
+            <a:r>
+              <a:rPr lang="en-US" dirty="0"/>
+              <a:t>solution</a:t>
+            </a:r>
+          </a:p>
+          <a:p>
+            <a:pPr lvl="1"/>
+            <a:r>
+              <a:rPr lang="en-US" dirty="0"/>
+              <a:t>Unity 3D</a:t>
+            </a:r>
+          </a:p>
+          <a:p>
+            <a:pPr lvl="1"/>
+            <a:r>
+              <a:rPr lang="en-US" dirty="0"/>
+              <a:t>Serialization </a:t>
+            </a:r>
+            <a:r>
+              <a:rPr lang="en-US" dirty="0" err="1"/>
+              <a:t>LitJSON</a:t>
+            </a:r>
+            <a:endParaRPr lang="en-US" dirty="0"/>
+          </a:p>
+          <a:p>
+            <a:pPr lvl="1"/>
+            <a:r>
+              <a:rPr lang="en-US" dirty="0"/>
+              <a:t>Custom Services </a:t>
+            </a:r>
+            <a:r>
+              <a:rPr lang="en-US" dirty="0" smtClean="0"/>
+              <a:t>Library</a:t>
+            </a:r>
+            <a:endParaRPr lang="en-US" dirty="0" smtClean="0"/>
+          </a:p>
+          <a:p>
+            <a:r>
+              <a:rPr lang="en-US" dirty="0" smtClean="0"/>
+              <a:t>Server </a:t>
+            </a:r>
+            <a:r>
+              <a:rPr lang="en-US" dirty="0" smtClean="0"/>
+              <a:t>solution </a:t>
             </a:r>
           </a:p>
           <a:p>
@@ -6580,11 +7338,7 @@
             <a:pPr lvl="1"/>
             <a:r>
               <a:rPr lang="en-US" dirty="0" smtClean="0"/>
-              <a:t>Security using Microsoft Identity for </a:t>
-            </a:r>
-            <a:r>
-              <a:rPr lang="en-US" dirty="0" smtClean="0"/>
-              <a:t>Authorization</a:t>
+              <a:t>Security using Microsoft Identity for Authorization</a:t>
             </a:r>
           </a:p>
           <a:p>
@@ -6600,43 +7354,6 @@
             <a:endParaRPr lang="en-US" dirty="0"/>
           </a:p>
           <a:p>
-            <a:endParaRPr lang="en-US" dirty="0" smtClean="0"/>
-          </a:p>
-          <a:p>
-            <a:r>
-              <a:rPr lang="en-US" dirty="0" smtClean="0"/>
-              <a:t>Client solution</a:t>
-            </a:r>
-          </a:p>
-          <a:p>
-            <a:pPr lvl="1"/>
-            <a:r>
-              <a:rPr lang="en-US" dirty="0" smtClean="0"/>
-              <a:t>Unity </a:t>
-            </a:r>
-            <a:r>
-              <a:rPr lang="en-US" dirty="0" smtClean="0"/>
-              <a:t>3D</a:t>
-            </a:r>
-          </a:p>
-          <a:p>
-            <a:pPr lvl="1"/>
-            <a:r>
-              <a:rPr lang="en-US" dirty="0" smtClean="0"/>
-              <a:t>Serialization </a:t>
-            </a:r>
-            <a:r>
-              <a:rPr lang="en-US" dirty="0" err="1" smtClean="0"/>
-              <a:t>LitJSON</a:t>
-            </a:r>
-            <a:endParaRPr lang="en-US" dirty="0" smtClean="0"/>
-          </a:p>
-          <a:p>
-            <a:pPr lvl="1"/>
-            <a:r>
-              <a:rPr lang="en-US" dirty="0" smtClean="0"/>
-              <a:t>Custom Services Library</a:t>
-            </a:r>
             <a:endParaRPr lang="en-US" dirty="0" smtClean="0"/>
           </a:p>
         </p:txBody>
@@ -6702,7 +7419,7 @@
           <a:p>
             <a:r>
               <a:rPr lang="en-US" dirty="0" smtClean="0"/>
-              <a:t>What’s going on?</a:t>
+              <a:t>Who said what?</a:t>
             </a:r>
             <a:endParaRPr lang="en-US" dirty="0"/>
           </a:p>
@@ -7153,7 +7870,7 @@
         <p:spPr>
           <a:xfrm>
             <a:off x="2195826" y="4215082"/>
-            <a:ext cx="3442289" cy="400110"/>
+            <a:ext cx="4230966" cy="400110"/>
           </a:xfrm>
           <a:prstGeom prst="rect">
             <a:avLst/>
@@ -7169,7 +7886,15 @@
             <a:pPr marL="0" lvl="1"/>
             <a:r>
               <a:rPr lang="en-US" sz="2000" dirty="0" smtClean="0"/>
-              <a:t>Sends High Score with Token</a:t>
+              <a:t>Submit </a:t>
+            </a:r>
+            <a:r>
+              <a:rPr lang="en-US" sz="2000" dirty="0" err="1" smtClean="0"/>
+              <a:t>UserScore</a:t>
+            </a:r>
+            <a:r>
+              <a:rPr lang="en-US" sz="2000" dirty="0" smtClean="0"/>
+              <a:t> w/ Token Header</a:t>
             </a:r>
             <a:endParaRPr lang="en-US" sz="2000" dirty="0"/>
           </a:p>
@@ -7183,8 +7908,8 @@
         </p:nvCxnSpPr>
         <p:spPr>
           <a:xfrm flipH="1">
-            <a:off x="2369486" y="5193031"/>
-            <a:ext cx="5212364" cy="1248"/>
+            <a:off x="2369486" y="5154038"/>
+            <a:ext cx="5356071" cy="40241"/>
           </a:xfrm>
           <a:prstGeom prst="straightConnector1">
             <a:avLst/>
@@ -7219,8 +7944,8 @@
         </p:nvSpPr>
         <p:spPr>
           <a:xfrm>
-            <a:off x="5723565" y="4832649"/>
-            <a:ext cx="1880643" cy="400110"/>
+            <a:off x="4875172" y="4813497"/>
+            <a:ext cx="2728119" cy="400110"/>
           </a:xfrm>
           <a:prstGeom prst="rect">
             <a:avLst/>
@@ -7239,7 +7964,15 @@
                   <a:schemeClr val="accent2"/>
                 </a:solidFill>
               </a:rPr>
-              <a:t>All High Scores</a:t>
+              <a:t>Returns All </a:t>
+            </a:r>
+            <a:r>
+              <a:rPr lang="en-US" sz="2000" dirty="0" err="1" smtClean="0">
+                <a:solidFill>
+                  <a:schemeClr val="accent2"/>
+                </a:solidFill>
+              </a:rPr>
+              <a:t>UserScores</a:t>
             </a:r>
             <a:endParaRPr lang="en-US" sz="2000" dirty="0">
               <a:solidFill>
@@ -7270,6 +8003,303 @@
 </file>
 
 <file path=ppt/slides/slide5.xml><?xml version="1.0" encoding="utf-8"?>
+<p:sld xmlns:a="http://schemas.openxmlformats.org/drawingml/2006/main" xmlns:r="http://schemas.openxmlformats.org/officeDocument/2006/relationships" xmlns:p="http://schemas.openxmlformats.org/presentationml/2006/main">
+  <p:cSld>
+    <p:spTree>
+      <p:nvGrpSpPr>
+        <p:cNvPr id="1" name=""/>
+        <p:cNvGrpSpPr/>
+        <p:nvPr/>
+      </p:nvGrpSpPr>
+      <p:grpSpPr>
+        <a:xfrm>
+          <a:off x="0" y="0"/>
+          <a:ext cx="0" cy="0"/>
+          <a:chOff x="0" y="0"/>
+          <a:chExt cx="0" cy="0"/>
+        </a:xfrm>
+      </p:grpSpPr>
+      <p:sp>
+        <p:nvSpPr>
+          <p:cNvPr id="2" name="Title 1"/>
+          <p:cNvSpPr>
+            <a:spLocks noGrp="1"/>
+          </p:cNvSpPr>
+          <p:nvPr>
+            <p:ph type="title"/>
+          </p:nvPr>
+        </p:nvSpPr>
+        <p:spPr/>
+        <p:txBody>
+          <a:bodyPr/>
+          <a:lstStyle/>
+          <a:p>
+            <a:r>
+              <a:rPr lang="en-US" dirty="0" smtClean="0"/>
+              <a:t>Unity3D Implementation</a:t>
+            </a:r>
+            <a:endParaRPr lang="en-US" dirty="0"/>
+          </a:p>
+        </p:txBody>
+      </p:sp>
+      <p:sp>
+        <p:nvSpPr>
+          <p:cNvPr id="3" name="Content Placeholder 2"/>
+          <p:cNvSpPr>
+            <a:spLocks noGrp="1"/>
+          </p:cNvSpPr>
+          <p:nvPr>
+            <p:ph idx="1"/>
+          </p:nvPr>
+        </p:nvSpPr>
+        <p:spPr>
+          <a:xfrm>
+            <a:off x="677334" y="1500189"/>
+            <a:ext cx="8596668" cy="3880773"/>
+          </a:xfrm>
+        </p:spPr>
+        <p:txBody>
+          <a:bodyPr/>
+          <a:lstStyle/>
+          <a:p>
+            <a:r>
+              <a:rPr lang="en-US" dirty="0"/>
+              <a:t>Game Loop vs Event based coding	</a:t>
+            </a:r>
+          </a:p>
+          <a:p>
+            <a:r>
+              <a:rPr lang="en-US" dirty="0"/>
+              <a:t>Component based architecture</a:t>
+            </a:r>
+          </a:p>
+          <a:p>
+            <a:r>
+              <a:rPr lang="en-US" dirty="0"/>
+              <a:t>Coroutines</a:t>
+            </a:r>
+          </a:p>
+          <a:p>
+            <a:r>
+              <a:rPr lang="en-US" dirty="0"/>
+              <a:t>The WWW class</a:t>
+            </a:r>
+          </a:p>
+          <a:p>
+            <a:r>
+              <a:rPr lang="en-US" dirty="0"/>
+              <a:t>Solution in action</a:t>
+            </a:r>
+          </a:p>
+          <a:p>
+            <a:r>
+              <a:rPr lang="en-US" dirty="0"/>
+              <a:t>Expanding on the solution.</a:t>
+            </a:r>
+            <a:endParaRPr lang="en-US" dirty="0" smtClean="0"/>
+          </a:p>
+        </p:txBody>
+      </p:sp>
+    </p:spTree>
+    <p:extLst>
+      <p:ext uri="{BB962C8B-B14F-4D97-AF65-F5344CB8AC3E}">
+        <p14:creationId xmlns:p14="http://schemas.microsoft.com/office/powerpoint/2010/main" val="2266718909"/>
+      </p:ext>
+    </p:extLst>
+  </p:cSld>
+  <p:clrMapOvr>
+    <a:masterClrMapping/>
+  </p:clrMapOvr>
+  <p:timing>
+    <p:tnLst>
+      <p:par>
+        <p:cTn id="1" dur="indefinite" restart="never" nodeType="tmRoot"/>
+      </p:par>
+    </p:tnLst>
+  </p:timing>
+</p:sld>
+</file>
+
+<file path=ppt/slides/slide6.xml><?xml version="1.0" encoding="utf-8"?>
+<p:sld xmlns:a="http://schemas.openxmlformats.org/drawingml/2006/main" xmlns:r="http://schemas.openxmlformats.org/officeDocument/2006/relationships" xmlns:p="http://schemas.openxmlformats.org/presentationml/2006/main">
+  <p:cSld>
+    <p:spTree>
+      <p:nvGrpSpPr>
+        <p:cNvPr id="1" name=""/>
+        <p:cNvGrpSpPr/>
+        <p:nvPr/>
+      </p:nvGrpSpPr>
+      <p:grpSpPr>
+        <a:xfrm>
+          <a:off x="0" y="0"/>
+          <a:ext cx="0" cy="0"/>
+          <a:chOff x="0" y="0"/>
+          <a:chExt cx="0" cy="0"/>
+        </a:xfrm>
+      </p:grpSpPr>
+      <p:sp>
+        <p:nvSpPr>
+          <p:cNvPr id="2" name="Title 1"/>
+          <p:cNvSpPr>
+            <a:spLocks noGrp="1"/>
+          </p:cNvSpPr>
+          <p:nvPr>
+            <p:ph type="title"/>
+          </p:nvPr>
+        </p:nvSpPr>
+        <p:spPr/>
+        <p:txBody>
+          <a:bodyPr/>
+          <a:lstStyle/>
+          <a:p>
+            <a:r>
+              <a:rPr lang="en-US" dirty="0" smtClean="0"/>
+              <a:t>Component based architecture</a:t>
+            </a:r>
+            <a:endParaRPr lang="en-US" dirty="0"/>
+          </a:p>
+        </p:txBody>
+      </p:sp>
+      <p:pic>
+        <p:nvPicPr>
+          <p:cNvPr id="4" name="Content Placeholder 3"/>
+          <p:cNvPicPr>
+            <a:picLocks noGrp="1" noChangeAspect="1"/>
+          </p:cNvPicPr>
+          <p:nvPr>
+            <p:ph idx="1"/>
+          </p:nvPr>
+        </p:nvPicPr>
+        <p:blipFill>
+          <a:blip r:embed="rId2">
+            <a:extLst>
+              <a:ext uri="{28A0092B-C50C-407E-A947-70E740481C1C}">
+                <a14:useLocalDpi xmlns:a14="http://schemas.microsoft.com/office/drawing/2010/main" val="0"/>
+              </a:ext>
+            </a:extLst>
+          </a:blip>
+          <a:stretch>
+            <a:fillRect/>
+          </a:stretch>
+        </p:blipFill>
+        <p:spPr>
+          <a:xfrm>
+            <a:off x="3387166" y="1460500"/>
+            <a:ext cx="3831240" cy="5188718"/>
+          </a:xfrm>
+        </p:spPr>
+      </p:pic>
+      <p:sp>
+        <p:nvSpPr>
+          <p:cNvPr id="3" name="TextBox 2"/>
+          <p:cNvSpPr txBox="1"/>
+          <p:nvPr/>
+        </p:nvSpPr>
+        <p:spPr>
+          <a:xfrm>
+            <a:off x="7833970" y="900668"/>
+            <a:ext cx="987771" cy="369332"/>
+          </a:xfrm>
+          <a:prstGeom prst="rect">
+            <a:avLst/>
+          </a:prstGeom>
+          <a:noFill/>
+        </p:spPr>
+        <p:txBody>
+          <a:bodyPr wrap="none" rtlCol="0">
+            <a:spAutoFit/>
+          </a:bodyPr>
+          <a:lstStyle/>
+          <a:p>
+            <a:r>
+              <a:rPr lang="en-US" dirty="0" err="1" smtClean="0">
+                <a:hlinkClick r:id="rId3"/>
+              </a:rPr>
+              <a:t>weblink</a:t>
+            </a:r>
+            <a:endParaRPr lang="en-US" dirty="0" smtClean="0"/>
+          </a:p>
+        </p:txBody>
+      </p:sp>
+    </p:spTree>
+    <p:extLst>
+      <p:ext uri="{BB962C8B-B14F-4D97-AF65-F5344CB8AC3E}">
+        <p14:creationId xmlns:p14="http://schemas.microsoft.com/office/powerpoint/2010/main" val="1674883590"/>
+      </p:ext>
+    </p:extLst>
+  </p:cSld>
+  <p:clrMapOvr>
+    <a:masterClrMapping/>
+  </p:clrMapOvr>
+  <p:timing>
+    <p:tnLst>
+      <p:par>
+        <p:cTn id="1" dur="indefinite" restart="never" nodeType="tmRoot"/>
+      </p:par>
+    </p:tnLst>
+  </p:timing>
+</p:sld>
+</file>
+
+<file path=ppt/slides/slide7.xml><?xml version="1.0" encoding="utf-8"?>
+<p:sld xmlns:a="http://schemas.openxmlformats.org/drawingml/2006/main" xmlns:r="http://schemas.openxmlformats.org/officeDocument/2006/relationships" xmlns:p="http://schemas.openxmlformats.org/presentationml/2006/main">
+  <p:cSld>
+    <p:spTree>
+      <p:nvGrpSpPr>
+        <p:cNvPr id="1" name=""/>
+        <p:cNvGrpSpPr/>
+        <p:nvPr/>
+      </p:nvGrpSpPr>
+      <p:grpSpPr>
+        <a:xfrm>
+          <a:off x="0" y="0"/>
+          <a:ext cx="0" cy="0"/>
+          <a:chOff x="0" y="0"/>
+          <a:chExt cx="0" cy="0"/>
+        </a:xfrm>
+      </p:grpSpPr>
+      <p:sp>
+        <p:nvSpPr>
+          <p:cNvPr id="2" name="Title 1"/>
+          <p:cNvSpPr>
+            <a:spLocks noGrp="1"/>
+          </p:cNvSpPr>
+          <p:nvPr>
+            <p:ph type="title"/>
+          </p:nvPr>
+        </p:nvSpPr>
+        <p:spPr>
+          <a:xfrm>
+            <a:off x="791634" y="5765800"/>
+            <a:ext cx="8596668" cy="1320800"/>
+          </a:xfrm>
+        </p:spPr>
+        <p:txBody>
+          <a:bodyPr/>
+          <a:lstStyle/>
+          <a:p>
+            <a:r>
+              <a:rPr lang="en-US" dirty="0" smtClean="0"/>
+              <a:t>demo</a:t>
+            </a:r>
+            <a:endParaRPr lang="en-US" dirty="0"/>
+          </a:p>
+        </p:txBody>
+      </p:sp>
+    </p:spTree>
+    <p:extLst>
+      <p:ext uri="{BB962C8B-B14F-4D97-AF65-F5344CB8AC3E}">
+        <p14:creationId xmlns:p14="http://schemas.microsoft.com/office/powerpoint/2010/main" val="3561450826"/>
+      </p:ext>
+    </p:extLst>
+  </p:cSld>
+  <p:clrMapOvr>
+    <a:masterClrMapping/>
+  </p:clrMapOvr>
+</p:sld>
+</file>
+
+<file path=ppt/slides/slide8.xml><?xml version="1.0" encoding="utf-8"?>
 <p:sld xmlns:a="http://schemas.openxmlformats.org/drawingml/2006/main" xmlns:r="http://schemas.openxmlformats.org/officeDocument/2006/relationships" xmlns:p="http://schemas.openxmlformats.org/presentationml/2006/main">
   <p:cSld>
     <p:spTree>
@@ -7358,856 +8388,6 @@
 </p:sld>
 </file>
 
-<file path=ppt/slides/slide6.xml><?xml version="1.0" encoding="utf-8"?>
-<p:sld xmlns:a="http://schemas.openxmlformats.org/drawingml/2006/main" xmlns:r="http://schemas.openxmlformats.org/officeDocument/2006/relationships" xmlns:p="http://schemas.openxmlformats.org/presentationml/2006/main" show="0">
-  <p:cSld>
-    <p:spTree>
-      <p:nvGrpSpPr>
-        <p:cNvPr id="1" name=""/>
-        <p:cNvGrpSpPr/>
-        <p:nvPr/>
-      </p:nvGrpSpPr>
-      <p:grpSpPr>
-        <a:xfrm>
-          <a:off x="0" y="0"/>
-          <a:ext cx="0" cy="0"/>
-          <a:chOff x="0" y="0"/>
-          <a:chExt cx="0" cy="0"/>
-        </a:xfrm>
-      </p:grpSpPr>
-      <p:sp>
-        <p:nvSpPr>
-          <p:cNvPr id="3" name="Content Placeholder 2"/>
-          <p:cNvSpPr>
-            <a:spLocks noGrp="1"/>
-          </p:cNvSpPr>
-          <p:nvPr>
-            <p:ph idx="1"/>
-          </p:nvPr>
-        </p:nvSpPr>
-        <p:spPr>
-          <a:xfrm>
-            <a:off x="677334" y="266701"/>
-            <a:ext cx="4593166" cy="5774662"/>
-          </a:xfrm>
-        </p:spPr>
-        <p:txBody>
-          <a:bodyPr>
-            <a:normAutofit/>
-          </a:bodyPr>
-          <a:lstStyle/>
-          <a:p>
-            <a:r>
-              <a:rPr lang="en-US" dirty="0" smtClean="0"/>
-              <a:t>Creating The </a:t>
-            </a:r>
-            <a:r>
-              <a:rPr lang="en-US" dirty="0" err="1" smtClean="0"/>
-              <a:t>Leaderboard.Data</a:t>
-            </a:r>
-            <a:r>
-              <a:rPr lang="en-US" dirty="0" smtClean="0"/>
-              <a:t> Project</a:t>
-            </a:r>
-          </a:p>
-          <a:p>
-            <a:pPr lvl="1"/>
-            <a:r>
-              <a:rPr lang="en-US" dirty="0"/>
-              <a:t>Create the entity model</a:t>
-            </a:r>
-          </a:p>
-          <a:p>
-            <a:pPr lvl="1"/>
-            <a:r>
-              <a:rPr lang="en-US" dirty="0" smtClean="0"/>
-              <a:t>Create the </a:t>
-            </a:r>
-            <a:r>
-              <a:rPr lang="en-US" dirty="0" err="1" smtClean="0"/>
-              <a:t>datacontext</a:t>
-            </a:r>
-            <a:endParaRPr lang="en-US" dirty="0" smtClean="0"/>
-          </a:p>
-          <a:p>
-            <a:pPr lvl="2"/>
-            <a:r>
-              <a:rPr lang="en-US" dirty="0" smtClean="0"/>
-              <a:t>create the conventions</a:t>
-            </a:r>
-          </a:p>
-          <a:p>
-            <a:pPr lvl="1"/>
-            <a:r>
-              <a:rPr lang="en-US" dirty="0" smtClean="0"/>
-              <a:t>create the test project</a:t>
-            </a:r>
-          </a:p>
-          <a:p>
-            <a:pPr lvl="2"/>
-            <a:r>
-              <a:rPr lang="en-US" dirty="0" smtClean="0"/>
-              <a:t>create the </a:t>
-            </a:r>
-            <a:r>
-              <a:rPr lang="en-US" dirty="0" err="1" smtClean="0"/>
-              <a:t>AssemblyInitializeTest</a:t>
-            </a:r>
-            <a:endParaRPr lang="en-US" dirty="0" smtClean="0"/>
-          </a:p>
-          <a:p>
-            <a:pPr lvl="2"/>
-            <a:r>
-              <a:rPr lang="en-US" dirty="0" smtClean="0"/>
-              <a:t>Create the </a:t>
-            </a:r>
-            <a:r>
-              <a:rPr lang="en-US" dirty="0" err="1" smtClean="0"/>
-              <a:t>DropCreateDatabaseAlways</a:t>
-            </a:r>
-            <a:endParaRPr lang="en-US" dirty="0" smtClean="0"/>
-          </a:p>
-          <a:p>
-            <a:pPr lvl="2"/>
-            <a:r>
-              <a:rPr lang="en-US" dirty="0" smtClean="0"/>
-              <a:t>Create the </a:t>
-            </a:r>
-            <a:r>
-              <a:rPr lang="en-US" dirty="0" err="1" smtClean="0"/>
-              <a:t>userscoretest</a:t>
-            </a:r>
-            <a:endParaRPr lang="en-US" dirty="0" smtClean="0"/>
-          </a:p>
-          <a:p>
-            <a:pPr lvl="1"/>
-            <a:r>
-              <a:rPr lang="en-US" dirty="0" smtClean="0"/>
-              <a:t>Create the web </a:t>
-            </a:r>
-            <a:r>
-              <a:rPr lang="en-US" dirty="0" err="1" smtClean="0"/>
-              <a:t>api</a:t>
-            </a:r>
-            <a:r>
-              <a:rPr lang="en-US" dirty="0" smtClean="0"/>
-              <a:t> project</a:t>
-            </a:r>
-          </a:p>
-          <a:p>
-            <a:pPr lvl="2"/>
-            <a:r>
-              <a:rPr lang="en-US" dirty="0" smtClean="0"/>
-              <a:t>Auto </a:t>
-            </a:r>
-            <a:r>
-              <a:rPr lang="en-US" dirty="0" err="1" smtClean="0"/>
-              <a:t>api</a:t>
-            </a:r>
-            <a:r>
-              <a:rPr lang="en-US" dirty="0" smtClean="0"/>
-              <a:t> docs</a:t>
-            </a:r>
-          </a:p>
-          <a:p>
-            <a:pPr lvl="2"/>
-            <a:r>
-              <a:rPr lang="en-US" dirty="0" smtClean="0"/>
-              <a:t>Defaults for Route, Filter, </a:t>
-            </a:r>
-            <a:r>
-              <a:rPr lang="en-US" dirty="0" err="1" smtClean="0"/>
-              <a:t>Startup.Auth</a:t>
-            </a:r>
-            <a:endParaRPr lang="en-US" dirty="0" smtClean="0"/>
-          </a:p>
-          <a:p>
-            <a:pPr lvl="2"/>
-            <a:r>
-              <a:rPr lang="en-US" dirty="0" err="1" smtClean="0"/>
-              <a:t>WebApiConfig</a:t>
-            </a:r>
-            <a:endParaRPr lang="en-US" dirty="0" smtClean="0"/>
-          </a:p>
-          <a:p>
-            <a:pPr lvl="3"/>
-            <a:r>
-              <a:rPr lang="en-US" dirty="0" err="1" smtClean="0"/>
-              <a:t>XHttpMethodOverride</a:t>
-            </a:r>
-            <a:endParaRPr lang="en-US" dirty="0" smtClean="0"/>
-          </a:p>
-          <a:p>
-            <a:pPr lvl="3"/>
-            <a:r>
-              <a:rPr lang="en-US" dirty="0" err="1" smtClean="0"/>
-              <a:t>Supresshostauth</a:t>
-            </a:r>
-            <a:endParaRPr lang="en-US" dirty="0" smtClean="0"/>
-          </a:p>
-          <a:p>
-            <a:pPr lvl="3"/>
-            <a:r>
-              <a:rPr lang="en-US" dirty="0" smtClean="0"/>
-              <a:t>Attribute routes</a:t>
-            </a:r>
-          </a:p>
-          <a:p>
-            <a:pPr lvl="3"/>
-            <a:r>
-              <a:rPr lang="en-US" dirty="0" smtClean="0"/>
-              <a:t>Enable CORS</a:t>
-            </a:r>
-          </a:p>
-          <a:p>
-            <a:pPr lvl="3"/>
-            <a:endParaRPr lang="en-US" dirty="0" smtClean="0"/>
-          </a:p>
-          <a:p>
-            <a:pPr lvl="2"/>
-            <a:endParaRPr lang="en-US" dirty="0" smtClean="0"/>
-          </a:p>
-          <a:p>
-            <a:pPr lvl="2"/>
-            <a:endParaRPr lang="en-US" dirty="0"/>
-          </a:p>
-        </p:txBody>
-      </p:sp>
-      <p:sp>
-        <p:nvSpPr>
-          <p:cNvPr id="4" name="Content Placeholder 2"/>
-          <p:cNvSpPr txBox="1">
-            <a:spLocks/>
-          </p:cNvSpPr>
-          <p:nvPr/>
-        </p:nvSpPr>
-        <p:spPr>
-          <a:xfrm>
-            <a:off x="5270500" y="266701"/>
-            <a:ext cx="4593166" cy="5774662"/>
-          </a:xfrm>
-          <a:prstGeom prst="rect">
-            <a:avLst/>
-          </a:prstGeom>
-        </p:spPr>
-        <p:txBody>
-          <a:bodyPr vert="horz" lIns="91440" tIns="45720" rIns="91440" bIns="45720" rtlCol="0">
-            <a:normAutofit/>
-          </a:bodyPr>
-          <a:lstStyle>
-            <a:lvl1pPr marL="342900" indent="-342900" algn="l" defTabSz="457200" rtl="0" eaLnBrk="1" latinLnBrk="0" hangingPunct="1">
-              <a:spcBef>
-                <a:spcPts val="1000"/>
-              </a:spcBef>
-              <a:spcAft>
-                <a:spcPts val="0"/>
-              </a:spcAft>
-              <a:buClr>
-                <a:schemeClr val="accent1"/>
-              </a:buClr>
-              <a:buSzPct val="80000"/>
-              <a:buFont typeface="Wingdings 3" charset="2"/>
-              <a:buChar char=""/>
-              <a:defRPr sz="1800" kern="1200">
-                <a:solidFill>
-                  <a:schemeClr val="tx1">
-                    <a:lumMod val="75000"/>
-                    <a:lumOff val="25000"/>
-                  </a:schemeClr>
-                </a:solidFill>
-                <a:latin typeface="+mn-lt"/>
-                <a:ea typeface="+mn-ea"/>
-                <a:cs typeface="+mn-cs"/>
-              </a:defRPr>
-            </a:lvl1pPr>
-            <a:lvl2pPr marL="742950" indent="-285750" algn="l" defTabSz="457200" rtl="0" eaLnBrk="1" latinLnBrk="0" hangingPunct="1">
-              <a:spcBef>
-                <a:spcPts val="1000"/>
-              </a:spcBef>
-              <a:spcAft>
-                <a:spcPts val="0"/>
-              </a:spcAft>
-              <a:buClr>
-                <a:schemeClr val="accent1"/>
-              </a:buClr>
-              <a:buSzPct val="80000"/>
-              <a:buFont typeface="Wingdings 3" charset="2"/>
-              <a:buChar char=""/>
-              <a:defRPr sz="1600" kern="1200">
-                <a:solidFill>
-                  <a:schemeClr val="tx1">
-                    <a:lumMod val="75000"/>
-                    <a:lumOff val="25000"/>
-                  </a:schemeClr>
-                </a:solidFill>
-                <a:latin typeface="+mn-lt"/>
-                <a:ea typeface="+mn-ea"/>
-                <a:cs typeface="+mn-cs"/>
-              </a:defRPr>
-            </a:lvl2pPr>
-            <a:lvl3pPr marL="1143000" indent="-228600" algn="l" defTabSz="457200" rtl="0" eaLnBrk="1" latinLnBrk="0" hangingPunct="1">
-              <a:spcBef>
-                <a:spcPts val="1000"/>
-              </a:spcBef>
-              <a:spcAft>
-                <a:spcPts val="0"/>
-              </a:spcAft>
-              <a:buClr>
-                <a:schemeClr val="accent1"/>
-              </a:buClr>
-              <a:buSzPct val="80000"/>
-              <a:buFont typeface="Wingdings 3" charset="2"/>
-              <a:buChar char=""/>
-              <a:defRPr sz="1400" kern="1200">
-                <a:solidFill>
-                  <a:schemeClr val="tx1">
-                    <a:lumMod val="75000"/>
-                    <a:lumOff val="25000"/>
-                  </a:schemeClr>
-                </a:solidFill>
-                <a:latin typeface="+mn-lt"/>
-                <a:ea typeface="+mn-ea"/>
-                <a:cs typeface="+mn-cs"/>
-              </a:defRPr>
-            </a:lvl3pPr>
-            <a:lvl4pPr marL="1600200" indent="-228600" algn="l" defTabSz="457200" rtl="0" eaLnBrk="1" latinLnBrk="0" hangingPunct="1">
-              <a:spcBef>
-                <a:spcPts val="1000"/>
-              </a:spcBef>
-              <a:spcAft>
-                <a:spcPts val="0"/>
-              </a:spcAft>
-              <a:buClr>
-                <a:schemeClr val="accent1"/>
-              </a:buClr>
-              <a:buSzPct val="80000"/>
-              <a:buFont typeface="Wingdings 3" charset="2"/>
-              <a:buChar char=""/>
-              <a:defRPr sz="1200" kern="1200">
-                <a:solidFill>
-                  <a:schemeClr val="tx1">
-                    <a:lumMod val="75000"/>
-                    <a:lumOff val="25000"/>
-                  </a:schemeClr>
-                </a:solidFill>
-                <a:latin typeface="+mn-lt"/>
-                <a:ea typeface="+mn-ea"/>
-                <a:cs typeface="+mn-cs"/>
-              </a:defRPr>
-            </a:lvl4pPr>
-            <a:lvl5pPr marL="2057400" indent="-228600" algn="l" defTabSz="457200" rtl="0" eaLnBrk="1" latinLnBrk="0" hangingPunct="1">
-              <a:spcBef>
-                <a:spcPts val="1000"/>
-              </a:spcBef>
-              <a:spcAft>
-                <a:spcPts val="0"/>
-              </a:spcAft>
-              <a:buClr>
-                <a:schemeClr val="accent1"/>
-              </a:buClr>
-              <a:buSzPct val="80000"/>
-              <a:buFont typeface="Wingdings 3" charset="2"/>
-              <a:buChar char=""/>
-              <a:defRPr sz="1200" kern="1200">
-                <a:solidFill>
-                  <a:schemeClr val="tx1">
-                    <a:lumMod val="75000"/>
-                    <a:lumOff val="25000"/>
-                  </a:schemeClr>
-                </a:solidFill>
-                <a:latin typeface="+mn-lt"/>
-                <a:ea typeface="+mn-ea"/>
-                <a:cs typeface="+mn-cs"/>
-              </a:defRPr>
-            </a:lvl5pPr>
-            <a:lvl6pPr marL="2514600" indent="-228600" algn="l" defTabSz="457200" rtl="0" eaLnBrk="1" latinLnBrk="0" hangingPunct="1">
-              <a:spcBef>
-                <a:spcPts val="1000"/>
-              </a:spcBef>
-              <a:spcAft>
-                <a:spcPts val="0"/>
-              </a:spcAft>
-              <a:buClr>
-                <a:schemeClr val="accent1"/>
-              </a:buClr>
-              <a:buSzPct val="80000"/>
-              <a:buFont typeface="Wingdings 3" charset="2"/>
-              <a:buChar char=""/>
-              <a:defRPr sz="1200" kern="1200">
-                <a:solidFill>
-                  <a:schemeClr val="tx1">
-                    <a:lumMod val="75000"/>
-                    <a:lumOff val="25000"/>
-                  </a:schemeClr>
-                </a:solidFill>
-                <a:latin typeface="+mn-lt"/>
-                <a:ea typeface="+mn-ea"/>
-                <a:cs typeface="+mn-cs"/>
-              </a:defRPr>
-            </a:lvl6pPr>
-            <a:lvl7pPr marL="2971800" indent="-228600" algn="l" defTabSz="457200" rtl="0" eaLnBrk="1" latinLnBrk="0" hangingPunct="1">
-              <a:spcBef>
-                <a:spcPts val="1000"/>
-              </a:spcBef>
-              <a:spcAft>
-                <a:spcPts val="0"/>
-              </a:spcAft>
-              <a:buClr>
-                <a:schemeClr val="accent1"/>
-              </a:buClr>
-              <a:buSzPct val="80000"/>
-              <a:buFont typeface="Wingdings 3" charset="2"/>
-              <a:buChar char=""/>
-              <a:defRPr sz="1200" kern="1200">
-                <a:solidFill>
-                  <a:schemeClr val="tx1">
-                    <a:lumMod val="75000"/>
-                    <a:lumOff val="25000"/>
-                  </a:schemeClr>
-                </a:solidFill>
-                <a:latin typeface="+mn-lt"/>
-                <a:ea typeface="+mn-ea"/>
-                <a:cs typeface="+mn-cs"/>
-              </a:defRPr>
-            </a:lvl7pPr>
-            <a:lvl8pPr marL="3429000" indent="-228600" algn="l" defTabSz="457200" rtl="0" eaLnBrk="1" latinLnBrk="0" hangingPunct="1">
-              <a:spcBef>
-                <a:spcPts val="1000"/>
-              </a:spcBef>
-              <a:spcAft>
-                <a:spcPts val="0"/>
-              </a:spcAft>
-              <a:buClr>
-                <a:schemeClr val="accent1"/>
-              </a:buClr>
-              <a:buSzPct val="80000"/>
-              <a:buFont typeface="Wingdings 3" charset="2"/>
-              <a:buChar char=""/>
-              <a:defRPr sz="1200" kern="1200">
-                <a:solidFill>
-                  <a:schemeClr val="tx1">
-                    <a:lumMod val="75000"/>
-                    <a:lumOff val="25000"/>
-                  </a:schemeClr>
-                </a:solidFill>
-                <a:latin typeface="+mn-lt"/>
-                <a:ea typeface="+mn-ea"/>
-                <a:cs typeface="+mn-cs"/>
-              </a:defRPr>
-            </a:lvl8pPr>
-            <a:lvl9pPr marL="3886200" indent="-228600" algn="l" defTabSz="457200" rtl="0" eaLnBrk="1" latinLnBrk="0" hangingPunct="1">
-              <a:spcBef>
-                <a:spcPts val="1000"/>
-              </a:spcBef>
-              <a:spcAft>
-                <a:spcPts val="0"/>
-              </a:spcAft>
-              <a:buClr>
-                <a:schemeClr val="accent1"/>
-              </a:buClr>
-              <a:buSzPct val="80000"/>
-              <a:buFont typeface="Wingdings 3" charset="2"/>
-              <a:buChar char=""/>
-              <a:defRPr sz="1200" kern="1200">
-                <a:solidFill>
-                  <a:schemeClr val="tx1">
-                    <a:lumMod val="75000"/>
-                    <a:lumOff val="25000"/>
-                  </a:schemeClr>
-                </a:solidFill>
-                <a:latin typeface="+mn-lt"/>
-                <a:ea typeface="+mn-ea"/>
-                <a:cs typeface="+mn-cs"/>
-              </a:defRPr>
-            </a:lvl9pPr>
-          </a:lstStyle>
-          <a:p>
-            <a:pPr lvl="1"/>
-            <a:r>
-              <a:rPr lang="en-US" dirty="0" smtClean="0"/>
-              <a:t>Leaderboard controller</a:t>
-            </a:r>
-          </a:p>
-          <a:p>
-            <a:pPr lvl="2"/>
-            <a:r>
-              <a:rPr lang="en-US" dirty="0" smtClean="0"/>
-              <a:t>Get scores</a:t>
-            </a:r>
-          </a:p>
-          <a:p>
-            <a:pPr lvl="2"/>
-            <a:r>
-              <a:rPr lang="en-US" dirty="0" smtClean="0"/>
-              <a:t>Write scores</a:t>
-            </a:r>
-          </a:p>
-          <a:p>
-            <a:pPr lvl="2"/>
-            <a:r>
-              <a:rPr lang="en-US" dirty="0" smtClean="0"/>
-              <a:t>To </a:t>
-            </a:r>
-            <a:r>
-              <a:rPr lang="en-US" dirty="0" err="1" smtClean="0"/>
-              <a:t>Auth</a:t>
-            </a:r>
-            <a:r>
-              <a:rPr lang="en-US" dirty="0" smtClean="0"/>
-              <a:t> or Not To </a:t>
-            </a:r>
-            <a:r>
-              <a:rPr lang="en-US" dirty="0" err="1" smtClean="0"/>
-              <a:t>Auth</a:t>
-            </a:r>
-            <a:endParaRPr lang="en-US" dirty="0" smtClean="0"/>
-          </a:p>
-          <a:p>
-            <a:pPr lvl="1"/>
-            <a:r>
-              <a:rPr lang="en-US" dirty="0" err="1" smtClean="0"/>
-              <a:t>Auth</a:t>
-            </a:r>
-            <a:r>
-              <a:rPr lang="en-US" dirty="0" smtClean="0"/>
-              <a:t> Controller</a:t>
-            </a:r>
-          </a:p>
-          <a:p>
-            <a:pPr lvl="2"/>
-            <a:r>
-              <a:rPr lang="en-US" dirty="0" smtClean="0"/>
-              <a:t>Black box</a:t>
-            </a:r>
-          </a:p>
-          <a:p>
-            <a:pPr lvl="1"/>
-            <a:endParaRPr lang="en-US" dirty="0"/>
-          </a:p>
-          <a:p>
-            <a:pPr lvl="1"/>
-            <a:r>
-              <a:rPr lang="en-US" dirty="0" smtClean="0"/>
-              <a:t>Deploy To </a:t>
-            </a:r>
-            <a:r>
-              <a:rPr lang="en-US" dirty="0" err="1" smtClean="0"/>
-              <a:t>GitHub</a:t>
-            </a:r>
-            <a:endParaRPr lang="en-US" dirty="0" smtClean="0"/>
-          </a:p>
-          <a:p>
-            <a:pPr lvl="1"/>
-            <a:r>
-              <a:rPr lang="en-US" dirty="0" smtClean="0"/>
-              <a:t>Setup Azure</a:t>
-            </a:r>
-          </a:p>
-          <a:p>
-            <a:pPr lvl="2"/>
-            <a:r>
-              <a:rPr lang="en-US" dirty="0" smtClean="0"/>
-              <a:t>Create website</a:t>
-            </a:r>
-          </a:p>
-          <a:p>
-            <a:pPr lvl="2"/>
-            <a:r>
-              <a:rPr lang="en-US" dirty="0" smtClean="0"/>
-              <a:t>Free database</a:t>
-            </a:r>
-          </a:p>
-          <a:p>
-            <a:pPr lvl="2"/>
-            <a:r>
-              <a:rPr lang="en-US" dirty="0" smtClean="0"/>
-              <a:t>Auto deploy from </a:t>
-            </a:r>
-            <a:r>
-              <a:rPr lang="en-US" dirty="0" err="1" smtClean="0"/>
-              <a:t>github</a:t>
-            </a:r>
-            <a:endParaRPr lang="en-US" dirty="0"/>
-          </a:p>
-          <a:p>
-            <a:pPr lvl="1"/>
-            <a:r>
-              <a:rPr lang="en-US" dirty="0" smtClean="0"/>
-              <a:t>Kurl.IT</a:t>
-            </a:r>
-          </a:p>
-          <a:p>
-            <a:pPr lvl="2"/>
-            <a:endParaRPr lang="en-US" dirty="0" smtClean="0"/>
-          </a:p>
-          <a:p>
-            <a:pPr lvl="2"/>
-            <a:endParaRPr lang="en-US" dirty="0"/>
-          </a:p>
-        </p:txBody>
-      </p:sp>
-    </p:spTree>
-    <p:extLst>
-      <p:ext uri="{BB962C8B-B14F-4D97-AF65-F5344CB8AC3E}">
-        <p14:creationId xmlns:p14="http://schemas.microsoft.com/office/powerpoint/2010/main" val="3033213682"/>
-      </p:ext>
-    </p:extLst>
-  </p:cSld>
-  <p:clrMapOvr>
-    <a:masterClrMapping/>
-  </p:clrMapOvr>
-  <mc:AlternateContent xmlns:mc="http://schemas.openxmlformats.org/markup-compatibility/2006" xmlns:p14="http://schemas.microsoft.com/office/powerpoint/2010/main">
-    <mc:Choice Requires="p14">
-      <p:transition spd="slow" p14:dur="2000"/>
-    </mc:Choice>
-    <mc:Fallback xmlns="">
-      <p:transition spd="slow"/>
-    </mc:Fallback>
-  </mc:AlternateContent>
-  <p:timing>
-    <p:tnLst>
-      <p:par>
-        <p:cTn id="1" dur="indefinite" restart="never" nodeType="tmRoot"/>
-      </p:par>
-    </p:tnLst>
-  </p:timing>
-</p:sld>
-</file>
-
-<file path=ppt/slides/slide7.xml><?xml version="1.0" encoding="utf-8"?>
-<p:sld xmlns:a="http://schemas.openxmlformats.org/drawingml/2006/main" xmlns:r="http://schemas.openxmlformats.org/officeDocument/2006/relationships" xmlns:p="http://schemas.openxmlformats.org/presentationml/2006/main">
-  <p:cSld>
-    <p:spTree>
-      <p:nvGrpSpPr>
-        <p:cNvPr id="1" name=""/>
-        <p:cNvGrpSpPr/>
-        <p:nvPr/>
-      </p:nvGrpSpPr>
-      <p:grpSpPr>
-        <a:xfrm>
-          <a:off x="0" y="0"/>
-          <a:ext cx="0" cy="0"/>
-          <a:chOff x="0" y="0"/>
-          <a:chExt cx="0" cy="0"/>
-        </a:xfrm>
-      </p:grpSpPr>
-      <p:sp>
-        <p:nvSpPr>
-          <p:cNvPr id="2" name="Title 1"/>
-          <p:cNvSpPr>
-            <a:spLocks noGrp="1"/>
-          </p:cNvSpPr>
-          <p:nvPr>
-            <p:ph type="title"/>
-          </p:nvPr>
-        </p:nvSpPr>
-        <p:spPr/>
-        <p:txBody>
-          <a:bodyPr/>
-          <a:lstStyle/>
-          <a:p>
-            <a:r>
-              <a:rPr lang="en-US" dirty="0" smtClean="0"/>
-              <a:t>Unity3D Implementation</a:t>
-            </a:r>
-            <a:endParaRPr lang="en-US" dirty="0"/>
-          </a:p>
-        </p:txBody>
-      </p:sp>
-      <p:sp>
-        <p:nvSpPr>
-          <p:cNvPr id="3" name="Content Placeholder 2"/>
-          <p:cNvSpPr>
-            <a:spLocks noGrp="1"/>
-          </p:cNvSpPr>
-          <p:nvPr>
-            <p:ph idx="1"/>
-          </p:nvPr>
-        </p:nvSpPr>
-        <p:spPr/>
-        <p:txBody>
-          <a:bodyPr/>
-          <a:lstStyle/>
-          <a:p>
-            <a:r>
-              <a:rPr lang="en-US" dirty="0"/>
-              <a:t>Game Loop vs Event based coding	</a:t>
-            </a:r>
-          </a:p>
-          <a:p>
-            <a:r>
-              <a:rPr lang="en-US" dirty="0"/>
-              <a:t>Component based architecture</a:t>
-            </a:r>
-          </a:p>
-          <a:p>
-            <a:r>
-              <a:rPr lang="en-US" dirty="0"/>
-              <a:t>Coroutines</a:t>
-            </a:r>
-          </a:p>
-          <a:p>
-            <a:r>
-              <a:rPr lang="en-US" dirty="0"/>
-              <a:t>The WWW class</a:t>
-            </a:r>
-          </a:p>
-          <a:p>
-            <a:r>
-              <a:rPr lang="en-US" dirty="0"/>
-              <a:t>Solution in action</a:t>
-            </a:r>
-          </a:p>
-          <a:p>
-            <a:r>
-              <a:rPr lang="en-US" dirty="0"/>
-              <a:t>Expanding on the solution.</a:t>
-            </a:r>
-            <a:endParaRPr lang="en-US" dirty="0" smtClean="0"/>
-          </a:p>
-        </p:txBody>
-      </p:sp>
-    </p:spTree>
-    <p:extLst>
-      <p:ext uri="{BB962C8B-B14F-4D97-AF65-F5344CB8AC3E}">
-        <p14:creationId xmlns:p14="http://schemas.microsoft.com/office/powerpoint/2010/main" val="2266718909"/>
-      </p:ext>
-    </p:extLst>
-  </p:cSld>
-  <p:clrMapOvr>
-    <a:masterClrMapping/>
-  </p:clrMapOvr>
-  <p:timing>
-    <p:tnLst>
-      <p:par>
-        <p:cTn id="1" dur="indefinite" restart="never" nodeType="tmRoot"/>
-      </p:par>
-    </p:tnLst>
-  </p:timing>
-</p:sld>
-</file>
-
-<file path=ppt/slides/slide8.xml><?xml version="1.0" encoding="utf-8"?>
-<p:sld xmlns:a="http://schemas.openxmlformats.org/drawingml/2006/main" xmlns:r="http://schemas.openxmlformats.org/officeDocument/2006/relationships" xmlns:p="http://schemas.openxmlformats.org/presentationml/2006/main">
-  <p:cSld>
-    <p:spTree>
-      <p:nvGrpSpPr>
-        <p:cNvPr id="1" name=""/>
-        <p:cNvGrpSpPr/>
-        <p:nvPr/>
-      </p:nvGrpSpPr>
-      <p:grpSpPr>
-        <a:xfrm>
-          <a:off x="0" y="0"/>
-          <a:ext cx="0" cy="0"/>
-          <a:chOff x="0" y="0"/>
-          <a:chExt cx="0" cy="0"/>
-        </a:xfrm>
-      </p:grpSpPr>
-      <p:sp>
-        <p:nvSpPr>
-          <p:cNvPr id="2" name="Title 1"/>
-          <p:cNvSpPr>
-            <a:spLocks noGrp="1"/>
-          </p:cNvSpPr>
-          <p:nvPr>
-            <p:ph type="title"/>
-          </p:nvPr>
-        </p:nvSpPr>
-        <p:spPr/>
-        <p:txBody>
-          <a:bodyPr/>
-          <a:lstStyle/>
-          <a:p>
-            <a:r>
-              <a:rPr lang="en-US" dirty="0" smtClean="0"/>
-              <a:t>Component based architecture</a:t>
-            </a:r>
-            <a:endParaRPr lang="en-US" dirty="0"/>
-          </a:p>
-        </p:txBody>
-      </p:sp>
-      <p:pic>
-        <p:nvPicPr>
-          <p:cNvPr id="4" name="Content Placeholder 3"/>
-          <p:cNvPicPr>
-            <a:picLocks noGrp="1" noChangeAspect="1"/>
-          </p:cNvPicPr>
-          <p:nvPr>
-            <p:ph idx="1"/>
-          </p:nvPr>
-        </p:nvPicPr>
-        <p:blipFill>
-          <a:blip r:embed="rId2">
-            <a:extLst>
-              <a:ext uri="{28A0092B-C50C-407E-A947-70E740481C1C}">
-                <a14:useLocalDpi xmlns:a14="http://schemas.microsoft.com/office/drawing/2010/main" val="0"/>
-              </a:ext>
-            </a:extLst>
-          </a:blip>
-          <a:stretch>
-            <a:fillRect/>
-          </a:stretch>
-        </p:blipFill>
-        <p:spPr>
-          <a:xfrm>
-            <a:off x="3387166" y="1460500"/>
-            <a:ext cx="3831240" cy="5188718"/>
-          </a:xfrm>
-        </p:spPr>
-      </p:pic>
-      <p:sp>
-        <p:nvSpPr>
-          <p:cNvPr id="3" name="TextBox 2"/>
-          <p:cNvSpPr txBox="1"/>
-          <p:nvPr/>
-        </p:nvSpPr>
-        <p:spPr>
-          <a:xfrm>
-            <a:off x="7833970" y="900668"/>
-            <a:ext cx="987771" cy="369332"/>
-          </a:xfrm>
-          <a:prstGeom prst="rect">
-            <a:avLst/>
-          </a:prstGeom>
-          <a:noFill/>
-        </p:spPr>
-        <p:txBody>
-          <a:bodyPr wrap="none" rtlCol="0">
-            <a:spAutoFit/>
-          </a:bodyPr>
-          <a:lstStyle/>
-          <a:p>
-            <a:r>
-              <a:rPr lang="en-US" dirty="0" err="1" smtClean="0">
-                <a:hlinkClick r:id="rId3"/>
-              </a:rPr>
-              <a:t>weblink</a:t>
-            </a:r>
-            <a:endParaRPr lang="en-US" dirty="0" smtClean="0"/>
-          </a:p>
-        </p:txBody>
-      </p:sp>
-    </p:spTree>
-    <p:extLst>
-      <p:ext uri="{BB962C8B-B14F-4D97-AF65-F5344CB8AC3E}">
-        <p14:creationId xmlns:p14="http://schemas.microsoft.com/office/powerpoint/2010/main" val="1674883590"/>
-      </p:ext>
-    </p:extLst>
-  </p:cSld>
-  <p:clrMapOvr>
-    <a:masterClrMapping/>
-  </p:clrMapOvr>
-  <p:timing>
-    <p:tnLst>
-      <p:par>
-        <p:cTn id="1" dur="indefinite" restart="never" nodeType="tmRoot"/>
-      </p:par>
-    </p:tnLst>
-  </p:timing>
-</p:sld>
-</file>
-
 <file path=ppt/slides/slide9.xml><?xml version="1.0" encoding="utf-8"?>
 <p:sld xmlns:a="http://schemas.openxmlformats.org/drawingml/2006/main" xmlns:r="http://schemas.openxmlformats.org/officeDocument/2006/relationships" xmlns:p="http://schemas.openxmlformats.org/presentationml/2006/main">
   <p:cSld>
@@ -8235,69 +8415,20 @@
             <p:ph type="title"/>
           </p:nvPr>
         </p:nvSpPr>
-        <p:spPr/>
+        <p:spPr>
+          <a:xfrm>
+            <a:off x="791634" y="5765800"/>
+            <a:ext cx="8596668" cy="1320800"/>
+          </a:xfrm>
+        </p:spPr>
         <p:txBody>
           <a:bodyPr/>
           <a:lstStyle/>
           <a:p>
             <a:r>
-              <a:rPr lang="en-US" dirty="0"/>
-              <a:t>Coroutines</a:t>
-            </a:r>
-          </a:p>
-        </p:txBody>
-      </p:sp>
-      <p:sp>
-        <p:nvSpPr>
-          <p:cNvPr id="3" name="Content Placeholder 2"/>
-          <p:cNvSpPr>
-            <a:spLocks noGrp="1"/>
-          </p:cNvSpPr>
-          <p:nvPr>
-            <p:ph idx="1"/>
-          </p:nvPr>
-        </p:nvSpPr>
-        <p:spPr/>
-        <p:txBody>
-          <a:bodyPr/>
-          <a:lstStyle/>
-          <a:p>
-            <a:r>
               <a:rPr lang="en-US" dirty="0" smtClean="0"/>
-              <a:t>What </a:t>
-            </a:r>
-            <a:r>
-              <a:rPr lang="en-US" dirty="0"/>
-              <a:t>the heck are </a:t>
-            </a:r>
-            <a:r>
-              <a:rPr lang="en-US" dirty="0" smtClean="0"/>
-              <a:t>they</a:t>
-            </a:r>
-            <a:endParaRPr lang="en-US" dirty="0"/>
-          </a:p>
-          <a:p>
-            <a:r>
-              <a:rPr lang="en-US" dirty="0" smtClean="0"/>
-              <a:t>long </a:t>
-            </a:r>
-            <a:r>
-              <a:rPr lang="en-US" dirty="0"/>
-              <a:t>running non processor intensive </a:t>
-            </a:r>
-            <a:r>
-              <a:rPr lang="en-US" dirty="0" smtClean="0"/>
-              <a:t>operations</a:t>
-            </a:r>
-          </a:p>
-          <a:p>
-            <a:r>
-              <a:rPr lang="en-US" dirty="0"/>
-              <a:t>Why not threads? (poor mans threading?)</a:t>
-            </a:r>
-            <a:endParaRPr lang="en-US" b="1" dirty="0"/>
-          </a:p>
-          <a:p>
+              <a:t>demo</a:t>
+            </a:r>
             <a:endParaRPr lang="en-US" dirty="0"/>
           </a:p>
         </p:txBody>
@@ -8305,20 +8436,13 @@
     </p:spTree>
     <p:extLst>
       <p:ext uri="{BB962C8B-B14F-4D97-AF65-F5344CB8AC3E}">
-        <p14:creationId xmlns:p14="http://schemas.microsoft.com/office/powerpoint/2010/main" val="2601456551"/>
+        <p14:creationId xmlns:p14="http://schemas.microsoft.com/office/powerpoint/2010/main" val="2680097888"/>
       </p:ext>
     </p:extLst>
   </p:cSld>
   <p:clrMapOvr>
     <a:masterClrMapping/>
   </p:clrMapOvr>
-  <p:timing>
-    <p:tnLst>
-      <p:par>
-        <p:cTn id="1" dur="indefinite" restart="never" nodeType="tmRoot"/>
-      </p:par>
-    </p:tnLst>
-  </p:timing>
 </p:sld>
 </file>
 

--- a/Unity 3D and Azure.pptx
+++ b/Unity 3D and Azure.pptx
@@ -8,16 +8,17 @@
     <p:sldId id="256" r:id="rId2"/>
     <p:sldId id="259" r:id="rId3"/>
     <p:sldId id="257" r:id="rId4"/>
-    <p:sldId id="258" r:id="rId5"/>
-    <p:sldId id="262" r:id="rId6"/>
-    <p:sldId id="263" r:id="rId7"/>
-    <p:sldId id="269" r:id="rId8"/>
-    <p:sldId id="260" r:id="rId9"/>
-    <p:sldId id="268" r:id="rId10"/>
-    <p:sldId id="267" r:id="rId11"/>
-    <p:sldId id="261" r:id="rId12"/>
-    <p:sldId id="264" r:id="rId13"/>
-    <p:sldId id="266" r:id="rId14"/>
+    <p:sldId id="270" r:id="rId5"/>
+    <p:sldId id="258" r:id="rId6"/>
+    <p:sldId id="262" r:id="rId7"/>
+    <p:sldId id="263" r:id="rId8"/>
+    <p:sldId id="269" r:id="rId9"/>
+    <p:sldId id="260" r:id="rId10"/>
+    <p:sldId id="268" r:id="rId11"/>
+    <p:sldId id="267" r:id="rId12"/>
+    <p:sldId id="261" r:id="rId13"/>
+    <p:sldId id="264" r:id="rId14"/>
+    <p:sldId id="266" r:id="rId15"/>
   </p:sldIdLst>
   <p:sldSz cx="12192000" cy="6858000"/>
   <p:notesSz cx="6858000" cy="9144000"/>
@@ -5895,6 +5896,64 @@
             <p:ph type="title"/>
           </p:nvPr>
         </p:nvSpPr>
+        <p:spPr>
+          <a:xfrm>
+            <a:off x="791634" y="5765800"/>
+            <a:ext cx="8596668" cy="1320800"/>
+          </a:xfrm>
+        </p:spPr>
+        <p:txBody>
+          <a:bodyPr/>
+          <a:lstStyle/>
+          <a:p>
+            <a:r>
+              <a:rPr lang="en-US" dirty="0" smtClean="0"/>
+              <a:t>demo</a:t>
+            </a:r>
+            <a:endParaRPr lang="en-US" dirty="0"/>
+          </a:p>
+        </p:txBody>
+      </p:sp>
+    </p:spTree>
+    <p:extLst>
+      <p:ext uri="{BB962C8B-B14F-4D97-AF65-F5344CB8AC3E}">
+        <p14:creationId xmlns:p14="http://schemas.microsoft.com/office/powerpoint/2010/main" val="2680097888"/>
+      </p:ext>
+    </p:extLst>
+  </p:cSld>
+  <p:clrMapOvr>
+    <a:masterClrMapping/>
+  </p:clrMapOvr>
+</p:sld>
+</file>
+
+<file path=ppt/slides/slide11.xml><?xml version="1.0" encoding="utf-8"?>
+<p:sld xmlns:a="http://schemas.openxmlformats.org/drawingml/2006/main" xmlns:r="http://schemas.openxmlformats.org/officeDocument/2006/relationships" xmlns:p="http://schemas.openxmlformats.org/presentationml/2006/main">
+  <p:cSld>
+    <p:spTree>
+      <p:nvGrpSpPr>
+        <p:cNvPr id="1" name=""/>
+        <p:cNvGrpSpPr/>
+        <p:nvPr/>
+      </p:nvGrpSpPr>
+      <p:grpSpPr>
+        <a:xfrm>
+          <a:off x="0" y="0"/>
+          <a:ext cx="0" cy="0"/>
+          <a:chOff x="0" y="0"/>
+          <a:chExt cx="0" cy="0"/>
+        </a:xfrm>
+      </p:grpSpPr>
+      <p:sp>
+        <p:nvSpPr>
+          <p:cNvPr id="2" name="Title 1"/>
+          <p:cNvSpPr>
+            <a:spLocks noGrp="1"/>
+          </p:cNvSpPr>
+          <p:nvPr>
+            <p:ph type="title"/>
+          </p:nvPr>
+        </p:nvSpPr>
         <p:spPr/>
         <p:txBody>
           <a:bodyPr/>
@@ -5963,7 +6022,7 @@
 </p:sld>
 </file>
 
-<file path=ppt/slides/slide11.xml><?xml version="1.0" encoding="utf-8"?>
+<file path=ppt/slides/slide12.xml><?xml version="1.0" encoding="utf-8"?>
 <p:sld xmlns:a="http://schemas.openxmlformats.org/drawingml/2006/main" xmlns:r="http://schemas.openxmlformats.org/officeDocument/2006/relationships" xmlns:p="http://schemas.openxmlformats.org/presentationml/2006/main" show="0">
   <p:cSld>
     <p:spTree>
@@ -6579,7 +6638,7 @@
 </p:sld>
 </file>
 
-<file path=ppt/slides/slide12.xml><?xml version="1.0" encoding="utf-8"?>
+<file path=ppt/slides/slide13.xml><?xml version="1.0" encoding="utf-8"?>
 <p:sld xmlns:a="http://schemas.openxmlformats.org/drawingml/2006/main" xmlns:r="http://schemas.openxmlformats.org/officeDocument/2006/relationships" xmlns:p="http://schemas.openxmlformats.org/presentationml/2006/main">
   <p:cSld>
     <p:spTree>
@@ -6836,7 +6895,7 @@
 </p:sld>
 </file>
 
-<file path=ppt/slides/slide13.xml><?xml version="1.0" encoding="utf-8"?>
+<file path=ppt/slides/slide14.xml><?xml version="1.0" encoding="utf-8"?>
 <p:sld xmlns:a="http://schemas.openxmlformats.org/drawingml/2006/main" xmlns:r="http://schemas.openxmlformats.org/officeDocument/2006/relationships" xmlns:p="http://schemas.openxmlformats.org/presentationml/2006/main">
   <p:cSld>
     <p:spTree>
@@ -7379,6 +7438,88 @@
 </file>
 
 <file path=ppt/slides/slide4.xml><?xml version="1.0" encoding="utf-8"?>
+<p:sld xmlns:a="http://schemas.openxmlformats.org/drawingml/2006/main" xmlns:r="http://schemas.openxmlformats.org/officeDocument/2006/relationships" xmlns:p="http://schemas.openxmlformats.org/presentationml/2006/main">
+  <p:cSld>
+    <p:spTree>
+      <p:nvGrpSpPr>
+        <p:cNvPr id="1" name=""/>
+        <p:cNvGrpSpPr/>
+        <p:nvPr/>
+      </p:nvGrpSpPr>
+      <p:grpSpPr>
+        <a:xfrm>
+          <a:off x="0" y="0"/>
+          <a:ext cx="0" cy="0"/>
+          <a:chOff x="0" y="0"/>
+          <a:chExt cx="0" cy="0"/>
+        </a:xfrm>
+      </p:grpSpPr>
+      <p:sp>
+        <p:nvSpPr>
+          <p:cNvPr id="2" name="Title 1"/>
+          <p:cNvSpPr>
+            <a:spLocks noGrp="1"/>
+          </p:cNvSpPr>
+          <p:nvPr>
+            <p:ph type="title"/>
+          </p:nvPr>
+        </p:nvSpPr>
+        <p:spPr/>
+        <p:txBody>
+          <a:bodyPr/>
+          <a:lstStyle/>
+          <a:p>
+            <a:r>
+              <a:rPr lang="en-US" dirty="0" smtClean="0"/>
+              <a:t>Data Payload</a:t>
+            </a:r>
+            <a:endParaRPr lang="en-US" dirty="0"/>
+          </a:p>
+        </p:txBody>
+      </p:sp>
+      <p:pic>
+        <p:nvPicPr>
+          <p:cNvPr id="4" name="Content Placeholder 3"/>
+          <p:cNvPicPr>
+            <a:picLocks noGrp="1" noChangeAspect="1"/>
+          </p:cNvPicPr>
+          <p:nvPr>
+            <p:ph idx="1"/>
+          </p:nvPr>
+        </p:nvPicPr>
+        <p:blipFill>
+          <a:blip r:embed="rId2">
+            <a:extLst>
+              <a:ext uri="{28A0092B-C50C-407E-A947-70E740481C1C}">
+                <a14:useLocalDpi xmlns:a14="http://schemas.microsoft.com/office/drawing/2010/main" val="0"/>
+              </a:ext>
+            </a:extLst>
+          </a:blip>
+          <a:stretch>
+            <a:fillRect/>
+          </a:stretch>
+        </p:blipFill>
+        <p:spPr>
+          <a:xfrm>
+            <a:off x="3402262" y="1270000"/>
+            <a:ext cx="3570037" cy="4918473"/>
+          </a:xfrm>
+        </p:spPr>
+      </p:pic>
+    </p:spTree>
+    <p:extLst>
+      <p:ext uri="{BB962C8B-B14F-4D97-AF65-F5344CB8AC3E}">
+        <p14:creationId xmlns:p14="http://schemas.microsoft.com/office/powerpoint/2010/main" val="1341371612"/>
+      </p:ext>
+    </p:extLst>
+  </p:cSld>
+  <p:clrMapOvr>
+    <a:masterClrMapping/>
+  </p:clrMapOvr>
+</p:sld>
+</file>
+
+<file path=ppt/slides/slide5.xml><?xml version="1.0" encoding="utf-8"?>
 <p:sld xmlns:a="http://schemas.openxmlformats.org/drawingml/2006/main" xmlns:r="http://schemas.openxmlformats.org/officeDocument/2006/relationships" xmlns:p="http://schemas.openxmlformats.org/presentationml/2006/main">
   <p:cSld>
     <p:spTree>
@@ -8002,124 +8143,6 @@
 </p:sld>
 </file>
 
-<file path=ppt/slides/slide5.xml><?xml version="1.0" encoding="utf-8"?>
-<p:sld xmlns:a="http://schemas.openxmlformats.org/drawingml/2006/main" xmlns:r="http://schemas.openxmlformats.org/officeDocument/2006/relationships" xmlns:p="http://schemas.openxmlformats.org/presentationml/2006/main">
-  <p:cSld>
-    <p:spTree>
-      <p:nvGrpSpPr>
-        <p:cNvPr id="1" name=""/>
-        <p:cNvGrpSpPr/>
-        <p:nvPr/>
-      </p:nvGrpSpPr>
-      <p:grpSpPr>
-        <a:xfrm>
-          <a:off x="0" y="0"/>
-          <a:ext cx="0" cy="0"/>
-          <a:chOff x="0" y="0"/>
-          <a:chExt cx="0" cy="0"/>
-        </a:xfrm>
-      </p:grpSpPr>
-      <p:sp>
-        <p:nvSpPr>
-          <p:cNvPr id="2" name="Title 1"/>
-          <p:cNvSpPr>
-            <a:spLocks noGrp="1"/>
-          </p:cNvSpPr>
-          <p:nvPr>
-            <p:ph type="title"/>
-          </p:nvPr>
-        </p:nvSpPr>
-        <p:spPr/>
-        <p:txBody>
-          <a:bodyPr/>
-          <a:lstStyle/>
-          <a:p>
-            <a:r>
-              <a:rPr lang="en-US" dirty="0" smtClean="0"/>
-              <a:t>Unity3D Implementation</a:t>
-            </a:r>
-            <a:endParaRPr lang="en-US" dirty="0"/>
-          </a:p>
-        </p:txBody>
-      </p:sp>
-      <p:sp>
-        <p:nvSpPr>
-          <p:cNvPr id="3" name="Content Placeholder 2"/>
-          <p:cNvSpPr>
-            <a:spLocks noGrp="1"/>
-          </p:cNvSpPr>
-          <p:nvPr>
-            <p:ph idx="1"/>
-          </p:nvPr>
-        </p:nvSpPr>
-        <p:spPr>
-          <a:xfrm>
-            <a:off x="677334" y="1500189"/>
-            <a:ext cx="8596668" cy="3880773"/>
-          </a:xfrm>
-        </p:spPr>
-        <p:txBody>
-          <a:bodyPr/>
-          <a:lstStyle/>
-          <a:p>
-            <a:r>
-              <a:rPr lang="en-US" dirty="0"/>
-              <a:t>Game Loop vs Event based coding	</a:t>
-            </a:r>
-          </a:p>
-          <a:p>
-            <a:r>
-              <a:rPr lang="en-US" dirty="0"/>
-              <a:t>Component based architecture</a:t>
-            </a:r>
-          </a:p>
-          <a:p>
-            <a:r>
-              <a:rPr lang="en-US" dirty="0"/>
-              <a:t>Coroutines</a:t>
-            </a:r>
-          </a:p>
-          <a:p>
-            <a:r>
-              <a:rPr lang="en-US" dirty="0"/>
-              <a:t>The WWW class</a:t>
-            </a:r>
-          </a:p>
-          <a:p>
-            <a:r>
-              <a:rPr lang="en-US" dirty="0"/>
-              <a:t>Solution in action</a:t>
-            </a:r>
-          </a:p>
-          <a:p>
-            <a:r>
-              <a:rPr lang="en-US" dirty="0"/>
-              <a:t>Expanding on the solution.</a:t>
-            </a:r>
-            <a:endParaRPr lang="en-US" dirty="0" smtClean="0"/>
-          </a:p>
-        </p:txBody>
-      </p:sp>
-    </p:spTree>
-    <p:extLst>
-      <p:ext uri="{BB962C8B-B14F-4D97-AF65-F5344CB8AC3E}">
-        <p14:creationId xmlns:p14="http://schemas.microsoft.com/office/powerpoint/2010/main" val="2266718909"/>
-      </p:ext>
-    </p:extLst>
-  </p:cSld>
-  <p:clrMapOvr>
-    <a:masterClrMapping/>
-  </p:clrMapOvr>
-  <p:timing>
-    <p:tnLst>
-      <p:par>
-        <p:cTn id="1" dur="indefinite" restart="never" nodeType="tmRoot"/>
-      </p:par>
-    </p:tnLst>
-  </p:timing>
-</p:sld>
-</file>
-
 <file path=ppt/slides/slide6.xml><?xml version="1.0" encoding="utf-8"?>
 <p:sld xmlns:a="http://schemas.openxmlformats.org/drawingml/2006/main" xmlns:r="http://schemas.openxmlformats.org/officeDocument/2006/relationships" xmlns:p="http://schemas.openxmlformats.org/presentationml/2006/main">
   <p:cSld>
@@ -8154,68 +8177,65 @@
           <a:p>
             <a:r>
               <a:rPr lang="en-US" dirty="0" smtClean="0"/>
-              <a:t>Component based architecture</a:t>
-            </a:r>
-            <a:endParaRPr lang="en-US" dirty="0"/>
-          </a:p>
-        </p:txBody>
-      </p:sp>
-      <p:pic>
-        <p:nvPicPr>
-          <p:cNvPr id="4" name="Content Placeholder 3"/>
-          <p:cNvPicPr>
-            <a:picLocks noGrp="1" noChangeAspect="1"/>
-          </p:cNvPicPr>
+              <a:t>Unity3D Implementation</a:t>
+            </a:r>
+            <a:endParaRPr lang="en-US" dirty="0"/>
+          </a:p>
+        </p:txBody>
+      </p:sp>
+      <p:sp>
+        <p:nvSpPr>
+          <p:cNvPr id="3" name="Content Placeholder 2"/>
+          <p:cNvSpPr>
+            <a:spLocks noGrp="1"/>
+          </p:cNvSpPr>
           <p:nvPr>
             <p:ph idx="1"/>
           </p:nvPr>
-        </p:nvPicPr>
-        <p:blipFill>
-          <a:blip r:embed="rId2">
-            <a:extLst>
-              <a:ext uri="{28A0092B-C50C-407E-A947-70E740481C1C}">
-                <a14:useLocalDpi xmlns:a14="http://schemas.microsoft.com/office/drawing/2010/main" val="0"/>
-              </a:ext>
-            </a:extLst>
-          </a:blip>
-          <a:stretch>
-            <a:fillRect/>
-          </a:stretch>
-        </p:blipFill>
+        </p:nvSpPr>
         <p:spPr>
           <a:xfrm>
-            <a:off x="3387166" y="1460500"/>
-            <a:ext cx="3831240" cy="5188718"/>
+            <a:off x="677334" y="1500189"/>
+            <a:ext cx="8596668" cy="3880773"/>
           </a:xfrm>
         </p:spPr>
-      </p:pic>
-      <p:sp>
-        <p:nvSpPr>
-          <p:cNvPr id="3" name="TextBox 2"/>
-          <p:cNvSpPr txBox="1"/>
-          <p:nvPr/>
-        </p:nvSpPr>
-        <p:spPr>
-          <a:xfrm>
-            <a:off x="7833970" y="900668"/>
-            <a:ext cx="987771" cy="369332"/>
-          </a:xfrm>
-          <a:prstGeom prst="rect">
-            <a:avLst/>
-          </a:prstGeom>
-          <a:noFill/>
-        </p:spPr>
-        <p:txBody>
-          <a:bodyPr wrap="none" rtlCol="0">
-            <a:spAutoFit/>
-          </a:bodyPr>
-          <a:lstStyle/>
-          <a:p>
-            <a:r>
-              <a:rPr lang="en-US" dirty="0" err="1" smtClean="0">
-                <a:hlinkClick r:id="rId3"/>
-              </a:rPr>
-              <a:t>weblink</a:t>
+        <p:txBody>
+          <a:bodyPr/>
+          <a:lstStyle/>
+          <a:p>
+            <a:r>
+              <a:rPr lang="en-US" dirty="0"/>
+              <a:t>Game Loop vs Event based coding	</a:t>
+            </a:r>
+          </a:p>
+          <a:p>
+            <a:r>
+              <a:rPr lang="en-US" dirty="0"/>
+              <a:t>Component based architecture</a:t>
+            </a:r>
+          </a:p>
+          <a:p>
+            <a:r>
+              <a:rPr lang="en-US" dirty="0"/>
+              <a:t>Coroutines</a:t>
+            </a:r>
+          </a:p>
+          <a:p>
+            <a:r>
+              <a:rPr lang="en-US" dirty="0"/>
+              <a:t>The WWW class</a:t>
+            </a:r>
+          </a:p>
+          <a:p>
+            <a:r>
+              <a:rPr lang="en-US" dirty="0"/>
+              <a:t>Solution in action</a:t>
+            </a:r>
+          </a:p>
+          <a:p>
+            <a:r>
+              <a:rPr lang="en-US" dirty="0"/>
+              <a:t>Expanding on the solution.</a:t>
             </a:r>
             <a:endParaRPr lang="en-US" dirty="0" smtClean="0"/>
           </a:p>
@@ -8224,7 +8244,7 @@
     </p:spTree>
     <p:extLst>
       <p:ext uri="{BB962C8B-B14F-4D97-AF65-F5344CB8AC3E}">
-        <p14:creationId xmlns:p14="http://schemas.microsoft.com/office/powerpoint/2010/main" val="1674883590"/>
+        <p14:creationId xmlns:p14="http://schemas.microsoft.com/office/powerpoint/2010/main" val="2266718909"/>
       </p:ext>
     </p:extLst>
   </p:cSld>
@@ -8268,6 +8288,127 @@
             <p:ph type="title"/>
           </p:nvPr>
         </p:nvSpPr>
+        <p:spPr/>
+        <p:txBody>
+          <a:bodyPr/>
+          <a:lstStyle/>
+          <a:p>
+            <a:r>
+              <a:rPr lang="en-US" dirty="0" smtClean="0"/>
+              <a:t>Component based architecture</a:t>
+            </a:r>
+            <a:endParaRPr lang="en-US" dirty="0"/>
+          </a:p>
+        </p:txBody>
+      </p:sp>
+      <p:pic>
+        <p:nvPicPr>
+          <p:cNvPr id="4" name="Content Placeholder 3"/>
+          <p:cNvPicPr>
+            <a:picLocks noGrp="1" noChangeAspect="1"/>
+          </p:cNvPicPr>
+          <p:nvPr>
+            <p:ph idx="1"/>
+          </p:nvPr>
+        </p:nvPicPr>
+        <p:blipFill>
+          <a:blip r:embed="rId2">
+            <a:extLst>
+              <a:ext uri="{28A0092B-C50C-407E-A947-70E740481C1C}">
+                <a14:useLocalDpi xmlns:a14="http://schemas.microsoft.com/office/drawing/2010/main" val="0"/>
+              </a:ext>
+            </a:extLst>
+          </a:blip>
+          <a:stretch>
+            <a:fillRect/>
+          </a:stretch>
+        </p:blipFill>
+        <p:spPr>
+          <a:xfrm>
+            <a:off x="3387166" y="1460500"/>
+            <a:ext cx="3831240" cy="5188718"/>
+          </a:xfrm>
+        </p:spPr>
+      </p:pic>
+      <p:sp>
+        <p:nvSpPr>
+          <p:cNvPr id="3" name="TextBox 2"/>
+          <p:cNvSpPr txBox="1"/>
+          <p:nvPr/>
+        </p:nvSpPr>
+        <p:spPr>
+          <a:xfrm>
+            <a:off x="7833970" y="900668"/>
+            <a:ext cx="987771" cy="369332"/>
+          </a:xfrm>
+          <a:prstGeom prst="rect">
+            <a:avLst/>
+          </a:prstGeom>
+          <a:noFill/>
+        </p:spPr>
+        <p:txBody>
+          <a:bodyPr wrap="none" rtlCol="0">
+            <a:spAutoFit/>
+          </a:bodyPr>
+          <a:lstStyle/>
+          <a:p>
+            <a:r>
+              <a:rPr lang="en-US" dirty="0" err="1" smtClean="0">
+                <a:hlinkClick r:id="rId3"/>
+              </a:rPr>
+              <a:t>weblink</a:t>
+            </a:r>
+            <a:endParaRPr lang="en-US" dirty="0" smtClean="0"/>
+          </a:p>
+        </p:txBody>
+      </p:sp>
+    </p:spTree>
+    <p:extLst>
+      <p:ext uri="{BB962C8B-B14F-4D97-AF65-F5344CB8AC3E}">
+        <p14:creationId xmlns:p14="http://schemas.microsoft.com/office/powerpoint/2010/main" val="1674883590"/>
+      </p:ext>
+    </p:extLst>
+  </p:cSld>
+  <p:clrMapOvr>
+    <a:masterClrMapping/>
+  </p:clrMapOvr>
+  <p:timing>
+    <p:tnLst>
+      <p:par>
+        <p:cTn id="1" dur="indefinite" restart="never" nodeType="tmRoot"/>
+      </p:par>
+    </p:tnLst>
+  </p:timing>
+</p:sld>
+</file>
+
+<file path=ppt/slides/slide8.xml><?xml version="1.0" encoding="utf-8"?>
+<p:sld xmlns:a="http://schemas.openxmlformats.org/drawingml/2006/main" xmlns:r="http://schemas.openxmlformats.org/officeDocument/2006/relationships" xmlns:p="http://schemas.openxmlformats.org/presentationml/2006/main">
+  <p:cSld>
+    <p:spTree>
+      <p:nvGrpSpPr>
+        <p:cNvPr id="1" name=""/>
+        <p:cNvGrpSpPr/>
+        <p:nvPr/>
+      </p:nvGrpSpPr>
+      <p:grpSpPr>
+        <a:xfrm>
+          <a:off x="0" y="0"/>
+          <a:ext cx="0" cy="0"/>
+          <a:chOff x="0" y="0"/>
+          <a:chExt cx="0" cy="0"/>
+        </a:xfrm>
+      </p:grpSpPr>
+      <p:sp>
+        <p:nvSpPr>
+          <p:cNvPr id="2" name="Title 1"/>
+          <p:cNvSpPr>
+            <a:spLocks noGrp="1"/>
+          </p:cNvSpPr>
+          <p:nvPr>
+            <p:ph type="title"/>
+          </p:nvPr>
+        </p:nvSpPr>
         <p:spPr>
           <a:xfrm>
             <a:off x="791634" y="5765800"/>
@@ -8299,7 +8440,7 @@
 </p:sld>
 </file>
 
-<file path=ppt/slides/slide8.xml><?xml version="1.0" encoding="utf-8"?>
+<file path=ppt/slides/slide9.xml><?xml version="1.0" encoding="utf-8"?>
 <p:sld xmlns:a="http://schemas.openxmlformats.org/drawingml/2006/main" xmlns:r="http://schemas.openxmlformats.org/officeDocument/2006/relationships" xmlns:p="http://schemas.openxmlformats.org/presentationml/2006/main">
   <p:cSld>
     <p:spTree>
@@ -8385,64 +8526,6 @@
       </p:par>
     </p:tnLst>
   </p:timing>
-</p:sld>
-</file>
-
-<file path=ppt/slides/slide9.xml><?xml version="1.0" encoding="utf-8"?>
-<p:sld xmlns:a="http://schemas.openxmlformats.org/drawingml/2006/main" xmlns:r="http://schemas.openxmlformats.org/officeDocument/2006/relationships" xmlns:p="http://schemas.openxmlformats.org/presentationml/2006/main">
-  <p:cSld>
-    <p:spTree>
-      <p:nvGrpSpPr>
-        <p:cNvPr id="1" name=""/>
-        <p:cNvGrpSpPr/>
-        <p:nvPr/>
-      </p:nvGrpSpPr>
-      <p:grpSpPr>
-        <a:xfrm>
-          <a:off x="0" y="0"/>
-          <a:ext cx="0" cy="0"/>
-          <a:chOff x="0" y="0"/>
-          <a:chExt cx="0" cy="0"/>
-        </a:xfrm>
-      </p:grpSpPr>
-      <p:sp>
-        <p:nvSpPr>
-          <p:cNvPr id="2" name="Title 1"/>
-          <p:cNvSpPr>
-            <a:spLocks noGrp="1"/>
-          </p:cNvSpPr>
-          <p:nvPr>
-            <p:ph type="title"/>
-          </p:nvPr>
-        </p:nvSpPr>
-        <p:spPr>
-          <a:xfrm>
-            <a:off x="791634" y="5765800"/>
-            <a:ext cx="8596668" cy="1320800"/>
-          </a:xfrm>
-        </p:spPr>
-        <p:txBody>
-          <a:bodyPr/>
-          <a:lstStyle/>
-          <a:p>
-            <a:r>
-              <a:rPr lang="en-US" dirty="0" smtClean="0"/>
-              <a:t>demo</a:t>
-            </a:r>
-            <a:endParaRPr lang="en-US" dirty="0"/>
-          </a:p>
-        </p:txBody>
-      </p:sp>
-    </p:spTree>
-    <p:extLst>
-      <p:ext uri="{BB962C8B-B14F-4D97-AF65-F5344CB8AC3E}">
-        <p14:creationId xmlns:p14="http://schemas.microsoft.com/office/powerpoint/2010/main" val="2680097888"/>
-      </p:ext>
-    </p:extLst>
-  </p:cSld>
-  <p:clrMapOvr>
-    <a:masterClrMapping/>
-  </p:clrMapOvr>
 </p:sld>
 </file>
 
